--- a/lecture/GWAS_PopGen_2023.pptx
+++ b/lecture/GWAS_PopGen_2023.pptx
@@ -5,37 +5,38 @@
     <p:sldMasterId id="2147483648" r:id="rId1"/>
   </p:sldMasterIdLst>
   <p:notesMasterIdLst>
-    <p:notesMasterId r:id="rId30"/>
+    <p:notesMasterId r:id="rId31"/>
   </p:notesMasterIdLst>
   <p:sldIdLst>
     <p:sldId id="256" r:id="rId2"/>
     <p:sldId id="257" r:id="rId3"/>
-    <p:sldId id="260" r:id="rId4"/>
-    <p:sldId id="261" r:id="rId5"/>
-    <p:sldId id="259" r:id="rId6"/>
-    <p:sldId id="274" r:id="rId7"/>
-    <p:sldId id="262" r:id="rId8"/>
-    <p:sldId id="276" r:id="rId9"/>
-    <p:sldId id="277" r:id="rId10"/>
-    <p:sldId id="280" r:id="rId11"/>
-    <p:sldId id="281" r:id="rId12"/>
-    <p:sldId id="283" r:id="rId13"/>
-    <p:sldId id="284" r:id="rId14"/>
-    <p:sldId id="282" r:id="rId15"/>
-    <p:sldId id="285" r:id="rId16"/>
-    <p:sldId id="288" r:id="rId17"/>
-    <p:sldId id="289" r:id="rId18"/>
-    <p:sldId id="292" r:id="rId19"/>
-    <p:sldId id="265" r:id="rId20"/>
-    <p:sldId id="266" r:id="rId21"/>
-    <p:sldId id="267" r:id="rId22"/>
-    <p:sldId id="293" r:id="rId23"/>
-    <p:sldId id="268" r:id="rId24"/>
-    <p:sldId id="269" r:id="rId25"/>
-    <p:sldId id="270" r:id="rId26"/>
-    <p:sldId id="271" r:id="rId27"/>
-    <p:sldId id="272" r:id="rId28"/>
-    <p:sldId id="273" r:id="rId29"/>
+    <p:sldId id="294" r:id="rId4"/>
+    <p:sldId id="260" r:id="rId5"/>
+    <p:sldId id="261" r:id="rId6"/>
+    <p:sldId id="259" r:id="rId7"/>
+    <p:sldId id="274" r:id="rId8"/>
+    <p:sldId id="262" r:id="rId9"/>
+    <p:sldId id="276" r:id="rId10"/>
+    <p:sldId id="277" r:id="rId11"/>
+    <p:sldId id="280" r:id="rId12"/>
+    <p:sldId id="281" r:id="rId13"/>
+    <p:sldId id="283" r:id="rId14"/>
+    <p:sldId id="284" r:id="rId15"/>
+    <p:sldId id="282" r:id="rId16"/>
+    <p:sldId id="285" r:id="rId17"/>
+    <p:sldId id="288" r:id="rId18"/>
+    <p:sldId id="289" r:id="rId19"/>
+    <p:sldId id="292" r:id="rId20"/>
+    <p:sldId id="265" r:id="rId21"/>
+    <p:sldId id="266" r:id="rId22"/>
+    <p:sldId id="267" r:id="rId23"/>
+    <p:sldId id="293" r:id="rId24"/>
+    <p:sldId id="268" r:id="rId25"/>
+    <p:sldId id="269" r:id="rId26"/>
+    <p:sldId id="270" r:id="rId27"/>
+    <p:sldId id="271" r:id="rId28"/>
+    <p:sldId id="272" r:id="rId29"/>
+    <p:sldId id="273" r:id="rId30"/>
   </p:sldIdLst>
   <p:sldSz cx="13004800" cy="9753600"/>
   <p:notesSz cx="6858000" cy="9144000"/>
@@ -337,12 +338,18 @@
       </a:defRPr>
     </a:lvl9pPr>
   </p:defaultTextStyle>
+  <p:extLst>
+    <p:ext uri="{EFAFB233-063F-42B5-8137-9DF3F51BA10A}">
+      <p15:sldGuideLst xmlns:p15="http://schemas.microsoft.com/office/powerpoint/2012/main"/>
+    </p:ext>
+  </p:extLst>
 </p:presentation>
 </file>
 
 <file path=ppt/revisionInfo.xml><?xml version="1.0" encoding="utf-8"?>
 <p1510:revInfo xmlns:a="http://schemas.openxmlformats.org/drawingml/2006/main" xmlns:r="http://schemas.openxmlformats.org/officeDocument/2006/relationships" xmlns:p1510="http://schemas.microsoft.com/office/powerpoint/2015/10/main">
   <p1510:revLst>
+    <p1510:client id="{62310AA7-BD8C-FF45-A533-1D7F2CA88C21}" v="1" dt="2023-10-02T06:07:21.141"/>
     <p1510:client id="{F3E25C56-AFAE-564D-BF6A-404A6B0C8F1D}" v="253" dt="2023-10-02T05:27:51.816"/>
   </p1510:revLst>
 </p1510:revInfo>
@@ -350,6 +357,45 @@
 
 <file path=ppt/changesInfos/changesInfo1.xml><?xml version="1.0" encoding="utf-8"?>
 <pc:chgInfo xmlns:a="http://schemas.openxmlformats.org/drawingml/2006/main" xmlns:r="http://schemas.openxmlformats.org/officeDocument/2006/relationships" xmlns:ac="http://schemas.microsoft.com/office/drawing/2013/main/command" xmlns:pc="http://schemas.microsoft.com/office/powerpoint/2013/main/command">
+  <pc:docChgLst>
+    <pc:chgData name="Ann Igolkina" userId="4d1b5d7ddf2bbc78" providerId="LiveId" clId="{62310AA7-BD8C-FF45-A533-1D7F2CA88C21}"/>
+    <pc:docChg chg="addSld modSld">
+      <pc:chgData name="Ann Igolkina" userId="4d1b5d7ddf2bbc78" providerId="LiveId" clId="{62310AA7-BD8C-FF45-A533-1D7F2CA88C21}" dt="2023-10-02T06:08:32.402" v="108" actId="20577"/>
+      <pc:docMkLst>
+        <pc:docMk/>
+      </pc:docMkLst>
+      <pc:sldChg chg="modSp mod">
+        <pc:chgData name="Ann Igolkina" userId="4d1b5d7ddf2bbc78" providerId="LiveId" clId="{62310AA7-BD8C-FF45-A533-1D7F2CA88C21}" dt="2023-10-02T06:08:32.402" v="108" actId="20577"/>
+        <pc:sldMkLst>
+          <pc:docMk/>
+          <pc:sldMk cId="0" sldId="257"/>
+        </pc:sldMkLst>
+        <pc:spChg chg="mod">
+          <ac:chgData name="Ann Igolkina" userId="4d1b5d7ddf2bbc78" providerId="LiveId" clId="{62310AA7-BD8C-FF45-A533-1D7F2CA88C21}" dt="2023-10-02T06:08:32.402" v="108" actId="20577"/>
+          <ac:spMkLst>
+            <pc:docMk/>
+            <pc:sldMk cId="0" sldId="257"/>
+            <ac:spMk id="128" creationId="{00000000-0000-0000-0000-000000000000}"/>
+          </ac:spMkLst>
+        </pc:spChg>
+        <pc:spChg chg="mod">
+          <ac:chgData name="Ann Igolkina" userId="4d1b5d7ddf2bbc78" providerId="LiveId" clId="{62310AA7-BD8C-FF45-A533-1D7F2CA88C21}" dt="2023-10-02T06:08:14.597" v="103" actId="1076"/>
+          <ac:spMkLst>
+            <pc:docMk/>
+            <pc:sldMk cId="0" sldId="257"/>
+            <ac:spMk id="132" creationId="{00000000-0000-0000-0000-000000000000}"/>
+          </ac:spMkLst>
+        </pc:spChg>
+      </pc:sldChg>
+      <pc:sldChg chg="add">
+        <pc:chgData name="Ann Igolkina" userId="4d1b5d7ddf2bbc78" providerId="LiveId" clId="{62310AA7-BD8C-FF45-A533-1D7F2CA88C21}" dt="2023-10-02T06:07:21.133" v="0"/>
+        <pc:sldMkLst>
+          <pc:docMk/>
+          <pc:sldMk cId="267502272" sldId="294"/>
+        </pc:sldMkLst>
+      </pc:sldChg>
+    </pc:docChg>
+  </pc:docChgLst>
   <pc:docChgLst>
     <pc:chgData name="Ann Igolkina" userId="4d1b5d7ddf2bbc78" providerId="LiveId" clId="{F3E25C56-AFAE-564D-BF6A-404A6B0C8F1D}"/>
     <pc:docChg chg="undo redo custSel addSld delSld modSld sldOrd">
@@ -5047,7 +5093,7 @@
           </a:ln>
           <a:extLst>
             <a:ext uri="{C572A759-6A51-4108-AA02-DFA0A04FC94B}">
-              <ma14:wrappingTextBoxFlag xmlns:ma14="http://schemas.microsoft.com/office/mac/drawingml/2011/main" xmlns:a14="http://schemas.microsoft.com/office/drawing/2010/main" xmlns:m="http://schemas.openxmlformats.org/officeDocument/2006/math" xmlns="" val="1"/>
+              <ma14:wrappingTextBoxFlag xmlns="" xmlns:m="http://schemas.openxmlformats.org/officeDocument/2006/math" xmlns:a14="http://schemas.microsoft.com/office/drawing/2010/main" xmlns:ma14="http://schemas.microsoft.com/office/mac/drawingml/2011/main" val="1"/>
             </a:ext>
           </a:extLst>
         </p:spPr>
@@ -5086,7 +5132,7 @@
           </a:ln>
           <a:extLst>
             <a:ext uri="{C572A759-6A51-4108-AA02-DFA0A04FC94B}">
-              <ma14:wrappingTextBoxFlag xmlns:ma14="http://schemas.microsoft.com/office/mac/drawingml/2011/main" xmlns:a14="http://schemas.microsoft.com/office/drawing/2010/main" xmlns:m="http://schemas.openxmlformats.org/officeDocument/2006/math" xmlns="" val="1"/>
+              <ma14:wrappingTextBoxFlag xmlns="" xmlns:m="http://schemas.openxmlformats.org/officeDocument/2006/math" xmlns:a14="http://schemas.microsoft.com/office/drawing/2010/main" xmlns:ma14="http://schemas.microsoft.com/office/mac/drawingml/2011/main" val="1"/>
             </a:ext>
           </a:extLst>
         </p:spPr>
@@ -5932,7 +5978,7 @@
           </a:ln>
           <a:extLst>
             <a:ext uri="{C572A759-6A51-4108-AA02-DFA0A04FC94B}">
-              <ma14:wrappingTextBoxFlag xmlns:ma14="http://schemas.microsoft.com/office/mac/drawingml/2011/main" xmlns:a14="http://schemas.microsoft.com/office/drawing/2010/main" xmlns:m="http://schemas.openxmlformats.org/officeDocument/2006/math" xmlns="" val="1"/>
+              <ma14:wrappingTextBoxFlag xmlns="" xmlns:m="http://schemas.openxmlformats.org/officeDocument/2006/math" xmlns:a14="http://schemas.microsoft.com/office/drawing/2010/main" xmlns:ma14="http://schemas.microsoft.com/office/mac/drawingml/2011/main" val="1"/>
             </a:ext>
           </a:extLst>
         </p:spPr>
@@ -5980,7 +6026,7 @@
           </a:ln>
           <a:extLst>
             <a:ext uri="{C572A759-6A51-4108-AA02-DFA0A04FC94B}">
-              <ma14:wrappingTextBoxFlag xmlns:ma14="http://schemas.microsoft.com/office/mac/drawingml/2011/main" xmlns:a14="http://schemas.microsoft.com/office/drawing/2010/main" xmlns:m="http://schemas.openxmlformats.org/officeDocument/2006/math" xmlns="" val="1"/>
+              <ma14:wrappingTextBoxFlag xmlns="" xmlns:m="http://schemas.openxmlformats.org/officeDocument/2006/math" xmlns:a14="http://schemas.microsoft.com/office/drawing/2010/main" xmlns:ma14="http://schemas.microsoft.com/office/mac/drawingml/2011/main" val="1"/>
             </a:ext>
           </a:extLst>
         </p:spPr>
@@ -6337,7 +6383,7 @@
           </a:ln>
           <a:extLst>
             <a:ext uri="{C572A759-6A51-4108-AA02-DFA0A04FC94B}">
-              <ma14:wrappingTextBoxFlag xmlns:ma14="http://schemas.microsoft.com/office/mac/drawingml/2011/main" xmlns:a14="http://schemas.microsoft.com/office/drawing/2010/main" xmlns:m="http://schemas.openxmlformats.org/officeDocument/2006/math" xmlns="" val="1"/>
+              <ma14:wrappingTextBoxFlag xmlns="" xmlns:m="http://schemas.openxmlformats.org/officeDocument/2006/math" xmlns:a14="http://schemas.microsoft.com/office/drawing/2010/main" xmlns:ma14="http://schemas.microsoft.com/office/mac/drawingml/2011/main" val="1"/>
             </a:ext>
           </a:extLst>
         </p:spPr>
@@ -6358,7 +6404,7 @@
           <a:p>
             <a:r>
               <a:rPr lang="en-GB" dirty="0"/>
-              <a:t>Linkage Disequilibrium, LD</a:t>
+              <a:t>Association is not causation</a:t>
             </a:r>
             <a:endParaRPr dirty="0"/>
           </a:p>
@@ -6475,8 +6521,8 @@
         </p:nvSpPr>
         <p:spPr>
           <a:xfrm>
-            <a:off x="6156155" y="2962514"/>
-            <a:ext cx="692498" cy="656590"/>
+            <a:off x="6104859" y="2962514"/>
+            <a:ext cx="795089" cy="656590"/>
           </a:xfrm>
           <a:prstGeom prst="rect">
             <a:avLst/>
@@ -6529,7 +6575,7 @@
                   <a:schemeClr val="tx1"/>
                 </a:solidFill>
               </a:rPr>
-              <a:t>LD</a:t>
+              <a:t>???</a:t>
             </a:r>
             <a:endParaRPr kumimoji="0" lang="en-AT" sz="3600" b="0" i="0" u="none" strike="noStrike" cap="none" spc="0" normalizeH="0" baseline="0" dirty="0">
               <a:ln>
@@ -7064,9 +7110,9 @@
                 <a:solidFill>
                   <a:srgbClr val="FF9B50"/>
                 </a:solidFill>
-                <a:latin typeface="Helvetica Light" panose="020B0403020202020204" pitchFamily="34" charset="0"/>
+                <a:latin typeface="Helvetica" pitchFamily="2" charset="0"/>
               </a:rPr>
-              <a:t>association</a:t>
+              <a:t>Association only?</a:t>
             </a:r>
           </a:p>
         </p:txBody>
@@ -7074,7 +7120,7 @@
     </p:spTree>
     <p:extLst>
       <p:ext uri="{BB962C8B-B14F-4D97-AF65-F5344CB8AC3E}">
-        <p14:creationId xmlns:p14="http://schemas.microsoft.com/office/powerpoint/2010/main" val="102510428"/>
+        <p14:creationId xmlns:p14="http://schemas.microsoft.com/office/powerpoint/2010/main" val="1029858200"/>
       </p:ext>
     </p:extLst>
   </p:cSld>
@@ -7121,7 +7167,791 @@
           </a:ln>
           <a:extLst>
             <a:ext uri="{C572A759-6A51-4108-AA02-DFA0A04FC94B}">
-              <ma14:wrappingTextBoxFlag xmlns:ma14="http://schemas.microsoft.com/office/mac/drawingml/2011/main" xmlns:a14="http://schemas.microsoft.com/office/drawing/2010/main" xmlns:m="http://schemas.openxmlformats.org/officeDocument/2006/math" xmlns="" val="1"/>
+              <ma14:wrappingTextBoxFlag xmlns="" xmlns:m="http://schemas.openxmlformats.org/officeDocument/2006/math" xmlns:a14="http://schemas.microsoft.com/office/drawing/2010/main" xmlns:ma14="http://schemas.microsoft.com/office/mac/drawingml/2011/main" val="1"/>
+            </a:ext>
+          </a:extLst>
+        </p:spPr>
+        <p:txBody>
+          <a:bodyPr lIns="45719" rIns="45719">
+            <a:spAutoFit/>
+          </a:bodyPr>
+          <a:lstStyle>
+            <a:lvl1pPr algn="l" defTabSz="914400">
+              <a:defRPr sz="6000">
+                <a:latin typeface="Helvetica"/>
+                <a:ea typeface="Helvetica"/>
+                <a:cs typeface="Helvetica"/>
+                <a:sym typeface="Helvetica"/>
+              </a:defRPr>
+            </a:lvl1pPr>
+          </a:lstStyle>
+          <a:p>
+            <a:r>
+              <a:rPr lang="en-GB" dirty="0"/>
+              <a:t>Linkage Disequilibrium, LD</a:t>
+            </a:r>
+            <a:endParaRPr dirty="0"/>
+          </a:p>
+        </p:txBody>
+      </p:sp>
+      <p:grpSp>
+        <p:nvGrpSpPr>
+          <p:cNvPr id="216" name="Group"/>
+          <p:cNvGrpSpPr/>
+          <p:nvPr/>
+        </p:nvGrpSpPr>
+        <p:grpSpPr>
+          <a:xfrm>
+            <a:off x="-39524" y="1409700"/>
+            <a:ext cx="5636643" cy="186103"/>
+            <a:chOff x="0" y="0"/>
+            <a:chExt cx="5636641" cy="186102"/>
+          </a:xfrm>
+        </p:grpSpPr>
+        <p:sp>
+          <p:nvSpPr>
+            <p:cNvPr id="214" name="Rectangle"/>
+            <p:cNvSpPr/>
+            <p:nvPr/>
+          </p:nvSpPr>
+          <p:spPr>
+            <a:xfrm>
+              <a:off x="1877940" y="0"/>
+              <a:ext cx="3758702" cy="186103"/>
+            </a:xfrm>
+            <a:prstGeom prst="rect">
+              <a:avLst/>
+            </a:prstGeom>
+            <a:solidFill>
+              <a:srgbClr val="05774D"/>
+            </a:solidFill>
+            <a:ln w="12700" cap="flat">
+              <a:noFill/>
+              <a:miter lim="400000"/>
+            </a:ln>
+            <a:effectLst/>
+          </p:spPr>
+          <p:txBody>
+            <a:bodyPr wrap="square" lIns="45719" tIns="45719" rIns="45719" bIns="45719" numCol="1" anchor="ctr">
+              <a:noAutofit/>
+            </a:bodyPr>
+            <a:lstStyle/>
+            <a:p>
+              <a:pPr defTabSz="914400">
+                <a:defRPr sz="1800">
+                  <a:latin typeface="Calibri"/>
+                  <a:ea typeface="Calibri"/>
+                  <a:cs typeface="Calibri"/>
+                  <a:sym typeface="Calibri"/>
+                </a:defRPr>
+              </a:pPr>
+              <a:endParaRPr/>
+            </a:p>
+          </p:txBody>
+        </p:sp>
+        <p:sp>
+          <p:nvSpPr>
+            <p:cNvPr id="215" name="Rectangle"/>
+            <p:cNvSpPr/>
+            <p:nvPr/>
+          </p:nvSpPr>
+          <p:spPr>
+            <a:xfrm>
+              <a:off x="0" y="0"/>
+              <a:ext cx="1877941" cy="186103"/>
+            </a:xfrm>
+            <a:prstGeom prst="rect">
+              <a:avLst/>
+            </a:prstGeom>
+            <a:solidFill>
+              <a:srgbClr val="0097A9"/>
+            </a:solidFill>
+            <a:ln w="12700" cap="flat">
+              <a:noFill/>
+              <a:miter lim="400000"/>
+            </a:ln>
+            <a:effectLst/>
+          </p:spPr>
+          <p:txBody>
+            <a:bodyPr wrap="square" lIns="45719" tIns="45719" rIns="45719" bIns="45719" numCol="1" anchor="ctr">
+              <a:noAutofit/>
+            </a:bodyPr>
+            <a:lstStyle/>
+            <a:p>
+              <a:pPr defTabSz="914400">
+                <a:defRPr sz="1800">
+                  <a:latin typeface="Calibri"/>
+                  <a:ea typeface="Calibri"/>
+                  <a:cs typeface="Calibri"/>
+                  <a:sym typeface="Calibri"/>
+                </a:defRPr>
+              </a:pPr>
+              <a:endParaRPr/>
+            </a:p>
+          </p:txBody>
+        </p:sp>
+      </p:grpSp>
+      <p:sp>
+        <p:nvSpPr>
+          <p:cNvPr id="4" name="TextBox 3">
+            <a:extLst>
+              <a:ext uri="{FF2B5EF4-FFF2-40B4-BE49-F238E27FC236}">
+                <a16:creationId xmlns:a16="http://schemas.microsoft.com/office/drawing/2014/main" id="{4AF5D42E-1A3E-BC68-C935-3AFFAD84D6FF}"/>
+              </a:ext>
+            </a:extLst>
+          </p:cNvPr>
+          <p:cNvSpPr txBox="1"/>
+          <p:nvPr/>
+        </p:nvSpPr>
+        <p:spPr>
+          <a:xfrm>
+            <a:off x="6156155" y="2962514"/>
+            <a:ext cx="692498" cy="656590"/>
+          </a:xfrm>
+          <a:prstGeom prst="rect">
+            <a:avLst/>
+          </a:prstGeom>
+          <a:noFill/>
+          <a:ln w="12700" cap="flat">
+            <a:noFill/>
+            <a:miter lim="400000"/>
+          </a:ln>
+          <a:effectLst/>
+          <a:sp3d/>
+        </p:spPr>
+        <p:style>
+          <a:lnRef idx="0">
+            <a:scrgbClr r="0" g="0" b="0"/>
+          </a:lnRef>
+          <a:fillRef idx="0">
+            <a:scrgbClr r="0" g="0" b="0"/>
+          </a:fillRef>
+          <a:effectRef idx="0">
+            <a:scrgbClr r="0" g="0" b="0"/>
+          </a:effectRef>
+          <a:fontRef idx="none"/>
+        </p:style>
+        <p:txBody>
+          <a:bodyPr rot="0" spcFirstLastPara="1" vertOverflow="overflow" horzOverflow="overflow" vert="horz" wrap="none" lIns="50800" tIns="50800" rIns="50800" bIns="50800" numCol="1" spcCol="38100" rtlCol="0" anchor="ctr">
+            <a:spAutoFit/>
+          </a:bodyPr>
+          <a:lstStyle/>
+          <a:p>
+            <a:pPr marL="0" marR="0" indent="0" algn="ctr" defTabSz="584200" rtl="0" fontAlgn="auto" latinLnBrk="0" hangingPunct="0">
+              <a:lnSpc>
+                <a:spcPct val="100000"/>
+              </a:lnSpc>
+              <a:spcBef>
+                <a:spcPts val="0"/>
+              </a:spcBef>
+              <a:spcAft>
+                <a:spcPts val="0"/>
+              </a:spcAft>
+              <a:buClrTx/>
+              <a:buSzTx/>
+              <a:buFontTx/>
+              <a:buNone/>
+              <a:tabLst/>
+            </a:pPr>
+            <a:r>
+              <a:rPr lang="en-AT" dirty="0">
+                <a:solidFill>
+                  <a:schemeClr val="tx1"/>
+                </a:solidFill>
+              </a:rPr>
+              <a:t>LD</a:t>
+            </a:r>
+            <a:endParaRPr kumimoji="0" lang="en-AT" sz="3600" b="0" i="0" u="none" strike="noStrike" cap="none" spc="0" normalizeH="0" baseline="0" dirty="0">
+              <a:ln>
+                <a:noFill/>
+              </a:ln>
+              <a:solidFill>
+                <a:schemeClr val="tx1"/>
+              </a:solidFill>
+              <a:effectLst/>
+              <a:uFillTx/>
+              <a:latin typeface="+mn-lt"/>
+              <a:ea typeface="+mn-ea"/>
+              <a:cs typeface="+mn-cs"/>
+              <a:sym typeface="Helvetica Light"/>
+            </a:endParaRPr>
+          </a:p>
+        </p:txBody>
+      </p:sp>
+      <p:sp>
+        <p:nvSpPr>
+          <p:cNvPr id="5" name="TextBox 4">
+            <a:extLst>
+              <a:ext uri="{FF2B5EF4-FFF2-40B4-BE49-F238E27FC236}">
+                <a16:creationId xmlns:a16="http://schemas.microsoft.com/office/drawing/2014/main" id="{0431CE45-2A32-5207-5EDB-2C1DCC33862B}"/>
+              </a:ext>
+            </a:extLst>
+          </p:cNvPr>
+          <p:cNvSpPr txBox="1"/>
+          <p:nvPr/>
+        </p:nvSpPr>
+        <p:spPr>
+          <a:xfrm>
+            <a:off x="2667308" y="4876800"/>
+            <a:ext cx="2308324" cy="656590"/>
+          </a:xfrm>
+          <a:prstGeom prst="rect">
+            <a:avLst/>
+          </a:prstGeom>
+          <a:noFill/>
+          <a:ln w="12700" cap="flat">
+            <a:noFill/>
+            <a:miter lim="400000"/>
+          </a:ln>
+          <a:effectLst/>
+          <a:sp3d/>
+        </p:spPr>
+        <p:style>
+          <a:lnRef idx="0">
+            <a:scrgbClr r="0" g="0" b="0"/>
+          </a:lnRef>
+          <a:fillRef idx="0">
+            <a:scrgbClr r="0" g="0" b="0"/>
+          </a:fillRef>
+          <a:effectRef idx="0">
+            <a:scrgbClr r="0" g="0" b="0"/>
+          </a:effectRef>
+          <a:fontRef idx="none"/>
+        </p:style>
+        <p:txBody>
+          <a:bodyPr rot="0" spcFirstLastPara="1" vertOverflow="overflow" horzOverflow="overflow" vert="horz" wrap="none" lIns="50800" tIns="50800" rIns="50800" bIns="50800" numCol="1" spcCol="38100" rtlCol="0" anchor="ctr">
+            <a:spAutoFit/>
+          </a:bodyPr>
+          <a:lstStyle/>
+          <a:p>
+            <a:pPr marL="0" marR="0" indent="0" algn="ctr" defTabSz="584200" rtl="0" fontAlgn="auto" latinLnBrk="0" hangingPunct="0">
+              <a:lnSpc>
+                <a:spcPct val="100000"/>
+              </a:lnSpc>
+              <a:spcBef>
+                <a:spcPts val="0"/>
+              </a:spcBef>
+              <a:spcAft>
+                <a:spcPts val="0"/>
+              </a:spcAft>
+              <a:buClrTx/>
+              <a:buSzTx/>
+              <a:buFontTx/>
+              <a:buNone/>
+              <a:tabLst/>
+            </a:pPr>
+            <a:r>
+              <a:rPr lang="en-AT" dirty="0"/>
+              <a:t>Phenotype</a:t>
+            </a:r>
+            <a:endParaRPr kumimoji="0" lang="en-AT" sz="3600" b="0" i="0" u="none" strike="noStrike" cap="none" spc="0" normalizeH="0" baseline="0" dirty="0">
+              <a:ln>
+                <a:noFill/>
+              </a:ln>
+              <a:solidFill>
+                <a:srgbClr val="000000"/>
+              </a:solidFill>
+              <a:effectLst/>
+              <a:uFillTx/>
+              <a:latin typeface="+mn-lt"/>
+              <a:ea typeface="+mn-ea"/>
+              <a:cs typeface="+mn-cs"/>
+              <a:sym typeface="Helvetica Light"/>
+            </a:endParaRPr>
+          </a:p>
+        </p:txBody>
+      </p:sp>
+      <p:sp>
+        <p:nvSpPr>
+          <p:cNvPr id="6" name="TextBox 5">
+            <a:extLst>
+              <a:ext uri="{FF2B5EF4-FFF2-40B4-BE49-F238E27FC236}">
+                <a16:creationId xmlns:a16="http://schemas.microsoft.com/office/drawing/2014/main" id="{4775B62B-46D2-5AFB-4386-2C88082DEED8}"/>
+              </a:ext>
+            </a:extLst>
+          </p:cNvPr>
+          <p:cNvSpPr txBox="1"/>
+          <p:nvPr/>
+        </p:nvSpPr>
+        <p:spPr>
+          <a:xfrm>
+            <a:off x="7725807" y="4876800"/>
+            <a:ext cx="3282950" cy="656590"/>
+          </a:xfrm>
+          <a:prstGeom prst="rect">
+            <a:avLst/>
+          </a:prstGeom>
+          <a:noFill/>
+          <a:ln w="12700" cap="flat">
+            <a:noFill/>
+            <a:miter lim="400000"/>
+          </a:ln>
+          <a:effectLst/>
+          <a:sp3d/>
+        </p:spPr>
+        <p:style>
+          <a:lnRef idx="0">
+            <a:scrgbClr r="0" g="0" b="0"/>
+          </a:lnRef>
+          <a:fillRef idx="0">
+            <a:scrgbClr r="0" g="0" b="0"/>
+          </a:fillRef>
+          <a:effectRef idx="0">
+            <a:scrgbClr r="0" g="0" b="0"/>
+          </a:effectRef>
+          <a:fontRef idx="none"/>
+        </p:style>
+        <p:txBody>
+          <a:bodyPr rot="0" spcFirstLastPara="1" vertOverflow="overflow" horzOverflow="overflow" vert="horz" wrap="none" lIns="50800" tIns="50800" rIns="50800" bIns="50800" numCol="1" spcCol="38100" rtlCol="0" anchor="ctr">
+            <a:spAutoFit/>
+          </a:bodyPr>
+          <a:lstStyle/>
+          <a:p>
+            <a:pPr marL="0" marR="0" indent="0" algn="ctr" defTabSz="584200" rtl="0" fontAlgn="auto" latinLnBrk="0" hangingPunct="0">
+              <a:lnSpc>
+                <a:spcPct val="100000"/>
+              </a:lnSpc>
+              <a:spcBef>
+                <a:spcPts val="0"/>
+              </a:spcBef>
+              <a:spcAft>
+                <a:spcPts val="0"/>
+              </a:spcAft>
+              <a:buClrTx/>
+              <a:buSzTx/>
+              <a:buFontTx/>
+              <a:buNone/>
+              <a:tabLst/>
+            </a:pPr>
+            <a:r>
+              <a:rPr kumimoji="0" lang="en-AT" sz="3600" b="0" i="0" u="none" strike="noStrike" cap="none" spc="0" normalizeH="0" baseline="0" dirty="0">
+                <a:ln>
+                  <a:noFill/>
+                </a:ln>
+                <a:solidFill>
+                  <a:srgbClr val="000000"/>
+                </a:solidFill>
+                <a:effectLst/>
+                <a:uFillTx/>
+                <a:latin typeface="+mn-lt"/>
+                <a:ea typeface="+mn-ea"/>
+                <a:cs typeface="+mn-cs"/>
+                <a:sym typeface="Helvetica Light"/>
+              </a:rPr>
+              <a:t>Genetic marker</a:t>
+            </a:r>
+          </a:p>
+        </p:txBody>
+      </p:sp>
+      <p:cxnSp>
+        <p:nvCxnSpPr>
+          <p:cNvPr id="8" name="Straight Arrow Connector 7">
+            <a:extLst>
+              <a:ext uri="{FF2B5EF4-FFF2-40B4-BE49-F238E27FC236}">
+                <a16:creationId xmlns:a16="http://schemas.microsoft.com/office/drawing/2014/main" id="{97087040-C257-E3DB-0D42-8157D523C923}"/>
+              </a:ext>
+            </a:extLst>
+          </p:cNvPr>
+          <p:cNvCxnSpPr/>
+          <p:nvPr/>
+        </p:nvCxnSpPr>
+        <p:spPr>
+          <a:xfrm flipH="1">
+            <a:off x="4107051" y="3619104"/>
+            <a:ext cx="1208868" cy="999391"/>
+          </a:xfrm>
+          <a:prstGeom prst="straightConnector1">
+            <a:avLst/>
+          </a:prstGeom>
+          <a:noFill/>
+          <a:ln w="25400" cap="flat">
+            <a:solidFill>
+              <a:srgbClr val="0097A9"/>
+            </a:solidFill>
+            <a:prstDash val="solid"/>
+            <a:miter lim="400000"/>
+            <a:tailEnd type="triangle" w="lg" len="lg"/>
+          </a:ln>
+          <a:effectLst/>
+          <a:sp3d/>
+        </p:spPr>
+        <p:style>
+          <a:lnRef idx="0">
+            <a:scrgbClr r="0" g="0" b="0"/>
+          </a:lnRef>
+          <a:fillRef idx="0">
+            <a:scrgbClr r="0" g="0" b="0"/>
+          </a:fillRef>
+          <a:effectRef idx="0">
+            <a:scrgbClr r="0" g="0" b="0"/>
+          </a:effectRef>
+          <a:fontRef idx="none"/>
+        </p:style>
+      </p:cxnSp>
+      <p:cxnSp>
+        <p:nvCxnSpPr>
+          <p:cNvPr id="9" name="Straight Arrow Connector 8">
+            <a:extLst>
+              <a:ext uri="{FF2B5EF4-FFF2-40B4-BE49-F238E27FC236}">
+                <a16:creationId xmlns:a16="http://schemas.microsoft.com/office/drawing/2014/main" id="{134E6EDD-BCE3-F804-F8D7-871714E3703F}"/>
+              </a:ext>
+            </a:extLst>
+          </p:cNvPr>
+          <p:cNvCxnSpPr>
+            <a:cxnSpLocks/>
+          </p:cNvCxnSpPr>
+          <p:nvPr/>
+        </p:nvCxnSpPr>
+        <p:spPr>
+          <a:xfrm>
+            <a:off x="7570208" y="3619104"/>
+            <a:ext cx="1208868" cy="999391"/>
+          </a:xfrm>
+          <a:prstGeom prst="straightConnector1">
+            <a:avLst/>
+          </a:prstGeom>
+          <a:noFill/>
+          <a:ln w="25400" cap="flat">
+            <a:solidFill>
+              <a:srgbClr val="0097A9"/>
+            </a:solidFill>
+            <a:prstDash val="solid"/>
+            <a:miter lim="400000"/>
+            <a:tailEnd type="triangle" w="lg" len="lg"/>
+          </a:ln>
+          <a:effectLst/>
+          <a:sp3d/>
+        </p:spPr>
+        <p:style>
+          <a:lnRef idx="0">
+            <a:scrgbClr r="0" g="0" b="0"/>
+          </a:lnRef>
+          <a:fillRef idx="0">
+            <a:scrgbClr r="0" g="0" b="0"/>
+          </a:fillRef>
+          <a:effectRef idx="0">
+            <a:scrgbClr r="0" g="0" b="0"/>
+          </a:effectRef>
+          <a:fontRef idx="none"/>
+        </p:style>
+      </p:cxnSp>
+      <p:sp>
+        <p:nvSpPr>
+          <p:cNvPr id="11" name="Right Bracket 10">
+            <a:extLst>
+              <a:ext uri="{FF2B5EF4-FFF2-40B4-BE49-F238E27FC236}">
+                <a16:creationId xmlns:a16="http://schemas.microsoft.com/office/drawing/2014/main" id="{F4CBF5EC-DD2F-F06B-9581-C2D31B3937A7}"/>
+              </a:ext>
+            </a:extLst>
+          </p:cNvPr>
+          <p:cNvSpPr/>
+          <p:nvPr/>
+        </p:nvSpPr>
+        <p:spPr>
+          <a:xfrm rot="5400000">
+            <a:off x="6006454" y="3569527"/>
+            <a:ext cx="991891" cy="5129939"/>
+          </a:xfrm>
+          <a:prstGeom prst="rightBracket">
+            <a:avLst>
+              <a:gd name="adj" fmla="val 258594"/>
+            </a:avLst>
+          </a:prstGeom>
+          <a:noFill/>
+          <a:ln w="25400" cap="flat">
+            <a:solidFill>
+              <a:srgbClr val="FF9B50"/>
+            </a:solidFill>
+            <a:prstDash val="solid"/>
+            <a:miter lim="400000"/>
+            <a:headEnd type="triangle" w="lg" len="lg"/>
+            <a:tailEnd type="triangle" w="lg" len="lg"/>
+          </a:ln>
+          <a:effectLst/>
+          <a:sp3d/>
+        </p:spPr>
+        <p:style>
+          <a:lnRef idx="0">
+            <a:scrgbClr r="0" g="0" b="0"/>
+          </a:lnRef>
+          <a:fillRef idx="0">
+            <a:scrgbClr r="0" g="0" b="0"/>
+          </a:fillRef>
+          <a:effectRef idx="0">
+            <a:scrgbClr r="0" g="0" b="0"/>
+          </a:effectRef>
+          <a:fontRef idx="none"/>
+        </p:style>
+        <p:txBody>
+          <a:bodyPr rot="0" spcFirstLastPara="1" vertOverflow="overflow" horzOverflow="overflow" vert="horz" wrap="square" lIns="91439" tIns="45719" rIns="91439" bIns="45719" numCol="1" spcCol="38100" rtlCol="0" anchor="t">
+            <a:noAutofit/>
+          </a:bodyPr>
+          <a:lstStyle/>
+          <a:p>
+            <a:pPr marL="0" marR="0" indent="0" algn="l" defTabSz="914400" rtl="0" fontAlgn="auto" latinLnBrk="1" hangingPunct="0">
+              <a:lnSpc>
+                <a:spcPct val="100000"/>
+              </a:lnSpc>
+              <a:spcBef>
+                <a:spcPts val="0"/>
+              </a:spcBef>
+              <a:spcAft>
+                <a:spcPts val="0"/>
+              </a:spcAft>
+              <a:buClrTx/>
+              <a:buSzTx/>
+              <a:buFontTx/>
+              <a:buNone/>
+              <a:tabLst/>
+            </a:pPr>
+            <a:endParaRPr kumimoji="0" lang="en-AT" sz="1800" b="0" i="0" u="none" strike="noStrike" cap="none" spc="0" normalizeH="0" baseline="0">
+              <a:ln>
+                <a:noFill/>
+              </a:ln>
+              <a:solidFill>
+                <a:schemeClr val="accent6">
+                  <a:lumMod val="75000"/>
+                </a:schemeClr>
+              </a:solidFill>
+              <a:effectLst/>
+              <a:uFillTx/>
+            </a:endParaRPr>
+          </a:p>
+        </p:txBody>
+      </p:sp>
+      <p:sp>
+        <p:nvSpPr>
+          <p:cNvPr id="13" name="TextBox 12">
+            <a:extLst>
+              <a:ext uri="{FF2B5EF4-FFF2-40B4-BE49-F238E27FC236}">
+                <a16:creationId xmlns:a16="http://schemas.microsoft.com/office/drawing/2014/main" id="{C6479C6B-7FED-CBC9-5C00-46BE52F10440}"/>
+              </a:ext>
+            </a:extLst>
+          </p:cNvPr>
+          <p:cNvSpPr txBox="1"/>
+          <p:nvPr/>
+        </p:nvSpPr>
+        <p:spPr>
+          <a:xfrm>
+            <a:off x="899447" y="3584483"/>
+            <a:ext cx="6524786" cy="461665"/>
+          </a:xfrm>
+          <a:prstGeom prst="rect">
+            <a:avLst/>
+          </a:prstGeom>
+          <a:noFill/>
+          <a:ln w="12700" cap="flat">
+            <a:noFill/>
+            <a:miter lim="400000"/>
+          </a:ln>
+          <a:effectLst/>
+          <a:sp3d/>
+        </p:spPr>
+        <p:style>
+          <a:lnRef idx="0">
+            <a:scrgbClr r="0" g="0" b="0"/>
+          </a:lnRef>
+          <a:fillRef idx="0">
+            <a:scrgbClr r="0" g="0" b="0"/>
+          </a:fillRef>
+          <a:effectRef idx="0">
+            <a:scrgbClr r="0" g="0" b="0"/>
+          </a:effectRef>
+          <a:fontRef idx="none"/>
+        </p:style>
+        <p:txBody>
+          <a:bodyPr wrap="square">
+            <a:spAutoFit/>
+          </a:bodyPr>
+          <a:lstStyle/>
+          <a:p>
+            <a:r>
+              <a:rPr lang="en-GB" sz="2400" dirty="0">
+                <a:solidFill>
+                  <a:srgbClr val="0097A9"/>
+                </a:solidFill>
+              </a:rPr>
+              <a:t>causation</a:t>
+            </a:r>
+            <a:endParaRPr lang="en-AT" sz="2400" dirty="0">
+              <a:solidFill>
+                <a:srgbClr val="0097A9"/>
+              </a:solidFill>
+            </a:endParaRPr>
+          </a:p>
+        </p:txBody>
+      </p:sp>
+      <p:sp>
+        <p:nvSpPr>
+          <p:cNvPr id="14" name="TextBox 13">
+            <a:extLst>
+              <a:ext uri="{FF2B5EF4-FFF2-40B4-BE49-F238E27FC236}">
+                <a16:creationId xmlns:a16="http://schemas.microsoft.com/office/drawing/2014/main" id="{193EE306-CCFE-9E28-8870-211C2C9555DC}"/>
+              </a:ext>
+            </a:extLst>
+          </p:cNvPr>
+          <p:cNvSpPr txBox="1"/>
+          <p:nvPr/>
+        </p:nvSpPr>
+        <p:spPr>
+          <a:xfrm>
+            <a:off x="5516683" y="3584482"/>
+            <a:ext cx="6524786" cy="461665"/>
+          </a:xfrm>
+          <a:prstGeom prst="rect">
+            <a:avLst/>
+          </a:prstGeom>
+          <a:noFill/>
+          <a:ln w="12700" cap="flat">
+            <a:noFill/>
+            <a:miter lim="400000"/>
+          </a:ln>
+          <a:effectLst/>
+          <a:sp3d/>
+        </p:spPr>
+        <p:style>
+          <a:lnRef idx="0">
+            <a:scrgbClr r="0" g="0" b="0"/>
+          </a:lnRef>
+          <a:fillRef idx="0">
+            <a:scrgbClr r="0" g="0" b="0"/>
+          </a:fillRef>
+          <a:effectRef idx="0">
+            <a:scrgbClr r="0" g="0" b="0"/>
+          </a:effectRef>
+          <a:fontRef idx="none"/>
+        </p:style>
+        <p:txBody>
+          <a:bodyPr wrap="square">
+            <a:spAutoFit/>
+          </a:bodyPr>
+          <a:lstStyle/>
+          <a:p>
+            <a:r>
+              <a:rPr lang="en-GB" sz="2400" dirty="0">
+                <a:solidFill>
+                  <a:srgbClr val="0097A9"/>
+                </a:solidFill>
+              </a:rPr>
+              <a:t>causation</a:t>
+            </a:r>
+            <a:endParaRPr lang="en-AT" sz="2400" dirty="0">
+              <a:solidFill>
+                <a:srgbClr val="0097A9"/>
+              </a:solidFill>
+            </a:endParaRPr>
+          </a:p>
+        </p:txBody>
+      </p:sp>
+      <p:sp>
+        <p:nvSpPr>
+          <p:cNvPr id="15" name="TextBox 14">
+            <a:extLst>
+              <a:ext uri="{FF2B5EF4-FFF2-40B4-BE49-F238E27FC236}">
+                <a16:creationId xmlns:a16="http://schemas.microsoft.com/office/drawing/2014/main" id="{FA03D0CF-6ABD-D908-EA27-F56EF48965BF}"/>
+              </a:ext>
+            </a:extLst>
+          </p:cNvPr>
+          <p:cNvSpPr txBox="1"/>
+          <p:nvPr/>
+        </p:nvSpPr>
+        <p:spPr>
+          <a:xfrm>
+            <a:off x="3240006" y="6894960"/>
+            <a:ext cx="6524786" cy="461665"/>
+          </a:xfrm>
+          <a:prstGeom prst="rect">
+            <a:avLst/>
+          </a:prstGeom>
+          <a:noFill/>
+          <a:ln w="12700" cap="flat">
+            <a:noFill/>
+            <a:miter lim="400000"/>
+          </a:ln>
+          <a:effectLst/>
+          <a:sp3d/>
+        </p:spPr>
+        <p:style>
+          <a:lnRef idx="0">
+            <a:scrgbClr r="0" g="0" b="0"/>
+          </a:lnRef>
+          <a:fillRef idx="0">
+            <a:scrgbClr r="0" g="0" b="0"/>
+          </a:fillRef>
+          <a:effectRef idx="0">
+            <a:scrgbClr r="0" g="0" b="0"/>
+          </a:effectRef>
+          <a:fontRef idx="none"/>
+        </p:style>
+        <p:txBody>
+          <a:bodyPr wrap="square">
+            <a:spAutoFit/>
+          </a:bodyPr>
+          <a:lstStyle/>
+          <a:p>
+            <a:r>
+              <a:rPr lang="en-GB" sz="2400" dirty="0">
+                <a:solidFill>
+                  <a:srgbClr val="FF9B50"/>
+                </a:solidFill>
+                <a:latin typeface="Helvetica Light" panose="020B0403020202020204" pitchFamily="34" charset="0"/>
+              </a:rPr>
+              <a:t>association</a:t>
+            </a:r>
+          </a:p>
+        </p:txBody>
+      </p:sp>
+    </p:spTree>
+    <p:extLst>
+      <p:ext uri="{BB962C8B-B14F-4D97-AF65-F5344CB8AC3E}">
+        <p14:creationId xmlns:p14="http://schemas.microsoft.com/office/powerpoint/2010/main" val="102510428"/>
+      </p:ext>
+    </p:extLst>
+  </p:cSld>
+  <p:clrMapOvr>
+    <a:masterClrMapping/>
+  </p:clrMapOvr>
+  <p:transition spd="med"/>
+</p:sld>
+</file>
+
+<file path=ppt/slides/slide12.xml><?xml version="1.0" encoding="utf-8"?>
+<p:sld xmlns:a="http://schemas.openxmlformats.org/drawingml/2006/main" xmlns:r="http://schemas.openxmlformats.org/officeDocument/2006/relationships" xmlns:p="http://schemas.openxmlformats.org/presentationml/2006/main">
+  <p:cSld>
+    <p:spTree>
+      <p:nvGrpSpPr>
+        <p:cNvPr id="1" name=""/>
+        <p:cNvGrpSpPr/>
+        <p:nvPr/>
+      </p:nvGrpSpPr>
+      <p:grpSpPr>
+        <a:xfrm>
+          <a:off x="0" y="0"/>
+          <a:ext cx="0" cy="0"/>
+          <a:chOff x="0" y="0"/>
+          <a:chExt cx="0" cy="0"/>
+        </a:xfrm>
+      </p:grpSpPr>
+      <p:sp>
+        <p:nvSpPr>
+          <p:cNvPr id="213" name="Structure of genetic variation: LD"/>
+          <p:cNvSpPr txBox="1"/>
+          <p:nvPr/>
+        </p:nvSpPr>
+        <p:spPr>
+          <a:xfrm>
+            <a:off x="736937" y="216958"/>
+            <a:ext cx="12216725" cy="1015663"/>
+          </a:xfrm>
+          <a:prstGeom prst="rect">
+            <a:avLst/>
+          </a:prstGeom>
+          <a:ln w="12700">
+            <a:miter lim="400000"/>
+          </a:ln>
+          <a:extLst>
+            <a:ext uri="{C572A759-6A51-4108-AA02-DFA0A04FC94B}">
+              <ma14:wrappingTextBoxFlag xmlns="" xmlns:m="http://schemas.openxmlformats.org/officeDocument/2006/math" xmlns:a14="http://schemas.microsoft.com/office/drawing/2010/main" xmlns:ma14="http://schemas.microsoft.com/office/mac/drawingml/2011/main" val="1"/>
             </a:ext>
           </a:extLst>
         </p:spPr>
@@ -7413,13 +8243,7 @@
               <a:rPr lang="en-GB" sz="2600" dirty="0">
                 <a:latin typeface="Helvetica Light" panose="020B0403020202020204" pitchFamily="34" charset="0"/>
               </a:rPr>
-              <a:t>Q: Can one SNP can tag many variants,</a:t>
-            </a:r>
-            <a:r>
-              <a:rPr lang="en-GB" sz="2600" dirty="0">
-                <a:latin typeface="Helvetica Light" panose="020B0403020202020204" pitchFamily="34" charset="0"/>
-              </a:rPr>
-              <a:t> so we don’t need to test every SNP?</a:t>
+              <a:t>Q: Can one SNP can tag many variants, so we don’t need to test every SNP?</a:t>
             </a:r>
           </a:p>
         </p:txBody>
@@ -7438,7 +8262,7 @@
 </p:sld>
 </file>
 
-<file path=ppt/slides/slide12.xml><?xml version="1.0" encoding="utf-8"?>
+<file path=ppt/slides/slide13.xml><?xml version="1.0" encoding="utf-8"?>
 <p:sld xmlns:a="http://schemas.openxmlformats.org/drawingml/2006/main" xmlns:r="http://schemas.openxmlformats.org/officeDocument/2006/relationships" xmlns:p="http://schemas.openxmlformats.org/presentationml/2006/main">
   <p:cSld>
     <p:spTree>
@@ -7474,7 +8298,7 @@
           </a:ln>
           <a:extLst>
             <a:ext uri="{C572A759-6A51-4108-AA02-DFA0A04FC94B}">
-              <ma14:wrappingTextBoxFlag xmlns:ma14="http://schemas.microsoft.com/office/mac/drawingml/2011/main" xmlns:a14="http://schemas.microsoft.com/office/drawing/2010/main" xmlns:m="http://schemas.openxmlformats.org/officeDocument/2006/math" xmlns="" val="1"/>
+              <ma14:wrappingTextBoxFlag xmlns="" xmlns:m="http://schemas.openxmlformats.org/officeDocument/2006/math" xmlns:a14="http://schemas.microsoft.com/office/drawing/2010/main" xmlns:ma14="http://schemas.microsoft.com/office/mac/drawingml/2011/main" val="1"/>
             </a:ext>
           </a:extLst>
         </p:spPr>
@@ -8024,7 +8848,7 @@
 </p:sld>
 </file>
 
-<file path=ppt/slides/slide13.xml><?xml version="1.0" encoding="utf-8"?>
+<file path=ppt/slides/slide14.xml><?xml version="1.0" encoding="utf-8"?>
 <p:sld xmlns:a="http://schemas.openxmlformats.org/drawingml/2006/main" xmlns:r="http://schemas.openxmlformats.org/officeDocument/2006/relationships" xmlns:p="http://schemas.openxmlformats.org/presentationml/2006/main">
   <p:cSld>
     <p:spTree>
@@ -8308,7 +9132,7 @@
           </a:ln>
           <a:extLst>
             <a:ext uri="{C572A759-6A51-4108-AA02-DFA0A04FC94B}">
-              <ma14:wrappingTextBoxFlag xmlns:ma14="http://schemas.microsoft.com/office/mac/drawingml/2011/main" xmlns:a14="http://schemas.microsoft.com/office/drawing/2010/main" xmlns:m="http://schemas.openxmlformats.org/officeDocument/2006/math" xmlns="" val="1"/>
+              <ma14:wrappingTextBoxFlag xmlns="" xmlns:m="http://schemas.openxmlformats.org/officeDocument/2006/math" xmlns:a14="http://schemas.microsoft.com/office/drawing/2010/main" xmlns:ma14="http://schemas.microsoft.com/office/mac/drawingml/2011/main" val="1"/>
             </a:ext>
           </a:extLst>
         </p:spPr>
@@ -9017,7 +9841,7 @@
 </p:sld>
 </file>
 
-<file path=ppt/slides/slide14.xml><?xml version="1.0" encoding="utf-8"?>
+<file path=ppt/slides/slide15.xml><?xml version="1.0" encoding="utf-8"?>
 <p:sld xmlns:a="http://schemas.openxmlformats.org/drawingml/2006/main" xmlns:r="http://schemas.openxmlformats.org/officeDocument/2006/relationships" xmlns:p="http://schemas.openxmlformats.org/presentationml/2006/main">
   <p:cSld>
     <p:spTree>
@@ -9053,7 +9877,7 @@
           </a:ln>
           <a:extLst>
             <a:ext uri="{C572A759-6A51-4108-AA02-DFA0A04FC94B}">
-              <ma14:wrappingTextBoxFlag xmlns:ma14="http://schemas.microsoft.com/office/mac/drawingml/2011/main" xmlns:a14="http://schemas.microsoft.com/office/drawing/2010/main" xmlns:m="http://schemas.openxmlformats.org/officeDocument/2006/math" xmlns="" val="1"/>
+              <ma14:wrappingTextBoxFlag xmlns="" xmlns:m="http://schemas.openxmlformats.org/officeDocument/2006/math" xmlns:a14="http://schemas.microsoft.com/office/drawing/2010/main" xmlns:ma14="http://schemas.microsoft.com/office/mac/drawingml/2011/main" val="1"/>
             </a:ext>
           </a:extLst>
         </p:spPr>
@@ -9801,7 +10625,7 @@
 </p:sld>
 </file>
 
-<file path=ppt/slides/slide15.xml><?xml version="1.0" encoding="utf-8"?>
+<file path=ppt/slides/slide16.xml><?xml version="1.0" encoding="utf-8"?>
 <p:sld xmlns:a="http://schemas.openxmlformats.org/drawingml/2006/main" xmlns:r="http://schemas.openxmlformats.org/officeDocument/2006/relationships" xmlns:p="http://schemas.openxmlformats.org/presentationml/2006/main">
   <p:cSld>
     <p:spTree>
@@ -9837,7 +10661,7 @@
           </a:ln>
           <a:extLst>
             <a:ext uri="{C572A759-6A51-4108-AA02-DFA0A04FC94B}">
-              <ma14:wrappingTextBoxFlag xmlns:ma14="http://schemas.microsoft.com/office/mac/drawingml/2011/main" xmlns:a14="http://schemas.microsoft.com/office/drawing/2010/main" xmlns:m="http://schemas.openxmlformats.org/officeDocument/2006/math" xmlns="" val="1"/>
+              <ma14:wrappingTextBoxFlag xmlns="" xmlns:m="http://schemas.openxmlformats.org/officeDocument/2006/math" xmlns:a14="http://schemas.microsoft.com/office/drawing/2010/main" xmlns:ma14="http://schemas.microsoft.com/office/mac/drawingml/2011/main" val="1"/>
             </a:ext>
           </a:extLst>
         </p:spPr>
@@ -10073,8 +10897,8 @@
             <a:chExt cx="1241640" cy="1311840"/>
           </a:xfrm>
         </p:grpSpPr>
-        <mc:AlternateContent xmlns:mc="http://schemas.openxmlformats.org/markup-compatibility/2006">
-          <mc:Choice xmlns:p14="http://schemas.microsoft.com/office/powerpoint/2010/main" Requires="p14">
+        <mc:AlternateContent xmlns:mc="http://schemas.openxmlformats.org/markup-compatibility/2006" xmlns:p14="http://schemas.microsoft.com/office/powerpoint/2010/main">
+          <mc:Choice Requires="p14">
             <p:contentPart p14:bwMode="auto" r:id="rId2">
               <p14:nvContentPartPr>
                 <p14:cNvPr id="22" name="Ink 21">
@@ -10093,7 +10917,7 @@
               </p14:xfrm>
             </p:contentPart>
           </mc:Choice>
-          <mc:Fallback>
+          <mc:Fallback xmlns="">
             <p:pic>
               <p:nvPicPr>
                 <p:cNvPr id="22" name="Ink 21">
@@ -10124,8 +10948,8 @@
             </p:pic>
           </mc:Fallback>
         </mc:AlternateContent>
-        <mc:AlternateContent xmlns:mc="http://schemas.openxmlformats.org/markup-compatibility/2006">
-          <mc:Choice xmlns:p14="http://schemas.microsoft.com/office/powerpoint/2010/main" Requires="p14">
+        <mc:AlternateContent xmlns:mc="http://schemas.openxmlformats.org/markup-compatibility/2006" xmlns:p14="http://schemas.microsoft.com/office/powerpoint/2010/main">
+          <mc:Choice Requires="p14">
             <p:contentPart p14:bwMode="auto" r:id="rId4">
               <p14:nvContentPartPr>
                 <p14:cNvPr id="23" name="Ink 22">
@@ -10144,7 +10968,7 @@
               </p14:xfrm>
             </p:contentPart>
           </mc:Choice>
-          <mc:Fallback>
+          <mc:Fallback xmlns="">
             <p:pic>
               <p:nvPicPr>
                 <p:cNvPr id="23" name="Ink 22">
@@ -10175,8 +10999,8 @@
             </p:pic>
           </mc:Fallback>
         </mc:AlternateContent>
-        <mc:AlternateContent xmlns:mc="http://schemas.openxmlformats.org/markup-compatibility/2006">
-          <mc:Choice xmlns:p14="http://schemas.microsoft.com/office/powerpoint/2010/main" Requires="p14">
+        <mc:AlternateContent xmlns:mc="http://schemas.openxmlformats.org/markup-compatibility/2006" xmlns:p14="http://schemas.microsoft.com/office/powerpoint/2010/main">
+          <mc:Choice Requires="p14">
             <p:contentPart p14:bwMode="auto" r:id="rId5">
               <p14:nvContentPartPr>
                 <p14:cNvPr id="24" name="Ink 23">
@@ -10195,7 +11019,7 @@
               </p14:xfrm>
             </p:contentPart>
           </mc:Choice>
-          <mc:Fallback>
+          <mc:Fallback xmlns="">
             <p:pic>
               <p:nvPicPr>
                 <p:cNvPr id="24" name="Ink 23">
@@ -10226,8 +11050,8 @@
             </p:pic>
           </mc:Fallback>
         </mc:AlternateContent>
-        <mc:AlternateContent xmlns:mc="http://schemas.openxmlformats.org/markup-compatibility/2006">
-          <mc:Choice xmlns:p14="http://schemas.microsoft.com/office/powerpoint/2010/main" Requires="p14">
+        <mc:AlternateContent xmlns:mc="http://schemas.openxmlformats.org/markup-compatibility/2006" xmlns:p14="http://schemas.microsoft.com/office/powerpoint/2010/main">
+          <mc:Choice Requires="p14">
             <p:contentPart p14:bwMode="auto" r:id="rId6">
               <p14:nvContentPartPr>
                 <p14:cNvPr id="25" name="Ink 24">
@@ -10246,7 +11070,7 @@
               </p14:xfrm>
             </p:contentPart>
           </mc:Choice>
-          <mc:Fallback>
+          <mc:Fallback xmlns="">
             <p:pic>
               <p:nvPicPr>
                 <p:cNvPr id="25" name="Ink 24">
@@ -10277,8 +11101,8 @@
             </p:pic>
           </mc:Fallback>
         </mc:AlternateContent>
-        <mc:AlternateContent xmlns:mc="http://schemas.openxmlformats.org/markup-compatibility/2006">
-          <mc:Choice xmlns:p14="http://schemas.microsoft.com/office/powerpoint/2010/main" Requires="p14">
+        <mc:AlternateContent xmlns:mc="http://schemas.openxmlformats.org/markup-compatibility/2006" xmlns:p14="http://schemas.microsoft.com/office/powerpoint/2010/main">
+          <mc:Choice Requires="p14">
             <p:contentPart p14:bwMode="auto" r:id="rId7">
               <p14:nvContentPartPr>
                 <p14:cNvPr id="26" name="Ink 25">
@@ -10297,7 +11121,7 @@
               </p14:xfrm>
             </p:contentPart>
           </mc:Choice>
-          <mc:Fallback>
+          <mc:Fallback xmlns="">
             <p:pic>
               <p:nvPicPr>
                 <p:cNvPr id="26" name="Ink 25">
@@ -10328,8 +11152,8 @@
             </p:pic>
           </mc:Fallback>
         </mc:AlternateContent>
-        <mc:AlternateContent xmlns:mc="http://schemas.openxmlformats.org/markup-compatibility/2006">
-          <mc:Choice xmlns:p14="http://schemas.microsoft.com/office/powerpoint/2010/main" Requires="p14">
+        <mc:AlternateContent xmlns:mc="http://schemas.openxmlformats.org/markup-compatibility/2006" xmlns:p14="http://schemas.microsoft.com/office/powerpoint/2010/main">
+          <mc:Choice Requires="p14">
             <p:contentPart p14:bwMode="auto" r:id="rId8">
               <p14:nvContentPartPr>
                 <p14:cNvPr id="27" name="Ink 26">
@@ -10348,7 +11172,7 @@
               </p14:xfrm>
             </p:contentPart>
           </mc:Choice>
-          <mc:Fallback>
+          <mc:Fallback xmlns="">
             <p:pic>
               <p:nvPicPr>
                 <p:cNvPr id="27" name="Ink 26">
@@ -10379,8 +11203,8 @@
             </p:pic>
           </mc:Fallback>
         </mc:AlternateContent>
-        <mc:AlternateContent xmlns:mc="http://schemas.openxmlformats.org/markup-compatibility/2006">
-          <mc:Choice xmlns:p14="http://schemas.microsoft.com/office/powerpoint/2010/main" Requires="p14">
+        <mc:AlternateContent xmlns:mc="http://schemas.openxmlformats.org/markup-compatibility/2006" xmlns:p14="http://schemas.microsoft.com/office/powerpoint/2010/main">
+          <mc:Choice Requires="p14">
             <p:contentPart p14:bwMode="auto" r:id="rId9">
               <p14:nvContentPartPr>
                 <p14:cNvPr id="28" name="Ink 27">
@@ -10399,7 +11223,7 @@
               </p14:xfrm>
             </p:contentPart>
           </mc:Choice>
-          <mc:Fallback>
+          <mc:Fallback xmlns="">
             <p:pic>
               <p:nvPicPr>
                 <p:cNvPr id="28" name="Ink 27">
@@ -10430,8 +11254,8 @@
             </p:pic>
           </mc:Fallback>
         </mc:AlternateContent>
-        <mc:AlternateContent xmlns:mc="http://schemas.openxmlformats.org/markup-compatibility/2006">
-          <mc:Choice xmlns:p14="http://schemas.microsoft.com/office/powerpoint/2010/main" Requires="p14">
+        <mc:AlternateContent xmlns:mc="http://schemas.openxmlformats.org/markup-compatibility/2006" xmlns:p14="http://schemas.microsoft.com/office/powerpoint/2010/main">
+          <mc:Choice Requires="p14">
             <p:contentPart p14:bwMode="auto" r:id="rId10">
               <p14:nvContentPartPr>
                 <p14:cNvPr id="29" name="Ink 28">
@@ -10450,7 +11274,7 @@
               </p14:xfrm>
             </p:contentPart>
           </mc:Choice>
-          <mc:Fallback>
+          <mc:Fallback xmlns="">
             <p:pic>
               <p:nvPicPr>
                 <p:cNvPr id="29" name="Ink 28">
@@ -10481,8 +11305,8 @@
             </p:pic>
           </mc:Fallback>
         </mc:AlternateContent>
-        <mc:AlternateContent xmlns:mc="http://schemas.openxmlformats.org/markup-compatibility/2006">
-          <mc:Choice xmlns:p14="http://schemas.microsoft.com/office/powerpoint/2010/main" Requires="p14">
+        <mc:AlternateContent xmlns:mc="http://schemas.openxmlformats.org/markup-compatibility/2006" xmlns:p14="http://schemas.microsoft.com/office/powerpoint/2010/main">
+          <mc:Choice Requires="p14">
             <p:contentPart p14:bwMode="auto" r:id="rId11">
               <p14:nvContentPartPr>
                 <p14:cNvPr id="30" name="Ink 29">
@@ -10501,7 +11325,7 @@
               </p14:xfrm>
             </p:contentPart>
           </mc:Choice>
-          <mc:Fallback>
+          <mc:Fallback xmlns="">
             <p:pic>
               <p:nvPicPr>
                 <p:cNvPr id="30" name="Ink 29">
@@ -10532,8 +11356,8 @@
             </p:pic>
           </mc:Fallback>
         </mc:AlternateContent>
-        <mc:AlternateContent xmlns:mc="http://schemas.openxmlformats.org/markup-compatibility/2006">
-          <mc:Choice xmlns:p14="http://schemas.microsoft.com/office/powerpoint/2010/main" Requires="p14">
+        <mc:AlternateContent xmlns:mc="http://schemas.openxmlformats.org/markup-compatibility/2006" xmlns:p14="http://schemas.microsoft.com/office/powerpoint/2010/main">
+          <mc:Choice Requires="p14">
             <p:contentPart p14:bwMode="auto" r:id="rId12">
               <p14:nvContentPartPr>
                 <p14:cNvPr id="31" name="Ink 30">
@@ -10552,7 +11376,7 @@
               </p14:xfrm>
             </p:contentPart>
           </mc:Choice>
-          <mc:Fallback>
+          <mc:Fallback xmlns="">
             <p:pic>
               <p:nvPicPr>
                 <p:cNvPr id="31" name="Ink 30">
@@ -10583,8 +11407,8 @@
             </p:pic>
           </mc:Fallback>
         </mc:AlternateContent>
-        <mc:AlternateContent xmlns:mc="http://schemas.openxmlformats.org/markup-compatibility/2006">
-          <mc:Choice xmlns:p14="http://schemas.microsoft.com/office/powerpoint/2010/main" Requires="p14">
+        <mc:AlternateContent xmlns:mc="http://schemas.openxmlformats.org/markup-compatibility/2006" xmlns:p14="http://schemas.microsoft.com/office/powerpoint/2010/main">
+          <mc:Choice Requires="p14">
             <p:contentPart p14:bwMode="auto" r:id="rId13">
               <p14:nvContentPartPr>
                 <p14:cNvPr id="32" name="Ink 31">
@@ -10603,7 +11427,7 @@
               </p14:xfrm>
             </p:contentPart>
           </mc:Choice>
-          <mc:Fallback>
+          <mc:Fallback xmlns="">
             <p:pic>
               <p:nvPicPr>
                 <p:cNvPr id="32" name="Ink 31">
@@ -10634,8 +11458,8 @@
             </p:pic>
           </mc:Fallback>
         </mc:AlternateContent>
-        <mc:AlternateContent xmlns:mc="http://schemas.openxmlformats.org/markup-compatibility/2006">
-          <mc:Choice xmlns:p14="http://schemas.microsoft.com/office/powerpoint/2010/main" Requires="p14">
+        <mc:AlternateContent xmlns:mc="http://schemas.openxmlformats.org/markup-compatibility/2006" xmlns:p14="http://schemas.microsoft.com/office/powerpoint/2010/main">
+          <mc:Choice Requires="p14">
             <p:contentPart p14:bwMode="auto" r:id="rId14">
               <p14:nvContentPartPr>
                 <p14:cNvPr id="33" name="Ink 32">
@@ -10654,7 +11478,7 @@
               </p14:xfrm>
             </p:contentPart>
           </mc:Choice>
-          <mc:Fallback>
+          <mc:Fallback xmlns="">
             <p:pic>
               <p:nvPicPr>
                 <p:cNvPr id="33" name="Ink 32">
@@ -10706,8 +11530,8 @@
             <a:chExt cx="1452960" cy="1613520"/>
           </a:xfrm>
         </p:grpSpPr>
-        <mc:AlternateContent xmlns:mc="http://schemas.openxmlformats.org/markup-compatibility/2006">
-          <mc:Choice xmlns:p14="http://schemas.microsoft.com/office/powerpoint/2010/main" Requires="p14">
+        <mc:AlternateContent xmlns:mc="http://schemas.openxmlformats.org/markup-compatibility/2006" xmlns:p14="http://schemas.microsoft.com/office/powerpoint/2010/main">
+          <mc:Choice Requires="p14">
             <p:contentPart p14:bwMode="auto" r:id="rId15">
               <p14:nvContentPartPr>
                 <p14:cNvPr id="12" name="Ink 11">
@@ -10726,7 +11550,7 @@
               </p14:xfrm>
             </p:contentPart>
           </mc:Choice>
-          <mc:Fallback>
+          <mc:Fallback xmlns="">
             <p:pic>
               <p:nvPicPr>
                 <p:cNvPr id="12" name="Ink 11">
@@ -10757,8 +11581,8 @@
             </p:pic>
           </mc:Fallback>
         </mc:AlternateContent>
-        <mc:AlternateContent xmlns:mc="http://schemas.openxmlformats.org/markup-compatibility/2006">
-          <mc:Choice xmlns:p14="http://schemas.microsoft.com/office/powerpoint/2010/main" Requires="p14">
+        <mc:AlternateContent xmlns:mc="http://schemas.openxmlformats.org/markup-compatibility/2006" xmlns:p14="http://schemas.microsoft.com/office/powerpoint/2010/main">
+          <mc:Choice Requires="p14">
             <p:contentPart p14:bwMode="auto" r:id="rId17">
               <p14:nvContentPartPr>
                 <p14:cNvPr id="16" name="Ink 15">
@@ -10777,7 +11601,7 @@
               </p14:xfrm>
             </p:contentPart>
           </mc:Choice>
-          <mc:Fallback>
+          <mc:Fallback xmlns="">
             <p:pic>
               <p:nvPicPr>
                 <p:cNvPr id="16" name="Ink 15">
@@ -10808,8 +11632,8 @@
             </p:pic>
           </mc:Fallback>
         </mc:AlternateContent>
-        <mc:AlternateContent xmlns:mc="http://schemas.openxmlformats.org/markup-compatibility/2006">
-          <mc:Choice xmlns:p14="http://schemas.microsoft.com/office/powerpoint/2010/main" Requires="p14">
+        <mc:AlternateContent xmlns:mc="http://schemas.openxmlformats.org/markup-compatibility/2006" xmlns:p14="http://schemas.microsoft.com/office/powerpoint/2010/main">
+          <mc:Choice Requires="p14">
             <p:contentPart p14:bwMode="auto" r:id="rId18">
               <p14:nvContentPartPr>
                 <p14:cNvPr id="17" name="Ink 16">
@@ -10828,7 +11652,7 @@
               </p14:xfrm>
             </p:contentPart>
           </mc:Choice>
-          <mc:Fallback>
+          <mc:Fallback xmlns="">
             <p:pic>
               <p:nvPicPr>
                 <p:cNvPr id="17" name="Ink 16">
@@ -10859,8 +11683,8 @@
             </p:pic>
           </mc:Fallback>
         </mc:AlternateContent>
-        <mc:AlternateContent xmlns:mc="http://schemas.openxmlformats.org/markup-compatibility/2006">
-          <mc:Choice xmlns:p14="http://schemas.microsoft.com/office/powerpoint/2010/main" Requires="p14">
+        <mc:AlternateContent xmlns:mc="http://schemas.openxmlformats.org/markup-compatibility/2006" xmlns:p14="http://schemas.microsoft.com/office/powerpoint/2010/main">
+          <mc:Choice Requires="p14">
             <p:contentPart p14:bwMode="auto" r:id="rId19">
               <p14:nvContentPartPr>
                 <p14:cNvPr id="18" name="Ink 17">
@@ -10879,7 +11703,7 @@
               </p14:xfrm>
             </p:contentPart>
           </mc:Choice>
-          <mc:Fallback>
+          <mc:Fallback xmlns="">
             <p:pic>
               <p:nvPicPr>
                 <p:cNvPr id="18" name="Ink 17">
@@ -10910,8 +11734,8 @@
             </p:pic>
           </mc:Fallback>
         </mc:AlternateContent>
-        <mc:AlternateContent xmlns:mc="http://schemas.openxmlformats.org/markup-compatibility/2006">
-          <mc:Choice xmlns:p14="http://schemas.microsoft.com/office/powerpoint/2010/main" Requires="p14">
+        <mc:AlternateContent xmlns:mc="http://schemas.openxmlformats.org/markup-compatibility/2006" xmlns:p14="http://schemas.microsoft.com/office/powerpoint/2010/main">
+          <mc:Choice Requires="p14">
             <p:contentPart p14:bwMode="auto" r:id="rId20">
               <p14:nvContentPartPr>
                 <p14:cNvPr id="19" name="Ink 18">
@@ -10930,7 +11754,7 @@
               </p14:xfrm>
             </p:contentPart>
           </mc:Choice>
-          <mc:Fallback>
+          <mc:Fallback xmlns="">
             <p:pic>
               <p:nvPicPr>
                 <p:cNvPr id="19" name="Ink 18">
@@ -10961,8 +11785,8 @@
             </p:pic>
           </mc:Fallback>
         </mc:AlternateContent>
-        <mc:AlternateContent xmlns:mc="http://schemas.openxmlformats.org/markup-compatibility/2006">
-          <mc:Choice xmlns:p14="http://schemas.microsoft.com/office/powerpoint/2010/main" Requires="p14">
+        <mc:AlternateContent xmlns:mc="http://schemas.openxmlformats.org/markup-compatibility/2006" xmlns:p14="http://schemas.microsoft.com/office/powerpoint/2010/main">
+          <mc:Choice Requires="p14">
             <p:contentPart p14:bwMode="auto" r:id="rId21">
               <p14:nvContentPartPr>
                 <p14:cNvPr id="20" name="Ink 19">
@@ -10981,7 +11805,7 @@
               </p14:xfrm>
             </p:contentPart>
           </mc:Choice>
-          <mc:Fallback>
+          <mc:Fallback xmlns="">
             <p:pic>
               <p:nvPicPr>
                 <p:cNvPr id="20" name="Ink 19">
@@ -11012,8 +11836,8 @@
             </p:pic>
           </mc:Fallback>
         </mc:AlternateContent>
-        <mc:AlternateContent xmlns:mc="http://schemas.openxmlformats.org/markup-compatibility/2006">
-          <mc:Choice xmlns:p14="http://schemas.microsoft.com/office/powerpoint/2010/main" Requires="p14">
+        <mc:AlternateContent xmlns:mc="http://schemas.openxmlformats.org/markup-compatibility/2006" xmlns:p14="http://schemas.microsoft.com/office/powerpoint/2010/main">
+          <mc:Choice Requires="p14">
             <p:contentPart p14:bwMode="auto" r:id="rId22">
               <p14:nvContentPartPr>
                 <p14:cNvPr id="21" name="Ink 20">
@@ -11032,7 +11856,7 @@
               </p14:xfrm>
             </p:contentPart>
           </mc:Choice>
-          <mc:Fallback>
+          <mc:Fallback xmlns="">
             <p:pic>
               <p:nvPicPr>
                 <p:cNvPr id="21" name="Ink 20">
@@ -11063,8 +11887,8 @@
             </p:pic>
           </mc:Fallback>
         </mc:AlternateContent>
-        <mc:AlternateContent xmlns:mc="http://schemas.openxmlformats.org/markup-compatibility/2006">
-          <mc:Choice xmlns:p14="http://schemas.microsoft.com/office/powerpoint/2010/main" Requires="p14">
+        <mc:AlternateContent xmlns:mc="http://schemas.openxmlformats.org/markup-compatibility/2006" xmlns:p14="http://schemas.microsoft.com/office/powerpoint/2010/main">
+          <mc:Choice Requires="p14">
             <p:contentPart p14:bwMode="auto" r:id="rId23">
               <p14:nvContentPartPr>
                 <p14:cNvPr id="34" name="Ink 33">
@@ -11083,7 +11907,7 @@
               </p14:xfrm>
             </p:contentPart>
           </mc:Choice>
-          <mc:Fallback>
+          <mc:Fallback xmlns="">
             <p:pic>
               <p:nvPicPr>
                 <p:cNvPr id="34" name="Ink 33">
@@ -11114,8 +11938,8 @@
             </p:pic>
           </mc:Fallback>
         </mc:AlternateContent>
-        <mc:AlternateContent xmlns:mc="http://schemas.openxmlformats.org/markup-compatibility/2006">
-          <mc:Choice xmlns:p14="http://schemas.microsoft.com/office/powerpoint/2010/main" Requires="p14">
+        <mc:AlternateContent xmlns:mc="http://schemas.openxmlformats.org/markup-compatibility/2006" xmlns:p14="http://schemas.microsoft.com/office/powerpoint/2010/main">
+          <mc:Choice Requires="p14">
             <p:contentPart p14:bwMode="auto" r:id="rId24">
               <p14:nvContentPartPr>
                 <p14:cNvPr id="35" name="Ink 34">
@@ -11134,7 +11958,7 @@
               </p14:xfrm>
             </p:contentPart>
           </mc:Choice>
-          <mc:Fallback>
+          <mc:Fallback xmlns="">
             <p:pic>
               <p:nvPicPr>
                 <p:cNvPr id="35" name="Ink 34">
@@ -11165,8 +11989,8 @@
             </p:pic>
           </mc:Fallback>
         </mc:AlternateContent>
-        <mc:AlternateContent xmlns:mc="http://schemas.openxmlformats.org/markup-compatibility/2006">
-          <mc:Choice xmlns:p14="http://schemas.microsoft.com/office/powerpoint/2010/main" Requires="p14">
+        <mc:AlternateContent xmlns:mc="http://schemas.openxmlformats.org/markup-compatibility/2006" xmlns:p14="http://schemas.microsoft.com/office/powerpoint/2010/main">
+          <mc:Choice Requires="p14">
             <p:contentPart p14:bwMode="auto" r:id="rId25">
               <p14:nvContentPartPr>
                 <p14:cNvPr id="36" name="Ink 35">
@@ -11185,7 +12009,7 @@
               </p14:xfrm>
             </p:contentPart>
           </mc:Choice>
-          <mc:Fallback>
+          <mc:Fallback xmlns="">
             <p:pic>
               <p:nvPicPr>
                 <p:cNvPr id="36" name="Ink 35">
@@ -11216,8 +12040,8 @@
             </p:pic>
           </mc:Fallback>
         </mc:AlternateContent>
-        <mc:AlternateContent xmlns:mc="http://schemas.openxmlformats.org/markup-compatibility/2006">
-          <mc:Choice xmlns:p14="http://schemas.microsoft.com/office/powerpoint/2010/main" Requires="p14">
+        <mc:AlternateContent xmlns:mc="http://schemas.openxmlformats.org/markup-compatibility/2006" xmlns:p14="http://schemas.microsoft.com/office/powerpoint/2010/main">
+          <mc:Choice Requires="p14">
             <p:contentPart p14:bwMode="auto" r:id="rId26">
               <p14:nvContentPartPr>
                 <p14:cNvPr id="37" name="Ink 36">
@@ -11236,7 +12060,7 @@
               </p14:xfrm>
             </p:contentPart>
           </mc:Choice>
-          <mc:Fallback>
+          <mc:Fallback xmlns="">
             <p:pic>
               <p:nvPicPr>
                 <p:cNvPr id="37" name="Ink 36">
@@ -11267,8 +12091,8 @@
             </p:pic>
           </mc:Fallback>
         </mc:AlternateContent>
-        <mc:AlternateContent xmlns:mc="http://schemas.openxmlformats.org/markup-compatibility/2006">
-          <mc:Choice xmlns:p14="http://schemas.microsoft.com/office/powerpoint/2010/main" Requires="p14">
+        <mc:AlternateContent xmlns:mc="http://schemas.openxmlformats.org/markup-compatibility/2006" xmlns:p14="http://schemas.microsoft.com/office/powerpoint/2010/main">
+          <mc:Choice Requires="p14">
             <p:contentPart p14:bwMode="auto" r:id="rId27">
               <p14:nvContentPartPr>
                 <p14:cNvPr id="38" name="Ink 37">
@@ -11287,7 +12111,7 @@
               </p14:xfrm>
             </p:contentPart>
           </mc:Choice>
-          <mc:Fallback>
+          <mc:Fallback xmlns="">
             <p:pic>
               <p:nvPicPr>
                 <p:cNvPr id="38" name="Ink 37">
@@ -11318,8 +12142,8 @@
             </p:pic>
           </mc:Fallback>
         </mc:AlternateContent>
-        <mc:AlternateContent xmlns:mc="http://schemas.openxmlformats.org/markup-compatibility/2006">
-          <mc:Choice xmlns:p14="http://schemas.microsoft.com/office/powerpoint/2010/main" Requires="p14">
+        <mc:AlternateContent xmlns:mc="http://schemas.openxmlformats.org/markup-compatibility/2006" xmlns:p14="http://schemas.microsoft.com/office/powerpoint/2010/main">
+          <mc:Choice Requires="p14">
             <p:contentPart p14:bwMode="auto" r:id="rId28">
               <p14:nvContentPartPr>
                 <p14:cNvPr id="39" name="Ink 38">
@@ -11338,7 +12162,7 @@
               </p14:xfrm>
             </p:contentPart>
           </mc:Choice>
-          <mc:Fallback>
+          <mc:Fallback xmlns="">
             <p:pic>
               <p:nvPicPr>
                 <p:cNvPr id="39" name="Ink 38">
@@ -11619,8 +12443,8 @@
               </a:extLst>
             </p:spPr>
           </p:pic>
-          <mc:AlternateContent xmlns:mc="http://schemas.openxmlformats.org/markup-compatibility/2006">
-            <mc:Choice xmlns:p14="http://schemas.microsoft.com/office/powerpoint/2010/main" Requires="p14">
+          <mc:AlternateContent xmlns:mc="http://schemas.openxmlformats.org/markup-compatibility/2006" xmlns:p14="http://schemas.microsoft.com/office/powerpoint/2010/main">
+            <mc:Choice Requires="p14">
               <p:contentPart p14:bwMode="auto" r:id="rId30">
                 <p14:nvContentPartPr>
                   <p14:cNvPr id="55" name="Ink 54">
@@ -11639,7 +12463,7 @@
                 </p14:xfrm>
               </p:contentPart>
             </mc:Choice>
-            <mc:Fallback>
+            <mc:Fallback xmlns="">
               <p:pic>
                 <p:nvPicPr>
                   <p:cNvPr id="55" name="Ink 54">
@@ -11670,8 +12494,8 @@
               </p:pic>
             </mc:Fallback>
           </mc:AlternateContent>
-          <mc:AlternateContent xmlns:mc="http://schemas.openxmlformats.org/markup-compatibility/2006">
-            <mc:Choice xmlns:p14="http://schemas.microsoft.com/office/powerpoint/2010/main" Requires="p14">
+          <mc:AlternateContent xmlns:mc="http://schemas.openxmlformats.org/markup-compatibility/2006" xmlns:p14="http://schemas.microsoft.com/office/powerpoint/2010/main">
+            <mc:Choice Requires="p14">
               <p:contentPart p14:bwMode="auto" r:id="rId31">
                 <p14:nvContentPartPr>
                   <p14:cNvPr id="56" name="Ink 55">
@@ -11690,7 +12514,7 @@
                 </p14:xfrm>
               </p:contentPart>
             </mc:Choice>
-            <mc:Fallback>
+            <mc:Fallback xmlns="">
               <p:pic>
                 <p:nvPicPr>
                   <p:cNvPr id="56" name="Ink 55">
@@ -11721,8 +12545,8 @@
               </p:pic>
             </mc:Fallback>
           </mc:AlternateContent>
-          <mc:AlternateContent xmlns:mc="http://schemas.openxmlformats.org/markup-compatibility/2006">
-            <mc:Choice xmlns:p14="http://schemas.microsoft.com/office/powerpoint/2010/main" Requires="p14">
+          <mc:AlternateContent xmlns:mc="http://schemas.openxmlformats.org/markup-compatibility/2006" xmlns:p14="http://schemas.microsoft.com/office/powerpoint/2010/main">
+            <mc:Choice Requires="p14">
               <p:contentPart p14:bwMode="auto" r:id="rId32">
                 <p14:nvContentPartPr>
                   <p14:cNvPr id="58" name="Ink 57">
@@ -11741,7 +12565,7 @@
                 </p14:xfrm>
               </p:contentPart>
             </mc:Choice>
-            <mc:Fallback>
+            <mc:Fallback xmlns="">
               <p:pic>
                 <p:nvPicPr>
                   <p:cNvPr id="58" name="Ink 57">
@@ -11772,8 +12596,8 @@
               </p:pic>
             </mc:Fallback>
           </mc:AlternateContent>
-          <mc:AlternateContent xmlns:mc="http://schemas.openxmlformats.org/markup-compatibility/2006">
-            <mc:Choice xmlns:p14="http://schemas.microsoft.com/office/powerpoint/2010/main" Requires="p14">
+          <mc:AlternateContent xmlns:mc="http://schemas.openxmlformats.org/markup-compatibility/2006" xmlns:p14="http://schemas.microsoft.com/office/powerpoint/2010/main">
+            <mc:Choice Requires="p14">
               <p:contentPart p14:bwMode="auto" r:id="rId33">
                 <p14:nvContentPartPr>
                   <p14:cNvPr id="59" name="Ink 58">
@@ -11792,7 +12616,7 @@
                 </p14:xfrm>
               </p:contentPart>
             </mc:Choice>
-            <mc:Fallback>
+            <mc:Fallback xmlns="">
               <p:pic>
                 <p:nvPicPr>
                   <p:cNvPr id="59" name="Ink 58">
@@ -11823,8 +12647,8 @@
               </p:pic>
             </mc:Fallback>
           </mc:AlternateContent>
-          <mc:AlternateContent xmlns:mc="http://schemas.openxmlformats.org/markup-compatibility/2006">
-            <mc:Choice xmlns:p14="http://schemas.microsoft.com/office/powerpoint/2010/main" Requires="p14">
+          <mc:AlternateContent xmlns:mc="http://schemas.openxmlformats.org/markup-compatibility/2006" xmlns:p14="http://schemas.microsoft.com/office/powerpoint/2010/main">
+            <mc:Choice Requires="p14">
               <p:contentPart p14:bwMode="auto" r:id="rId34">
                 <p14:nvContentPartPr>
                   <p14:cNvPr id="60" name="Ink 59">
@@ -11843,7 +12667,7 @@
                 </p14:xfrm>
               </p:contentPart>
             </mc:Choice>
-            <mc:Fallback>
+            <mc:Fallback xmlns="">
               <p:pic>
                 <p:nvPicPr>
                   <p:cNvPr id="60" name="Ink 59">
@@ -11895,8 +12719,8 @@
               <a:chExt cx="216720" cy="7920"/>
             </a:xfrm>
           </p:grpSpPr>
-          <mc:AlternateContent xmlns:mc="http://schemas.openxmlformats.org/markup-compatibility/2006">
-            <mc:Choice xmlns:p14="http://schemas.microsoft.com/office/powerpoint/2010/main" Requires="p14">
+          <mc:AlternateContent xmlns:mc="http://schemas.openxmlformats.org/markup-compatibility/2006" xmlns:p14="http://schemas.microsoft.com/office/powerpoint/2010/main">
+            <mc:Choice Requires="p14">
               <p:contentPart p14:bwMode="auto" r:id="rId35">
                 <p14:nvContentPartPr>
                   <p14:cNvPr id="202" name="Ink 201">
@@ -11915,7 +12739,7 @@
                 </p14:xfrm>
               </p:contentPart>
             </mc:Choice>
-            <mc:Fallback>
+            <mc:Fallback xmlns="">
               <p:pic>
                 <p:nvPicPr>
                   <p:cNvPr id="202" name="Ink 201">
@@ -11946,8 +12770,8 @@
               </p:pic>
             </mc:Fallback>
           </mc:AlternateContent>
-          <mc:AlternateContent xmlns:mc="http://schemas.openxmlformats.org/markup-compatibility/2006">
-            <mc:Choice xmlns:p14="http://schemas.microsoft.com/office/powerpoint/2010/main" Requires="p14">
+          <mc:AlternateContent xmlns:mc="http://schemas.openxmlformats.org/markup-compatibility/2006" xmlns:p14="http://schemas.microsoft.com/office/powerpoint/2010/main">
+            <mc:Choice Requires="p14">
               <p:contentPart p14:bwMode="auto" r:id="rId36">
                 <p14:nvContentPartPr>
                   <p14:cNvPr id="203" name="Ink 202">
@@ -11966,7 +12790,7 @@
                 </p14:xfrm>
               </p:contentPart>
             </mc:Choice>
-            <mc:Fallback>
+            <mc:Fallback xmlns="">
               <p:pic>
                 <p:nvPicPr>
                   <p:cNvPr id="203" name="Ink 202">
@@ -12018,8 +12842,8 @@
               <a:chExt cx="208440" cy="2880"/>
             </a:xfrm>
           </p:grpSpPr>
-          <mc:AlternateContent xmlns:mc="http://schemas.openxmlformats.org/markup-compatibility/2006">
-            <mc:Choice xmlns:p14="http://schemas.microsoft.com/office/powerpoint/2010/main" Requires="p14">
+          <mc:AlternateContent xmlns:mc="http://schemas.openxmlformats.org/markup-compatibility/2006" xmlns:p14="http://schemas.microsoft.com/office/powerpoint/2010/main">
+            <mc:Choice Requires="p14">
               <p:contentPart p14:bwMode="auto" r:id="rId37">
                 <p14:nvContentPartPr>
                   <p14:cNvPr id="205" name="Ink 204">
@@ -12038,7 +12862,7 @@
                 </p14:xfrm>
               </p:contentPart>
             </mc:Choice>
-            <mc:Fallback>
+            <mc:Fallback xmlns="">
               <p:pic>
                 <p:nvPicPr>
                   <p:cNvPr id="205" name="Ink 204">
@@ -12069,8 +12893,8 @@
               </p:pic>
             </mc:Fallback>
           </mc:AlternateContent>
-          <mc:AlternateContent xmlns:mc="http://schemas.openxmlformats.org/markup-compatibility/2006">
-            <mc:Choice xmlns:p14="http://schemas.microsoft.com/office/powerpoint/2010/main" Requires="p14">
+          <mc:AlternateContent xmlns:mc="http://schemas.openxmlformats.org/markup-compatibility/2006" xmlns:p14="http://schemas.microsoft.com/office/powerpoint/2010/main">
+            <mc:Choice Requires="p14">
               <p:contentPart p14:bwMode="auto" r:id="rId38">
                 <p14:nvContentPartPr>
                   <p14:cNvPr id="206" name="Ink 205">
@@ -12089,7 +12913,7 @@
                 </p14:xfrm>
               </p:contentPart>
             </mc:Choice>
-            <mc:Fallback>
+            <mc:Fallback xmlns="">
               <p:pic>
                 <p:nvPicPr>
                   <p:cNvPr id="206" name="Ink 205">
@@ -12737,7 +13561,7 @@
 </p:sld>
 </file>
 
-<file path=ppt/slides/slide16.xml><?xml version="1.0" encoding="utf-8"?>
+<file path=ppt/slides/slide17.xml><?xml version="1.0" encoding="utf-8"?>
 <p:sld xmlns:a="http://schemas.openxmlformats.org/drawingml/2006/main" xmlns:r="http://schemas.openxmlformats.org/officeDocument/2006/relationships" xmlns:p="http://schemas.openxmlformats.org/presentationml/2006/main">
   <p:cSld>
     <p:spTree>
@@ -12773,7 +13597,7 @@
           </a:ln>
           <a:extLst>
             <a:ext uri="{C572A759-6A51-4108-AA02-DFA0A04FC94B}">
-              <ma14:wrappingTextBoxFlag xmlns:ma14="http://schemas.microsoft.com/office/mac/drawingml/2011/main" xmlns:a14="http://schemas.microsoft.com/office/drawing/2010/main" xmlns:m="http://schemas.openxmlformats.org/officeDocument/2006/math" xmlns="" val="1"/>
+              <ma14:wrappingTextBoxFlag xmlns="" xmlns:m="http://schemas.openxmlformats.org/officeDocument/2006/math" xmlns:a14="http://schemas.microsoft.com/office/drawing/2010/main" xmlns:ma14="http://schemas.microsoft.com/office/mac/drawingml/2011/main" val="1"/>
             </a:ext>
           </a:extLst>
         </p:spPr>
@@ -12901,8 +13725,8 @@
           </p:txBody>
         </p:sp>
       </p:grpSp>
-      <mc:AlternateContent xmlns:mc="http://schemas.openxmlformats.org/markup-compatibility/2006">
-        <mc:Choice xmlns:a14="http://schemas.microsoft.com/office/drawing/2010/main" Requires="a14">
+      <mc:AlternateContent xmlns:mc="http://schemas.openxmlformats.org/markup-compatibility/2006" xmlns:a14="http://schemas.microsoft.com/office/drawing/2010/main">
+        <mc:Choice Requires="a14">
           <p:sp>
             <p:nvSpPr>
               <p:cNvPr id="3" name="TextBox 2">
@@ -13313,7 +14137,7 @@
             </p:txBody>
           </p:sp>
         </mc:Choice>
-        <mc:Fallback>
+        <mc:Fallback xmlns="">
           <p:sp>
             <p:nvSpPr>
               <p:cNvPr id="3" name="TextBox 2">
@@ -13495,7 +14319,7 @@
 </p:sld>
 </file>
 
-<file path=ppt/slides/slide17.xml><?xml version="1.0" encoding="utf-8"?>
+<file path=ppt/slides/slide18.xml><?xml version="1.0" encoding="utf-8"?>
 <p:sld xmlns:a="http://schemas.openxmlformats.org/drawingml/2006/main" xmlns:r="http://schemas.openxmlformats.org/officeDocument/2006/relationships" xmlns:p="http://schemas.openxmlformats.org/presentationml/2006/main">
   <p:cSld>
     <p:spTree>
@@ -13531,7 +14355,7 @@
           </a:ln>
           <a:extLst>
             <a:ext uri="{C572A759-6A51-4108-AA02-DFA0A04FC94B}">
-              <ma14:wrappingTextBoxFlag xmlns:ma14="http://schemas.microsoft.com/office/mac/drawingml/2011/main" xmlns:a14="http://schemas.microsoft.com/office/drawing/2010/main" xmlns:m="http://schemas.openxmlformats.org/officeDocument/2006/math" xmlns="" val="1"/>
+              <ma14:wrappingTextBoxFlag xmlns="" xmlns:m="http://schemas.openxmlformats.org/officeDocument/2006/math" xmlns:a14="http://schemas.microsoft.com/office/drawing/2010/main" xmlns:ma14="http://schemas.microsoft.com/office/mac/drawingml/2011/main" val="1"/>
             </a:ext>
           </a:extLst>
         </p:spPr>
@@ -13797,7 +14621,7 @@
 </p:sld>
 </file>
 
-<file path=ppt/slides/slide18.xml><?xml version="1.0" encoding="utf-8"?>
+<file path=ppt/slides/slide19.xml><?xml version="1.0" encoding="utf-8"?>
 <p:sld xmlns:a="http://schemas.openxmlformats.org/drawingml/2006/main" xmlns:r="http://schemas.openxmlformats.org/officeDocument/2006/relationships" xmlns:p="http://schemas.openxmlformats.org/presentationml/2006/main">
   <p:cSld>
     <p:spTree>
@@ -13833,7 +14657,7 @@
           </a:ln>
           <a:extLst>
             <a:ext uri="{C572A759-6A51-4108-AA02-DFA0A04FC94B}">
-              <ma14:wrappingTextBoxFlag xmlns:ma14="http://schemas.microsoft.com/office/mac/drawingml/2011/main" xmlns:a14="http://schemas.microsoft.com/office/drawing/2010/main" xmlns:m="http://schemas.openxmlformats.org/officeDocument/2006/math" xmlns="" val="1"/>
+              <ma14:wrappingTextBoxFlag xmlns="" xmlns:m="http://schemas.openxmlformats.org/officeDocument/2006/math" xmlns:a14="http://schemas.microsoft.com/office/drawing/2010/main" xmlns:ma14="http://schemas.microsoft.com/office/mac/drawingml/2011/main" val="1"/>
             </a:ext>
           </a:extLst>
         </p:spPr>
@@ -14373,7 +15197,236 @@
 </p:sld>
 </file>
 
-<file path=ppt/slides/slide19.xml><?xml version="1.0" encoding="utf-8"?>
+<file path=ppt/slides/slide2.xml><?xml version="1.0" encoding="utf-8"?>
+<p:sld xmlns:a="http://schemas.openxmlformats.org/drawingml/2006/main" xmlns:r="http://schemas.openxmlformats.org/officeDocument/2006/relationships" xmlns:p="http://schemas.openxmlformats.org/presentationml/2006/main">
+  <p:cSld>
+    <p:spTree>
+      <p:nvGrpSpPr>
+        <p:cNvPr id="1" name=""/>
+        <p:cNvGrpSpPr/>
+        <p:nvPr/>
+      </p:nvGrpSpPr>
+      <p:grpSpPr>
+        <a:xfrm>
+          <a:off x="0" y="0"/>
+          <a:ext cx="0" cy="0"/>
+          <a:chOff x="0" y="0"/>
+          <a:chExt cx="0" cy="0"/>
+        </a:xfrm>
+      </p:grpSpPr>
+      <p:sp>
+        <p:nvSpPr>
+          <p:cNvPr id="128" name="The goals for today"/>
+          <p:cNvSpPr txBox="1"/>
+          <p:nvPr/>
+        </p:nvSpPr>
+        <p:spPr>
+          <a:xfrm>
+            <a:off x="732704" y="212725"/>
+            <a:ext cx="12216725" cy="1015663"/>
+          </a:xfrm>
+          <a:prstGeom prst="rect">
+            <a:avLst/>
+          </a:prstGeom>
+          <a:ln w="12700">
+            <a:miter lim="400000"/>
+          </a:ln>
+          <a:extLst>
+            <a:ext uri="{C572A759-6A51-4108-AA02-DFA0A04FC94B}">
+              <ma14:wrappingTextBoxFlag xmlns="" xmlns:m="http://schemas.openxmlformats.org/officeDocument/2006/math" xmlns:a14="http://schemas.microsoft.com/office/drawing/2010/main" xmlns:ma14="http://schemas.microsoft.com/office/mac/drawingml/2011/main" val="1"/>
+            </a:ext>
+          </a:extLst>
+        </p:spPr>
+        <p:txBody>
+          <a:bodyPr lIns="45719" rIns="45719">
+            <a:spAutoFit/>
+          </a:bodyPr>
+          <a:lstStyle>
+            <a:lvl1pPr algn="l" defTabSz="914400">
+              <a:defRPr sz="6000">
+                <a:latin typeface="Helvetica"/>
+                <a:ea typeface="Helvetica"/>
+                <a:cs typeface="Helvetica"/>
+                <a:sym typeface="Helvetica"/>
+              </a:defRPr>
+            </a:lvl1pPr>
+          </a:lstStyle>
+          <a:p>
+            <a:r>
+              <a:rPr lang="en-US" dirty="0"/>
+              <a:t>Step 0</a:t>
+            </a:r>
+            <a:endParaRPr b="1" dirty="0"/>
+          </a:p>
+        </p:txBody>
+      </p:sp>
+      <p:grpSp>
+        <p:nvGrpSpPr>
+          <p:cNvPr id="131" name="Group"/>
+          <p:cNvGrpSpPr/>
+          <p:nvPr/>
+        </p:nvGrpSpPr>
+        <p:grpSpPr>
+          <a:xfrm>
+            <a:off x="-5657" y="1413640"/>
+            <a:ext cx="5636643" cy="186103"/>
+            <a:chOff x="0" y="0"/>
+            <a:chExt cx="5636641" cy="186102"/>
+          </a:xfrm>
+        </p:grpSpPr>
+        <p:sp>
+          <p:nvSpPr>
+            <p:cNvPr id="129" name="Rectangle"/>
+            <p:cNvSpPr/>
+            <p:nvPr/>
+          </p:nvSpPr>
+          <p:spPr>
+            <a:xfrm>
+              <a:off x="1877940" y="0"/>
+              <a:ext cx="3758702" cy="186103"/>
+            </a:xfrm>
+            <a:prstGeom prst="rect">
+              <a:avLst/>
+            </a:prstGeom>
+            <a:solidFill>
+              <a:srgbClr val="05774D"/>
+            </a:solidFill>
+            <a:ln w="12700" cap="flat">
+              <a:noFill/>
+              <a:miter lim="400000"/>
+            </a:ln>
+            <a:effectLst/>
+          </p:spPr>
+          <p:txBody>
+            <a:bodyPr wrap="square" lIns="45719" tIns="45719" rIns="45719" bIns="45719" numCol="1" anchor="ctr">
+              <a:noAutofit/>
+            </a:bodyPr>
+            <a:lstStyle/>
+            <a:p>
+              <a:pPr defTabSz="914400">
+                <a:defRPr sz="1800">
+                  <a:latin typeface="Calibri"/>
+                  <a:ea typeface="Calibri"/>
+                  <a:cs typeface="Calibri"/>
+                  <a:sym typeface="Calibri"/>
+                </a:defRPr>
+              </a:pPr>
+              <a:endParaRPr/>
+            </a:p>
+          </p:txBody>
+        </p:sp>
+        <p:sp>
+          <p:nvSpPr>
+            <p:cNvPr id="130" name="Rectangle"/>
+            <p:cNvSpPr/>
+            <p:nvPr/>
+          </p:nvSpPr>
+          <p:spPr>
+            <a:xfrm>
+              <a:off x="0" y="0"/>
+              <a:ext cx="1877941" cy="186103"/>
+            </a:xfrm>
+            <a:prstGeom prst="rect">
+              <a:avLst/>
+            </a:prstGeom>
+            <a:solidFill>
+              <a:srgbClr val="0097A9"/>
+            </a:solidFill>
+            <a:ln w="12700" cap="flat">
+              <a:noFill/>
+              <a:miter lim="400000"/>
+            </a:ln>
+            <a:effectLst/>
+          </p:spPr>
+          <p:txBody>
+            <a:bodyPr wrap="square" lIns="45719" tIns="45719" rIns="45719" bIns="45719" numCol="1" anchor="ctr">
+              <a:noAutofit/>
+            </a:bodyPr>
+            <a:lstStyle/>
+            <a:p>
+              <a:pPr defTabSz="914400">
+                <a:defRPr sz="1800">
+                  <a:latin typeface="Calibri"/>
+                  <a:ea typeface="Calibri"/>
+                  <a:cs typeface="Calibri"/>
+                  <a:sym typeface="Calibri"/>
+                </a:defRPr>
+              </a:pPr>
+              <a:endParaRPr/>
+            </a:p>
+          </p:txBody>
+        </p:sp>
+      </p:grpSp>
+      <p:sp>
+        <p:nvSpPr>
+          <p:cNvPr id="132" name="What is a genome-wide association study?…"/>
+          <p:cNvSpPr txBox="1"/>
+          <p:nvPr/>
+        </p:nvSpPr>
+        <p:spPr>
+          <a:xfrm>
+            <a:off x="494452" y="4630794"/>
+            <a:ext cx="12015896" cy="1235210"/>
+          </a:xfrm>
+          <a:prstGeom prst="rect">
+            <a:avLst/>
+          </a:prstGeom>
+          <a:ln w="12700">
+            <a:miter lim="400000"/>
+          </a:ln>
+          <a:extLst>
+            <a:ext uri="{C572A759-6A51-4108-AA02-DFA0A04FC94B}">
+              <ma14:wrappingTextBoxFlag xmlns="" xmlns:m="http://schemas.openxmlformats.org/officeDocument/2006/math" xmlns:a14="http://schemas.microsoft.com/office/drawing/2010/main" xmlns:ma14="http://schemas.microsoft.com/office/mac/drawingml/2011/main" val="1"/>
+            </a:ext>
+          </a:extLst>
+        </p:spPr>
+        <p:txBody>
+          <a:bodyPr lIns="50800" tIns="50800" rIns="50800" bIns="50800" anchor="ctr">
+            <a:spAutoFit/>
+          </a:bodyPr>
+          <a:lstStyle/>
+          <a:p>
+            <a:pPr algn="l">
+              <a:lnSpc>
+                <a:spcPct val="130000"/>
+              </a:lnSpc>
+              <a:buSzPct val="75000"/>
+              <a:defRPr sz="3200">
+                <a:latin typeface="Helvetica"/>
+                <a:ea typeface="Helvetica"/>
+                <a:cs typeface="Helvetica"/>
+                <a:sym typeface="Helvetica"/>
+              </a:defRPr>
+            </a:pPr>
+            <a:r>
+              <a:rPr lang="en-US" dirty="0"/>
+              <a:t>Please, check that you have a virtual environment to run GWAS.</a:t>
+            </a:r>
+            <a:endParaRPr dirty="0"/>
+          </a:p>
+          <a:p>
+            <a:pPr algn="l">
+              <a:defRPr sz="3200">
+                <a:latin typeface="Helvetica"/>
+                <a:ea typeface="Helvetica"/>
+                <a:cs typeface="Helvetica"/>
+                <a:sym typeface="Helvetica"/>
+              </a:defRPr>
+            </a:pPr>
+            <a:endParaRPr dirty="0"/>
+          </a:p>
+        </p:txBody>
+      </p:sp>
+    </p:spTree>
+  </p:cSld>
+  <p:clrMapOvr>
+    <a:masterClrMapping/>
+  </p:clrMapOvr>
+  <p:transition spd="med"/>
+</p:sld>
+</file>
+
+<file path=ppt/slides/slide20.xml><?xml version="1.0" encoding="utf-8"?>
 <p:sld xmlns:a="http://schemas.openxmlformats.org/drawingml/2006/main" xmlns:r="http://schemas.openxmlformats.org/officeDocument/2006/relationships" xmlns:p="http://schemas.openxmlformats.org/presentationml/2006/main">
   <p:cSld>
     <p:spTree>
@@ -14409,7 +15462,7 @@
           </a:ln>
           <a:extLst>
             <a:ext uri="{C572A759-6A51-4108-AA02-DFA0A04FC94B}">
-              <ma14:wrappingTextBoxFlag xmlns:ma14="http://schemas.microsoft.com/office/mac/drawingml/2011/main" xmlns:a14="http://schemas.microsoft.com/office/drawing/2010/main" xmlns:m="http://schemas.openxmlformats.org/officeDocument/2006/math" xmlns="" val="1"/>
+              <ma14:wrappingTextBoxFlag xmlns="" xmlns:m="http://schemas.openxmlformats.org/officeDocument/2006/math" xmlns:a14="http://schemas.microsoft.com/office/drawing/2010/main" xmlns:ma14="http://schemas.microsoft.com/office/mac/drawingml/2011/main" val="1"/>
             </a:ext>
           </a:extLst>
         </p:spPr>
@@ -14552,7 +15605,7 @@
           </a:ln>
           <a:extLst>
             <a:ext uri="{C572A759-6A51-4108-AA02-DFA0A04FC94B}">
-              <ma14:wrappingTextBoxFlag xmlns:ma14="http://schemas.microsoft.com/office/mac/drawingml/2011/main" xmlns:a14="http://schemas.microsoft.com/office/drawing/2010/main" xmlns:m="http://schemas.openxmlformats.org/officeDocument/2006/math" xmlns="" val="1"/>
+              <ma14:wrappingTextBoxFlag xmlns="" xmlns:m="http://schemas.openxmlformats.org/officeDocument/2006/math" xmlns:a14="http://schemas.microsoft.com/office/drawing/2010/main" xmlns:ma14="http://schemas.microsoft.com/office/mac/drawingml/2011/main" val="1"/>
             </a:ext>
           </a:extLst>
         </p:spPr>
@@ -14595,13 +15648,7 @@
               <a:rPr lang="en-GB" sz="3000" dirty="0">
                 <a:latin typeface="Helvetica Light" panose="020B0403020202020204" pitchFamily="34" charset="0"/>
               </a:rPr>
-              <a:t>sufficient for the </a:t>
-            </a:r>
-            <a:r>
-              <a:rPr lang="en-GB" sz="3000" dirty="0">
-                <a:latin typeface="Helvetica Light" panose="020B0403020202020204" pitchFamily="34" charset="0"/>
-              </a:rPr>
-              <a:t>effective GWAS</a:t>
+              <a:t>sufficient for the effective GWAS</a:t>
             </a:r>
           </a:p>
           <a:p>
@@ -14843,293 +15890,7 @@
 </p:sld>
 </file>
 
-<file path=ppt/slides/slide2.xml><?xml version="1.0" encoding="utf-8"?>
-<p:sld xmlns:a="http://schemas.openxmlformats.org/drawingml/2006/main" xmlns:r="http://schemas.openxmlformats.org/officeDocument/2006/relationships" xmlns:p="http://schemas.openxmlformats.org/presentationml/2006/main">
-  <p:cSld>
-    <p:spTree>
-      <p:nvGrpSpPr>
-        <p:cNvPr id="1" name=""/>
-        <p:cNvGrpSpPr/>
-        <p:nvPr/>
-      </p:nvGrpSpPr>
-      <p:grpSpPr>
-        <a:xfrm>
-          <a:off x="0" y="0"/>
-          <a:ext cx="0" cy="0"/>
-          <a:chOff x="0" y="0"/>
-          <a:chExt cx="0" cy="0"/>
-        </a:xfrm>
-      </p:grpSpPr>
-      <p:sp>
-        <p:nvSpPr>
-          <p:cNvPr id="128" name="The goals for today"/>
-          <p:cNvSpPr txBox="1"/>
-          <p:nvPr/>
-        </p:nvSpPr>
-        <p:spPr>
-          <a:xfrm>
-            <a:off x="732704" y="212725"/>
-            <a:ext cx="12216725" cy="1920241"/>
-          </a:xfrm>
-          <a:prstGeom prst="rect">
-            <a:avLst/>
-          </a:prstGeom>
-          <a:ln w="12700">
-            <a:miter lim="400000"/>
-          </a:ln>
-          <a:extLst>
-            <a:ext uri="{C572A759-6A51-4108-AA02-DFA0A04FC94B}">
-              <ma14:wrappingTextBoxFlag xmlns:ma14="http://schemas.microsoft.com/office/mac/drawingml/2011/main" xmlns:a14="http://schemas.microsoft.com/office/drawing/2010/main" xmlns:m="http://schemas.openxmlformats.org/officeDocument/2006/math" xmlns="" val="1"/>
-            </a:ext>
-          </a:extLst>
-        </p:spPr>
-        <p:txBody>
-          <a:bodyPr lIns="45719" rIns="45719">
-            <a:spAutoFit/>
-          </a:bodyPr>
-          <a:lstStyle>
-            <a:lvl1pPr algn="l" defTabSz="914400">
-              <a:defRPr sz="6000">
-                <a:latin typeface="Helvetica"/>
-                <a:ea typeface="Helvetica"/>
-                <a:cs typeface="Helvetica"/>
-                <a:sym typeface="Helvetica"/>
-              </a:defRPr>
-            </a:lvl1pPr>
-          </a:lstStyle>
-          <a:p>
-            <a:r>
-              <a:rPr dirty="0"/>
-              <a:t>The goals for today</a:t>
-            </a:r>
-            <a:endParaRPr b="1" dirty="0"/>
-          </a:p>
-        </p:txBody>
-      </p:sp>
-      <p:grpSp>
-        <p:nvGrpSpPr>
-          <p:cNvPr id="131" name="Group"/>
-          <p:cNvGrpSpPr/>
-          <p:nvPr/>
-        </p:nvGrpSpPr>
-        <p:grpSpPr>
-          <a:xfrm>
-            <a:off x="-5657" y="1413640"/>
-            <a:ext cx="5636643" cy="186103"/>
-            <a:chOff x="0" y="0"/>
-            <a:chExt cx="5636641" cy="186102"/>
-          </a:xfrm>
-        </p:grpSpPr>
-        <p:sp>
-          <p:nvSpPr>
-            <p:cNvPr id="129" name="Rectangle"/>
-            <p:cNvSpPr/>
-            <p:nvPr/>
-          </p:nvSpPr>
-          <p:spPr>
-            <a:xfrm>
-              <a:off x="1877940" y="0"/>
-              <a:ext cx="3758702" cy="186103"/>
-            </a:xfrm>
-            <a:prstGeom prst="rect">
-              <a:avLst/>
-            </a:prstGeom>
-            <a:solidFill>
-              <a:srgbClr val="05774D"/>
-            </a:solidFill>
-            <a:ln w="12700" cap="flat">
-              <a:noFill/>
-              <a:miter lim="400000"/>
-            </a:ln>
-            <a:effectLst/>
-          </p:spPr>
-          <p:txBody>
-            <a:bodyPr wrap="square" lIns="45719" tIns="45719" rIns="45719" bIns="45719" numCol="1" anchor="ctr">
-              <a:noAutofit/>
-            </a:bodyPr>
-            <a:lstStyle/>
-            <a:p>
-              <a:pPr defTabSz="914400">
-                <a:defRPr sz="1800">
-                  <a:latin typeface="Calibri"/>
-                  <a:ea typeface="Calibri"/>
-                  <a:cs typeface="Calibri"/>
-                  <a:sym typeface="Calibri"/>
-                </a:defRPr>
-              </a:pPr>
-              <a:endParaRPr/>
-            </a:p>
-          </p:txBody>
-        </p:sp>
-        <p:sp>
-          <p:nvSpPr>
-            <p:cNvPr id="130" name="Rectangle"/>
-            <p:cNvSpPr/>
-            <p:nvPr/>
-          </p:nvSpPr>
-          <p:spPr>
-            <a:xfrm>
-              <a:off x="0" y="0"/>
-              <a:ext cx="1877941" cy="186103"/>
-            </a:xfrm>
-            <a:prstGeom prst="rect">
-              <a:avLst/>
-            </a:prstGeom>
-            <a:solidFill>
-              <a:srgbClr val="0097A9"/>
-            </a:solidFill>
-            <a:ln w="12700" cap="flat">
-              <a:noFill/>
-              <a:miter lim="400000"/>
-            </a:ln>
-            <a:effectLst/>
-          </p:spPr>
-          <p:txBody>
-            <a:bodyPr wrap="square" lIns="45719" tIns="45719" rIns="45719" bIns="45719" numCol="1" anchor="ctr">
-              <a:noAutofit/>
-            </a:bodyPr>
-            <a:lstStyle/>
-            <a:p>
-              <a:pPr defTabSz="914400">
-                <a:defRPr sz="1800">
-                  <a:latin typeface="Calibri"/>
-                  <a:ea typeface="Calibri"/>
-                  <a:cs typeface="Calibri"/>
-                  <a:sym typeface="Calibri"/>
-                </a:defRPr>
-              </a:pPr>
-              <a:endParaRPr/>
-            </a:p>
-          </p:txBody>
-        </p:sp>
-      </p:grpSp>
-      <p:sp>
-        <p:nvSpPr>
-          <p:cNvPr id="132" name="What is a genome-wide association study?…"/>
-          <p:cNvSpPr txBox="1"/>
-          <p:nvPr/>
-        </p:nvSpPr>
-        <p:spPr>
-          <a:xfrm>
-            <a:off x="494452" y="3660410"/>
-            <a:ext cx="12015896" cy="3795911"/>
-          </a:xfrm>
-          <a:prstGeom prst="rect">
-            <a:avLst/>
-          </a:prstGeom>
-          <a:ln w="12700">
-            <a:miter lim="400000"/>
-          </a:ln>
-          <a:extLst>
-            <a:ext uri="{C572A759-6A51-4108-AA02-DFA0A04FC94B}">
-              <ma14:wrappingTextBoxFlag xmlns:ma14="http://schemas.microsoft.com/office/mac/drawingml/2011/main" xmlns:a14="http://schemas.microsoft.com/office/drawing/2010/main" xmlns:m="http://schemas.openxmlformats.org/officeDocument/2006/math" xmlns="" val="1"/>
-            </a:ext>
-          </a:extLst>
-        </p:spPr>
-        <p:txBody>
-          <a:bodyPr lIns="50800" tIns="50800" rIns="50800" bIns="50800" anchor="ctr">
-            <a:spAutoFit/>
-          </a:bodyPr>
-          <a:lstStyle/>
-          <a:p>
-            <a:pPr marL="611187" indent="-611187" algn="l">
-              <a:lnSpc>
-                <a:spcPct val="130000"/>
-              </a:lnSpc>
-              <a:buSzPct val="75000"/>
-              <a:buChar char="-"/>
-              <a:defRPr sz="3200">
-                <a:latin typeface="Helvetica"/>
-                <a:ea typeface="Helvetica"/>
-                <a:cs typeface="Helvetica"/>
-                <a:sym typeface="Helvetica"/>
-              </a:defRPr>
-            </a:pPr>
-            <a:r>
-              <a:rPr dirty="0"/>
-              <a:t>What is a genome-wide association study?</a:t>
-            </a:r>
-          </a:p>
-          <a:p>
-            <a:pPr marL="611187" indent="-611187" algn="l">
-              <a:lnSpc>
-                <a:spcPct val="130000"/>
-              </a:lnSpc>
-              <a:buSzPct val="75000"/>
-              <a:buChar char="-"/>
-              <a:defRPr sz="3200">
-                <a:latin typeface="Helvetica"/>
-                <a:ea typeface="Helvetica"/>
-                <a:cs typeface="Helvetica"/>
-                <a:sym typeface="Helvetica"/>
-              </a:defRPr>
-            </a:pPr>
-            <a:r>
-              <a:rPr dirty="0"/>
-              <a:t>When to do GWAS?</a:t>
-            </a:r>
-          </a:p>
-          <a:p>
-            <a:pPr marL="611187" indent="-611187" algn="l">
-              <a:lnSpc>
-                <a:spcPct val="130000"/>
-              </a:lnSpc>
-              <a:buSzPct val="75000"/>
-              <a:buChar char="-"/>
-              <a:defRPr sz="3200">
-                <a:latin typeface="Helvetica"/>
-                <a:ea typeface="Helvetica"/>
-                <a:cs typeface="Helvetica"/>
-                <a:sym typeface="Helvetica"/>
-              </a:defRPr>
-            </a:pPr>
-            <a:r>
-              <a:rPr dirty="0"/>
-              <a:t>Give a practical, non-technical introduction of how to do a “standard” linear mixed model GWAS</a:t>
-            </a:r>
-          </a:p>
-          <a:p>
-            <a:pPr marL="611187" indent="-611187" algn="l">
-              <a:lnSpc>
-                <a:spcPct val="130000"/>
-              </a:lnSpc>
-              <a:buSzPct val="75000"/>
-              <a:buChar char="-"/>
-              <a:defRPr sz="3200">
-                <a:latin typeface="Helvetica"/>
-                <a:ea typeface="Helvetica"/>
-                <a:cs typeface="Helvetica"/>
-                <a:sym typeface="Helvetica"/>
-              </a:defRPr>
-            </a:pPr>
-            <a:r>
-              <a:rPr dirty="0"/>
-              <a:t>Identify possible challenges and pitfalls</a:t>
-            </a:r>
-          </a:p>
-          <a:p>
-            <a:pPr algn="l">
-              <a:defRPr sz="3200">
-                <a:latin typeface="Helvetica"/>
-                <a:ea typeface="Helvetica"/>
-                <a:cs typeface="Helvetica"/>
-                <a:sym typeface="Helvetica"/>
-              </a:defRPr>
-            </a:pPr>
-            <a:endParaRPr dirty="0"/>
-          </a:p>
-        </p:txBody>
-      </p:sp>
-    </p:spTree>
-  </p:cSld>
-  <p:clrMapOvr>
-    <a:masterClrMapping/>
-  </p:clrMapOvr>
-  <p:transition spd="med"/>
-</p:sld>
-</file>
-
-<file path=ppt/slides/slide20.xml><?xml version="1.0" encoding="utf-8"?>
+<file path=ppt/slides/slide21.xml><?xml version="1.0" encoding="utf-8"?>
 <p:sld xmlns:a="http://schemas.openxmlformats.org/drawingml/2006/main" xmlns:r="http://schemas.openxmlformats.org/officeDocument/2006/relationships" xmlns:p="http://schemas.openxmlformats.org/presentationml/2006/main">
   <p:cSld>
     <p:spTree>
@@ -15165,7 +15926,7 @@
           </a:ln>
           <a:extLst>
             <a:ext uri="{C572A759-6A51-4108-AA02-DFA0A04FC94B}">
-              <ma14:wrappingTextBoxFlag xmlns:ma14="http://schemas.microsoft.com/office/mac/drawingml/2011/main" xmlns:a14="http://schemas.microsoft.com/office/drawing/2010/main" xmlns:m="http://schemas.openxmlformats.org/officeDocument/2006/math" xmlns="" val="1"/>
+              <ma14:wrappingTextBoxFlag xmlns="" xmlns:m="http://schemas.openxmlformats.org/officeDocument/2006/math" xmlns:a14="http://schemas.microsoft.com/office/drawing/2010/main" xmlns:ma14="http://schemas.microsoft.com/office/mac/drawingml/2011/main" val="1"/>
             </a:ext>
           </a:extLst>
         </p:spPr>
@@ -15307,7 +16068,7 @@
           </a:ln>
           <a:extLst>
             <a:ext uri="{C572A759-6A51-4108-AA02-DFA0A04FC94B}">
-              <ma14:wrappingTextBoxFlag xmlns:ma14="http://schemas.microsoft.com/office/mac/drawingml/2011/main" xmlns:a14="http://schemas.microsoft.com/office/drawing/2010/main" xmlns:m="http://schemas.openxmlformats.org/officeDocument/2006/math" xmlns="" val="1"/>
+              <ma14:wrappingTextBoxFlag xmlns="" xmlns:m="http://schemas.openxmlformats.org/officeDocument/2006/math" xmlns:a14="http://schemas.microsoft.com/office/drawing/2010/main" xmlns:ma14="http://schemas.microsoft.com/office/mac/drawingml/2011/main" val="1"/>
             </a:ext>
           </a:extLst>
         </p:spPr>
@@ -15331,13 +16092,7 @@
               <a:rPr dirty="0">
                 <a:latin typeface="Helvetica Light" panose="020B0403020202020204" pitchFamily="34" charset="0"/>
               </a:rPr>
-              <a:t>How </a:t>
-            </a:r>
-            <a:r>
-              <a:rPr dirty="0">
-                <a:latin typeface="Helvetica Light" panose="020B0403020202020204" pitchFamily="34" charset="0"/>
-              </a:rPr>
-              <a:t>much of the genome are you actually assaying?</a:t>
+              <a:t>How much of the genome are you actually assaying?</a:t>
             </a:r>
           </a:p>
           <a:p>
@@ -15355,13 +16110,7 @@
               <a:rPr dirty="0">
                 <a:latin typeface="Helvetica Light" panose="020B0403020202020204" pitchFamily="34" charset="0"/>
               </a:rPr>
-              <a:t>Coding </a:t>
-            </a:r>
-            <a:r>
-              <a:rPr dirty="0">
-                <a:latin typeface="Helvetica Light" panose="020B0403020202020204" pitchFamily="34" charset="0"/>
-              </a:rPr>
-              <a:t>versus non-coding variation?</a:t>
+              <a:t>Coding versus non-coding variation?</a:t>
             </a:r>
           </a:p>
           <a:p>
@@ -15379,13 +16128,7 @@
               <a:rPr dirty="0">
                 <a:latin typeface="Helvetica Light" panose="020B0403020202020204" pitchFamily="34" charset="0"/>
               </a:rPr>
-              <a:t>SNPs </a:t>
-            </a:r>
-            <a:r>
-              <a:rPr dirty="0">
-                <a:latin typeface="Helvetica Light" panose="020B0403020202020204" pitchFamily="34" charset="0"/>
-              </a:rPr>
-              <a:t>aren’t the only type of polymorphism.</a:t>
+              <a:t>SNPs aren’t the only type of polymorphism.</a:t>
             </a:r>
             <a:endParaRPr lang="en-US" dirty="0">
               <a:latin typeface="Helvetica Light" panose="020B0403020202020204" pitchFamily="34" charset="0"/>
@@ -15562,7 +16305,7 @@
 </p:sld>
 </file>
 
-<file path=ppt/slides/slide21.xml><?xml version="1.0" encoding="utf-8"?>
+<file path=ppt/slides/slide22.xml><?xml version="1.0" encoding="utf-8"?>
 <p:sld xmlns:a="http://schemas.openxmlformats.org/drawingml/2006/main" xmlns:r="http://schemas.openxmlformats.org/officeDocument/2006/relationships" xmlns:p="http://schemas.openxmlformats.org/presentationml/2006/main">
   <p:cSld>
     <p:spTree>
@@ -15598,7 +16341,7 @@
           </a:ln>
           <a:extLst>
             <a:ext uri="{C572A759-6A51-4108-AA02-DFA0A04FC94B}">
-              <ma14:wrappingTextBoxFlag xmlns:ma14="http://schemas.microsoft.com/office/mac/drawingml/2011/main" xmlns:a14="http://schemas.microsoft.com/office/drawing/2010/main" xmlns:m="http://schemas.openxmlformats.org/officeDocument/2006/math" xmlns="" val="1"/>
+              <ma14:wrappingTextBoxFlag xmlns="" xmlns:m="http://schemas.openxmlformats.org/officeDocument/2006/math" xmlns:a14="http://schemas.microsoft.com/office/drawing/2010/main" xmlns:ma14="http://schemas.microsoft.com/office/mac/drawingml/2011/main" val="1"/>
             </a:ext>
           </a:extLst>
         </p:spPr>
@@ -15741,7 +16484,7 @@
           </a:ln>
           <a:extLst>
             <a:ext uri="{C572A759-6A51-4108-AA02-DFA0A04FC94B}">
-              <ma14:wrappingTextBoxFlag xmlns:ma14="http://schemas.microsoft.com/office/mac/drawingml/2011/main" xmlns:a14="http://schemas.microsoft.com/office/drawing/2010/main" xmlns:m="http://schemas.openxmlformats.org/officeDocument/2006/math" xmlns="" val="1"/>
+              <ma14:wrappingTextBoxFlag xmlns="" xmlns:m="http://schemas.openxmlformats.org/officeDocument/2006/math" xmlns:a14="http://schemas.microsoft.com/office/drawing/2010/main" xmlns:ma14="http://schemas.microsoft.com/office/mac/drawingml/2011/main" val="1"/>
             </a:ext>
           </a:extLst>
         </p:spPr>
@@ -15849,7 +16592,7 @@
 </p:sld>
 </file>
 
-<file path=ppt/slides/slide22.xml><?xml version="1.0" encoding="utf-8"?>
+<file path=ppt/slides/slide23.xml><?xml version="1.0" encoding="utf-8"?>
 <p:sld xmlns:a="http://schemas.openxmlformats.org/drawingml/2006/main" xmlns:r="http://schemas.openxmlformats.org/officeDocument/2006/relationships" xmlns:p="http://schemas.openxmlformats.org/presentationml/2006/main">
   <p:cSld>
     <p:spTree>
@@ -15885,7 +16628,7 @@
           </a:ln>
           <a:extLst>
             <a:ext uri="{C572A759-6A51-4108-AA02-DFA0A04FC94B}">
-              <ma14:wrappingTextBoxFlag xmlns:ma14="http://schemas.microsoft.com/office/mac/drawingml/2011/main" xmlns:a14="http://schemas.microsoft.com/office/drawing/2010/main" xmlns:m="http://schemas.openxmlformats.org/officeDocument/2006/math" xmlns="" val="1"/>
+              <ma14:wrappingTextBoxFlag xmlns="" xmlns:m="http://schemas.openxmlformats.org/officeDocument/2006/math" xmlns:a14="http://schemas.microsoft.com/office/drawing/2010/main" xmlns:ma14="http://schemas.microsoft.com/office/mac/drawingml/2011/main" val="1"/>
             </a:ext>
           </a:extLst>
         </p:spPr>
@@ -16032,7 +16775,7 @@
           </a:ln>
           <a:extLst>
             <a:ext uri="{C572A759-6A51-4108-AA02-DFA0A04FC94B}">
-              <ma14:wrappingTextBoxFlag xmlns:ma14="http://schemas.microsoft.com/office/mac/drawingml/2011/main" xmlns:a14="http://schemas.microsoft.com/office/drawing/2010/main" xmlns:m="http://schemas.openxmlformats.org/officeDocument/2006/math" xmlns="" val="1"/>
+              <ma14:wrappingTextBoxFlag xmlns="" xmlns:m="http://schemas.openxmlformats.org/officeDocument/2006/math" xmlns:a14="http://schemas.microsoft.com/office/drawing/2010/main" xmlns:ma14="http://schemas.microsoft.com/office/mac/drawingml/2011/main" val="1"/>
             </a:ext>
           </a:extLst>
         </p:spPr>
@@ -16113,9 +16856,6 @@
               </a:rPr>
               <a:t>, plink, R packages, etc.</a:t>
             </a:r>
-            <a:endParaRPr lang="en-GB" sz="3000" dirty="0">
-              <a:latin typeface="Helvetica Light" panose="020B0403020202020204" pitchFamily="34" charset="0"/>
-            </a:endParaRPr>
           </a:p>
           <a:p>
             <a:pPr marL="457200" indent="-457200" algn="l" defTabSz="914400">
@@ -16150,9 +16890,6 @@
               </a:rPr>
               <a:t>	(Today we will use a pre-calculated matrix )</a:t>
             </a:r>
-            <a:endParaRPr lang="en-GB" sz="3000" dirty="0">
-              <a:latin typeface="Helvetica Light" panose="020B0403020202020204" pitchFamily="34" charset="0"/>
-            </a:endParaRPr>
           </a:p>
           <a:p>
             <a:pPr algn="l" defTabSz="914400">
@@ -16261,7 +16998,7 @@
 </p:sld>
 </file>
 
-<file path=ppt/slides/slide23.xml><?xml version="1.0" encoding="utf-8"?>
+<file path=ppt/slides/slide24.xml><?xml version="1.0" encoding="utf-8"?>
 <p:sld xmlns:a="http://schemas.openxmlformats.org/drawingml/2006/main" xmlns:r="http://schemas.openxmlformats.org/officeDocument/2006/relationships" xmlns:p="http://schemas.openxmlformats.org/presentationml/2006/main">
   <p:cSld>
     <p:spTree>
@@ -16297,7 +17034,7 @@
           </a:ln>
           <a:extLst>
             <a:ext uri="{C572A759-6A51-4108-AA02-DFA0A04FC94B}">
-              <ma14:wrappingTextBoxFlag xmlns:ma14="http://schemas.microsoft.com/office/mac/drawingml/2011/main" xmlns:a14="http://schemas.microsoft.com/office/drawing/2010/main" xmlns:m="http://schemas.openxmlformats.org/officeDocument/2006/math" xmlns="" val="1"/>
+              <ma14:wrappingTextBoxFlag xmlns="" xmlns:m="http://schemas.openxmlformats.org/officeDocument/2006/math" xmlns:a14="http://schemas.microsoft.com/office/drawing/2010/main" xmlns:ma14="http://schemas.microsoft.com/office/mac/drawingml/2011/main" val="1"/>
             </a:ext>
           </a:extLst>
         </p:spPr>
@@ -16439,7 +17176,7 @@
           </a:ln>
           <a:extLst>
             <a:ext uri="{C572A759-6A51-4108-AA02-DFA0A04FC94B}">
-              <ma14:wrappingTextBoxFlag xmlns:ma14="http://schemas.microsoft.com/office/mac/drawingml/2011/main" xmlns:a14="http://schemas.microsoft.com/office/drawing/2010/main" xmlns:m="http://schemas.openxmlformats.org/officeDocument/2006/math" xmlns="" val="1"/>
+              <ma14:wrappingTextBoxFlag xmlns="" xmlns:m="http://schemas.openxmlformats.org/officeDocument/2006/math" xmlns:a14="http://schemas.microsoft.com/office/drawing/2010/main" xmlns:ma14="http://schemas.microsoft.com/office/mac/drawingml/2011/main" val="1"/>
             </a:ext>
           </a:extLst>
         </p:spPr>
@@ -16702,7 +17439,7 @@
 </p:sld>
 </file>
 
-<file path=ppt/slides/slide24.xml><?xml version="1.0" encoding="utf-8"?>
+<file path=ppt/slides/slide25.xml><?xml version="1.0" encoding="utf-8"?>
 <p:sld xmlns:a="http://schemas.openxmlformats.org/drawingml/2006/main" xmlns:r="http://schemas.openxmlformats.org/officeDocument/2006/relationships" xmlns:p="http://schemas.openxmlformats.org/presentationml/2006/main">
   <p:cSld>
     <p:spTree>
@@ -16738,7 +17475,7 @@
           </a:ln>
           <a:extLst>
             <a:ext uri="{C572A759-6A51-4108-AA02-DFA0A04FC94B}">
-              <ma14:wrappingTextBoxFlag xmlns:ma14="http://schemas.microsoft.com/office/mac/drawingml/2011/main" xmlns:a14="http://schemas.microsoft.com/office/drawing/2010/main" xmlns:m="http://schemas.openxmlformats.org/officeDocument/2006/math" xmlns="" val="1"/>
+              <ma14:wrappingTextBoxFlag xmlns="" xmlns:m="http://schemas.openxmlformats.org/officeDocument/2006/math" xmlns:a14="http://schemas.microsoft.com/office/drawing/2010/main" xmlns:ma14="http://schemas.microsoft.com/office/mac/drawingml/2011/main" val="1"/>
             </a:ext>
           </a:extLst>
         </p:spPr>
@@ -16783,7 +17520,7 @@
           </a:ln>
           <a:extLst>
             <a:ext uri="{C572A759-6A51-4108-AA02-DFA0A04FC94B}">
-              <ma14:wrappingTextBoxFlag xmlns:ma14="http://schemas.microsoft.com/office/mac/drawingml/2011/main" xmlns:a14="http://schemas.microsoft.com/office/drawing/2010/main" xmlns:m="http://schemas.openxmlformats.org/officeDocument/2006/math" xmlns="" val="1"/>
+              <ma14:wrappingTextBoxFlag xmlns="" xmlns:m="http://schemas.openxmlformats.org/officeDocument/2006/math" xmlns:a14="http://schemas.microsoft.com/office/drawing/2010/main" xmlns:ma14="http://schemas.microsoft.com/office/mac/drawingml/2011/main" val="1"/>
             </a:ext>
           </a:extLst>
         </p:spPr>
@@ -17032,7 +17769,7 @@
 </p:sld>
 </file>
 
-<file path=ppt/slides/slide25.xml><?xml version="1.0" encoding="utf-8"?>
+<file path=ppt/slides/slide26.xml><?xml version="1.0" encoding="utf-8"?>
 <p:sld xmlns:a="http://schemas.openxmlformats.org/drawingml/2006/main" xmlns:r="http://schemas.openxmlformats.org/officeDocument/2006/relationships" xmlns:p="http://schemas.openxmlformats.org/presentationml/2006/main">
   <p:cSld>
     <p:spTree>
@@ -17068,7 +17805,7 @@
           </a:ln>
           <a:extLst>
             <a:ext uri="{C572A759-6A51-4108-AA02-DFA0A04FC94B}">
-              <ma14:wrappingTextBoxFlag xmlns:ma14="http://schemas.microsoft.com/office/mac/drawingml/2011/main" xmlns:a14="http://schemas.microsoft.com/office/drawing/2010/main" xmlns:m="http://schemas.openxmlformats.org/officeDocument/2006/math" xmlns="" val="1"/>
+              <ma14:wrappingTextBoxFlag xmlns="" xmlns:m="http://schemas.openxmlformats.org/officeDocument/2006/math" xmlns:a14="http://schemas.microsoft.com/office/drawing/2010/main" xmlns:ma14="http://schemas.microsoft.com/office/mac/drawingml/2011/main" val="1"/>
             </a:ext>
           </a:extLst>
         </p:spPr>
@@ -17210,7 +17947,7 @@
           </a:ln>
           <a:extLst>
             <a:ext uri="{C572A759-6A51-4108-AA02-DFA0A04FC94B}">
-              <ma14:wrappingTextBoxFlag xmlns:ma14="http://schemas.microsoft.com/office/mac/drawingml/2011/main" xmlns:a14="http://schemas.microsoft.com/office/drawing/2010/main" xmlns:m="http://schemas.openxmlformats.org/officeDocument/2006/math" xmlns="" val="1"/>
+              <ma14:wrappingTextBoxFlag xmlns="" xmlns:m="http://schemas.openxmlformats.org/officeDocument/2006/math" xmlns:a14="http://schemas.microsoft.com/office/drawing/2010/main" xmlns:ma14="http://schemas.microsoft.com/office/mac/drawingml/2011/main" val="1"/>
             </a:ext>
           </a:extLst>
         </p:spPr>
@@ -17553,7 +18290,7 @@
           </a:ln>
           <a:extLst>
             <a:ext uri="{C572A759-6A51-4108-AA02-DFA0A04FC94B}">
-              <ma14:wrappingTextBoxFlag xmlns:ma14="http://schemas.microsoft.com/office/mac/drawingml/2011/main" xmlns:a14="http://schemas.microsoft.com/office/drawing/2010/main" xmlns:m="http://schemas.openxmlformats.org/officeDocument/2006/math" xmlns="" val="1"/>
+              <ma14:wrappingTextBoxFlag xmlns="" xmlns:m="http://schemas.openxmlformats.org/officeDocument/2006/math" xmlns:a14="http://schemas.microsoft.com/office/drawing/2010/main" xmlns:ma14="http://schemas.microsoft.com/office/mac/drawingml/2011/main" val="1"/>
             </a:ext>
           </a:extLst>
         </p:spPr>
@@ -17587,7 +18324,7 @@
 </p:sld>
 </file>
 
-<file path=ppt/slides/slide26.xml><?xml version="1.0" encoding="utf-8"?>
+<file path=ppt/slides/slide27.xml><?xml version="1.0" encoding="utf-8"?>
 <p:sld xmlns:a="http://schemas.openxmlformats.org/drawingml/2006/main" xmlns:r="http://schemas.openxmlformats.org/officeDocument/2006/relationships" xmlns:p="http://schemas.openxmlformats.org/presentationml/2006/main">
   <p:cSld>
     <p:spTree>
@@ -17720,7 +18457,7 @@
           </a:ln>
           <a:extLst>
             <a:ext uri="{C572A759-6A51-4108-AA02-DFA0A04FC94B}">
-              <ma14:wrappingTextBoxFlag xmlns:ma14="http://schemas.microsoft.com/office/mac/drawingml/2011/main" xmlns:a14="http://schemas.microsoft.com/office/drawing/2010/main" xmlns:m="http://schemas.openxmlformats.org/officeDocument/2006/math" xmlns="" val="1"/>
+              <ma14:wrappingTextBoxFlag xmlns="" xmlns:m="http://schemas.openxmlformats.org/officeDocument/2006/math" xmlns:a14="http://schemas.microsoft.com/office/drawing/2010/main" xmlns:ma14="http://schemas.microsoft.com/office/mac/drawingml/2011/main" val="1"/>
             </a:ext>
           </a:extLst>
         </p:spPr>
@@ -17766,7 +18503,7 @@
           </a:ln>
           <a:extLst>
             <a:ext uri="{C572A759-6A51-4108-AA02-DFA0A04FC94B}">
-              <ma14:wrappingTextBoxFlag xmlns:ma14="http://schemas.microsoft.com/office/mac/drawingml/2011/main" xmlns:a14="http://schemas.microsoft.com/office/drawing/2010/main" xmlns:m="http://schemas.openxmlformats.org/officeDocument/2006/math" xmlns="" val="1"/>
+              <ma14:wrappingTextBoxFlag xmlns="" xmlns:m="http://schemas.openxmlformats.org/officeDocument/2006/math" xmlns:a14="http://schemas.microsoft.com/office/drawing/2010/main" xmlns:ma14="http://schemas.microsoft.com/office/mac/drawingml/2011/main" val="1"/>
             </a:ext>
           </a:extLst>
         </p:spPr>
@@ -18010,7 +18747,7 @@
 </p:sld>
 </file>
 
-<file path=ppt/slides/slide27.xml><?xml version="1.0" encoding="utf-8"?>
+<file path=ppt/slides/slide28.xml><?xml version="1.0" encoding="utf-8"?>
 <p:sld xmlns:a="http://schemas.openxmlformats.org/drawingml/2006/main" xmlns:r="http://schemas.openxmlformats.org/officeDocument/2006/relationships" xmlns:p="http://schemas.openxmlformats.org/presentationml/2006/main">
   <p:cSld>
     <p:spTree>
@@ -18046,7 +18783,7 @@
           </a:ln>
           <a:extLst>
             <a:ext uri="{C572A759-6A51-4108-AA02-DFA0A04FC94B}">
-              <ma14:wrappingTextBoxFlag xmlns:ma14="http://schemas.microsoft.com/office/mac/drawingml/2011/main" xmlns:a14="http://schemas.microsoft.com/office/drawing/2010/main" xmlns:m="http://schemas.openxmlformats.org/officeDocument/2006/math" xmlns="" val="1"/>
+              <ma14:wrappingTextBoxFlag xmlns="" xmlns:m="http://schemas.openxmlformats.org/officeDocument/2006/math" xmlns:a14="http://schemas.microsoft.com/office/drawing/2010/main" xmlns:ma14="http://schemas.microsoft.com/office/mac/drawingml/2011/main" val="1"/>
             </a:ext>
           </a:extLst>
         </p:spPr>
@@ -18188,7 +18925,7 @@
           </a:ln>
           <a:extLst>
             <a:ext uri="{C572A759-6A51-4108-AA02-DFA0A04FC94B}">
-              <ma14:wrappingTextBoxFlag xmlns:ma14="http://schemas.microsoft.com/office/mac/drawingml/2011/main" xmlns:a14="http://schemas.microsoft.com/office/drawing/2010/main" xmlns:m="http://schemas.openxmlformats.org/officeDocument/2006/math" xmlns="" val="1"/>
+              <ma14:wrappingTextBoxFlag xmlns="" xmlns:m="http://schemas.openxmlformats.org/officeDocument/2006/math" xmlns:a14="http://schemas.microsoft.com/office/drawing/2010/main" xmlns:ma14="http://schemas.microsoft.com/office/mac/drawingml/2011/main" val="1"/>
             </a:ext>
           </a:extLst>
         </p:spPr>
@@ -18429,7 +19166,7 @@
 </p:sld>
 </file>
 
-<file path=ppt/slides/slide28.xml><?xml version="1.0" encoding="utf-8"?>
+<file path=ppt/slides/slide29.xml><?xml version="1.0" encoding="utf-8"?>
 <p:sld xmlns:a="http://schemas.openxmlformats.org/drawingml/2006/main" xmlns:r="http://schemas.openxmlformats.org/officeDocument/2006/relationships" xmlns:p="http://schemas.openxmlformats.org/presentationml/2006/main">
   <p:cSld>
     <p:spTree>
@@ -18465,7 +19202,7 @@
           </a:ln>
           <a:extLst>
             <a:ext uri="{C572A759-6A51-4108-AA02-DFA0A04FC94B}">
-              <ma14:wrappingTextBoxFlag xmlns:ma14="http://schemas.microsoft.com/office/mac/drawingml/2011/main" xmlns:a14="http://schemas.microsoft.com/office/drawing/2010/main" xmlns:m="http://schemas.openxmlformats.org/officeDocument/2006/math" xmlns="" val="1"/>
+              <ma14:wrappingTextBoxFlag xmlns="" xmlns:m="http://schemas.openxmlformats.org/officeDocument/2006/math" xmlns:a14="http://schemas.microsoft.com/office/drawing/2010/main" xmlns:ma14="http://schemas.microsoft.com/office/mac/drawingml/2011/main" val="1"/>
             </a:ext>
           </a:extLst>
         </p:spPr>
@@ -18616,6 +19353,297 @@
       </p:grpSpPr>
       <p:sp>
         <p:nvSpPr>
+          <p:cNvPr id="128" name="The goals for today"/>
+          <p:cNvSpPr txBox="1"/>
+          <p:nvPr/>
+        </p:nvSpPr>
+        <p:spPr>
+          <a:xfrm>
+            <a:off x="732704" y="212725"/>
+            <a:ext cx="12216725" cy="1920241"/>
+          </a:xfrm>
+          <a:prstGeom prst="rect">
+            <a:avLst/>
+          </a:prstGeom>
+          <a:ln w="12700">
+            <a:miter lim="400000"/>
+          </a:ln>
+          <a:extLst>
+            <a:ext uri="{C572A759-6A51-4108-AA02-DFA0A04FC94B}">
+              <ma14:wrappingTextBoxFlag xmlns="" xmlns:m="http://schemas.openxmlformats.org/officeDocument/2006/math" xmlns:a14="http://schemas.microsoft.com/office/drawing/2010/main" xmlns:ma14="http://schemas.microsoft.com/office/mac/drawingml/2011/main" val="1"/>
+            </a:ext>
+          </a:extLst>
+        </p:spPr>
+        <p:txBody>
+          <a:bodyPr lIns="45719" rIns="45719">
+            <a:spAutoFit/>
+          </a:bodyPr>
+          <a:lstStyle>
+            <a:lvl1pPr algn="l" defTabSz="914400">
+              <a:defRPr sz="6000">
+                <a:latin typeface="Helvetica"/>
+                <a:ea typeface="Helvetica"/>
+                <a:cs typeface="Helvetica"/>
+                <a:sym typeface="Helvetica"/>
+              </a:defRPr>
+            </a:lvl1pPr>
+          </a:lstStyle>
+          <a:p>
+            <a:r>
+              <a:rPr dirty="0"/>
+              <a:t>The goals for today</a:t>
+            </a:r>
+            <a:endParaRPr b="1" dirty="0"/>
+          </a:p>
+        </p:txBody>
+      </p:sp>
+      <p:grpSp>
+        <p:nvGrpSpPr>
+          <p:cNvPr id="131" name="Group"/>
+          <p:cNvGrpSpPr/>
+          <p:nvPr/>
+        </p:nvGrpSpPr>
+        <p:grpSpPr>
+          <a:xfrm>
+            <a:off x="-5657" y="1413640"/>
+            <a:ext cx="5636643" cy="186103"/>
+            <a:chOff x="0" y="0"/>
+            <a:chExt cx="5636641" cy="186102"/>
+          </a:xfrm>
+        </p:grpSpPr>
+        <p:sp>
+          <p:nvSpPr>
+            <p:cNvPr id="129" name="Rectangle"/>
+            <p:cNvSpPr/>
+            <p:nvPr/>
+          </p:nvSpPr>
+          <p:spPr>
+            <a:xfrm>
+              <a:off x="1877940" y="0"/>
+              <a:ext cx="3758702" cy="186103"/>
+            </a:xfrm>
+            <a:prstGeom prst="rect">
+              <a:avLst/>
+            </a:prstGeom>
+            <a:solidFill>
+              <a:srgbClr val="05774D"/>
+            </a:solidFill>
+            <a:ln w="12700" cap="flat">
+              <a:noFill/>
+              <a:miter lim="400000"/>
+            </a:ln>
+            <a:effectLst/>
+          </p:spPr>
+          <p:txBody>
+            <a:bodyPr wrap="square" lIns="45719" tIns="45719" rIns="45719" bIns="45719" numCol="1" anchor="ctr">
+              <a:noAutofit/>
+            </a:bodyPr>
+            <a:lstStyle/>
+            <a:p>
+              <a:pPr defTabSz="914400">
+                <a:defRPr sz="1800">
+                  <a:latin typeface="Calibri"/>
+                  <a:ea typeface="Calibri"/>
+                  <a:cs typeface="Calibri"/>
+                  <a:sym typeface="Calibri"/>
+                </a:defRPr>
+              </a:pPr>
+              <a:endParaRPr/>
+            </a:p>
+          </p:txBody>
+        </p:sp>
+        <p:sp>
+          <p:nvSpPr>
+            <p:cNvPr id="130" name="Rectangle"/>
+            <p:cNvSpPr/>
+            <p:nvPr/>
+          </p:nvSpPr>
+          <p:spPr>
+            <a:xfrm>
+              <a:off x="0" y="0"/>
+              <a:ext cx="1877941" cy="186103"/>
+            </a:xfrm>
+            <a:prstGeom prst="rect">
+              <a:avLst/>
+            </a:prstGeom>
+            <a:solidFill>
+              <a:srgbClr val="0097A9"/>
+            </a:solidFill>
+            <a:ln w="12700" cap="flat">
+              <a:noFill/>
+              <a:miter lim="400000"/>
+            </a:ln>
+            <a:effectLst/>
+          </p:spPr>
+          <p:txBody>
+            <a:bodyPr wrap="square" lIns="45719" tIns="45719" rIns="45719" bIns="45719" numCol="1" anchor="ctr">
+              <a:noAutofit/>
+            </a:bodyPr>
+            <a:lstStyle/>
+            <a:p>
+              <a:pPr defTabSz="914400">
+                <a:defRPr sz="1800">
+                  <a:latin typeface="Calibri"/>
+                  <a:ea typeface="Calibri"/>
+                  <a:cs typeface="Calibri"/>
+                  <a:sym typeface="Calibri"/>
+                </a:defRPr>
+              </a:pPr>
+              <a:endParaRPr/>
+            </a:p>
+          </p:txBody>
+        </p:sp>
+      </p:grpSp>
+      <p:sp>
+        <p:nvSpPr>
+          <p:cNvPr id="132" name="What is a genome-wide association study?…"/>
+          <p:cNvSpPr txBox="1"/>
+          <p:nvPr/>
+        </p:nvSpPr>
+        <p:spPr>
+          <a:xfrm>
+            <a:off x="494452" y="3660410"/>
+            <a:ext cx="12015896" cy="3795911"/>
+          </a:xfrm>
+          <a:prstGeom prst="rect">
+            <a:avLst/>
+          </a:prstGeom>
+          <a:ln w="12700">
+            <a:miter lim="400000"/>
+          </a:ln>
+          <a:extLst>
+            <a:ext uri="{C572A759-6A51-4108-AA02-DFA0A04FC94B}">
+              <ma14:wrappingTextBoxFlag xmlns="" xmlns:m="http://schemas.openxmlformats.org/officeDocument/2006/math" xmlns:a14="http://schemas.microsoft.com/office/drawing/2010/main" xmlns:ma14="http://schemas.microsoft.com/office/mac/drawingml/2011/main" val="1"/>
+            </a:ext>
+          </a:extLst>
+        </p:spPr>
+        <p:txBody>
+          <a:bodyPr lIns="50800" tIns="50800" rIns="50800" bIns="50800" anchor="ctr">
+            <a:spAutoFit/>
+          </a:bodyPr>
+          <a:lstStyle/>
+          <a:p>
+            <a:pPr marL="611187" indent="-611187" algn="l">
+              <a:lnSpc>
+                <a:spcPct val="130000"/>
+              </a:lnSpc>
+              <a:buSzPct val="75000"/>
+              <a:buChar char="-"/>
+              <a:defRPr sz="3200">
+                <a:latin typeface="Helvetica"/>
+                <a:ea typeface="Helvetica"/>
+                <a:cs typeface="Helvetica"/>
+                <a:sym typeface="Helvetica"/>
+              </a:defRPr>
+            </a:pPr>
+            <a:r>
+              <a:rPr dirty="0"/>
+              <a:t>What is a genome-wide association study?</a:t>
+            </a:r>
+          </a:p>
+          <a:p>
+            <a:pPr marL="611187" indent="-611187" algn="l">
+              <a:lnSpc>
+                <a:spcPct val="130000"/>
+              </a:lnSpc>
+              <a:buSzPct val="75000"/>
+              <a:buChar char="-"/>
+              <a:defRPr sz="3200">
+                <a:latin typeface="Helvetica"/>
+                <a:ea typeface="Helvetica"/>
+                <a:cs typeface="Helvetica"/>
+                <a:sym typeface="Helvetica"/>
+              </a:defRPr>
+            </a:pPr>
+            <a:r>
+              <a:rPr dirty="0"/>
+              <a:t>When to do GWAS?</a:t>
+            </a:r>
+          </a:p>
+          <a:p>
+            <a:pPr marL="611187" indent="-611187" algn="l">
+              <a:lnSpc>
+                <a:spcPct val="130000"/>
+              </a:lnSpc>
+              <a:buSzPct val="75000"/>
+              <a:buChar char="-"/>
+              <a:defRPr sz="3200">
+                <a:latin typeface="Helvetica"/>
+                <a:ea typeface="Helvetica"/>
+                <a:cs typeface="Helvetica"/>
+                <a:sym typeface="Helvetica"/>
+              </a:defRPr>
+            </a:pPr>
+            <a:r>
+              <a:rPr dirty="0"/>
+              <a:t>Give a practical, non-technical introduction of how to do a “standard” linear mixed model GWAS</a:t>
+            </a:r>
+          </a:p>
+          <a:p>
+            <a:pPr marL="611187" indent="-611187" algn="l">
+              <a:lnSpc>
+                <a:spcPct val="130000"/>
+              </a:lnSpc>
+              <a:buSzPct val="75000"/>
+              <a:buChar char="-"/>
+              <a:defRPr sz="3200">
+                <a:latin typeface="Helvetica"/>
+                <a:ea typeface="Helvetica"/>
+                <a:cs typeface="Helvetica"/>
+                <a:sym typeface="Helvetica"/>
+              </a:defRPr>
+            </a:pPr>
+            <a:r>
+              <a:rPr dirty="0"/>
+              <a:t>Identify possible challenges and pitfalls</a:t>
+            </a:r>
+          </a:p>
+          <a:p>
+            <a:pPr algn="l">
+              <a:defRPr sz="3200">
+                <a:latin typeface="Helvetica"/>
+                <a:ea typeface="Helvetica"/>
+                <a:cs typeface="Helvetica"/>
+                <a:sym typeface="Helvetica"/>
+              </a:defRPr>
+            </a:pPr>
+            <a:endParaRPr dirty="0"/>
+          </a:p>
+        </p:txBody>
+      </p:sp>
+    </p:spTree>
+    <p:extLst>
+      <p:ext uri="{BB962C8B-B14F-4D97-AF65-F5344CB8AC3E}">
+        <p14:creationId xmlns:p14="http://schemas.microsoft.com/office/powerpoint/2010/main" val="267502272"/>
+      </p:ext>
+    </p:extLst>
+  </p:cSld>
+  <p:clrMapOvr>
+    <a:masterClrMapping/>
+  </p:clrMapOvr>
+  <p:transition spd="med"/>
+</p:sld>
+</file>
+
+<file path=ppt/slides/slide4.xml><?xml version="1.0" encoding="utf-8"?>
+<p:sld xmlns:a="http://schemas.openxmlformats.org/drawingml/2006/main" xmlns:r="http://schemas.openxmlformats.org/officeDocument/2006/relationships" xmlns:p="http://schemas.openxmlformats.org/presentationml/2006/main">
+  <p:cSld>
+    <p:spTree>
+      <p:nvGrpSpPr>
+        <p:cNvPr id="1" name=""/>
+        <p:cNvGrpSpPr/>
+        <p:nvPr/>
+      </p:nvGrpSpPr>
+      <p:grpSpPr>
+        <a:xfrm>
+          <a:off x="0" y="0"/>
+          <a:ext cx="0" cy="0"/>
+          <a:chOff x="0" y="0"/>
+          <a:chExt cx="0" cy="0"/>
+        </a:xfrm>
+      </p:grpSpPr>
+      <p:sp>
+        <p:nvSpPr>
           <p:cNvPr id="173" name="When to do a GWAS?"/>
           <p:cNvSpPr txBox="1"/>
           <p:nvPr/>
@@ -18633,7 +19661,7 @@
           </a:ln>
           <a:extLst>
             <a:ext uri="{C572A759-6A51-4108-AA02-DFA0A04FC94B}">
-              <ma14:wrappingTextBoxFlag xmlns:ma14="http://schemas.microsoft.com/office/mac/drawingml/2011/main" xmlns:a14="http://schemas.microsoft.com/office/drawing/2010/main" xmlns:m="http://schemas.openxmlformats.org/officeDocument/2006/math" xmlns="" val="1"/>
+              <ma14:wrappingTextBoxFlag xmlns="" xmlns:m="http://schemas.openxmlformats.org/officeDocument/2006/math" xmlns:a14="http://schemas.microsoft.com/office/drawing/2010/main" xmlns:ma14="http://schemas.microsoft.com/office/mac/drawingml/2011/main" val="1"/>
             </a:ext>
           </a:extLst>
         </p:spPr>
@@ -18775,7 +19803,7 @@
           </a:ln>
           <a:extLst>
             <a:ext uri="{C572A759-6A51-4108-AA02-DFA0A04FC94B}">
-              <ma14:wrappingTextBoxFlag xmlns:ma14="http://schemas.microsoft.com/office/mac/drawingml/2011/main" xmlns:a14="http://schemas.microsoft.com/office/drawing/2010/main" xmlns:m="http://schemas.openxmlformats.org/officeDocument/2006/math" xmlns="" val="1"/>
+              <ma14:wrappingTextBoxFlag xmlns="" xmlns:m="http://schemas.openxmlformats.org/officeDocument/2006/math" xmlns:a14="http://schemas.microsoft.com/office/drawing/2010/main" xmlns:ma14="http://schemas.microsoft.com/office/mac/drawingml/2011/main" val="1"/>
             </a:ext>
           </a:extLst>
         </p:spPr>
@@ -18952,7 +19980,7 @@
 </p:sld>
 </file>
 
-<file path=ppt/slides/slide4.xml><?xml version="1.0" encoding="utf-8"?>
+<file path=ppt/slides/slide5.xml><?xml version="1.0" encoding="utf-8"?>
 <p:sld xmlns:a="http://schemas.openxmlformats.org/drawingml/2006/main" xmlns:r="http://schemas.openxmlformats.org/officeDocument/2006/relationships" xmlns:p="http://schemas.openxmlformats.org/presentationml/2006/main">
   <p:cSld>
     <p:spTree>
@@ -18988,7 +20016,7 @@
           </a:ln>
           <a:extLst>
             <a:ext uri="{C572A759-6A51-4108-AA02-DFA0A04FC94B}">
-              <ma14:wrappingTextBoxFlag xmlns:ma14="http://schemas.microsoft.com/office/mac/drawingml/2011/main" xmlns:a14="http://schemas.microsoft.com/office/drawing/2010/main" xmlns:m="http://schemas.openxmlformats.org/officeDocument/2006/math" xmlns="" val="1"/>
+              <ma14:wrappingTextBoxFlag xmlns="" xmlns:m="http://schemas.openxmlformats.org/officeDocument/2006/math" xmlns:a14="http://schemas.microsoft.com/office/drawing/2010/main" xmlns:ma14="http://schemas.microsoft.com/office/mac/drawingml/2011/main" val="1"/>
             </a:ext>
           </a:extLst>
         </p:spPr>
@@ -19130,7 +20158,7 @@
           </a:ln>
           <a:extLst>
             <a:ext uri="{C572A759-6A51-4108-AA02-DFA0A04FC94B}">
-              <ma14:wrappingTextBoxFlag xmlns:ma14="http://schemas.microsoft.com/office/mac/drawingml/2011/main" xmlns:a14="http://schemas.microsoft.com/office/drawing/2010/main" xmlns:m="http://schemas.openxmlformats.org/officeDocument/2006/math" xmlns="" val="1"/>
+              <ma14:wrappingTextBoxFlag xmlns="" xmlns:m="http://schemas.openxmlformats.org/officeDocument/2006/math" xmlns:a14="http://schemas.microsoft.com/office/drawing/2010/main" xmlns:ma14="http://schemas.microsoft.com/office/mac/drawingml/2011/main" val="1"/>
             </a:ext>
           </a:extLst>
         </p:spPr>
@@ -19174,7 +20202,7 @@
           </a:ln>
           <a:extLst>
             <a:ext uri="{C572A759-6A51-4108-AA02-DFA0A04FC94B}">
-              <ma14:wrappingTextBoxFlag xmlns:ma14="http://schemas.microsoft.com/office/mac/drawingml/2011/main" xmlns:a14="http://schemas.microsoft.com/office/drawing/2010/main" xmlns:m="http://schemas.openxmlformats.org/officeDocument/2006/math" xmlns="" val="1"/>
+              <ma14:wrappingTextBoxFlag xmlns="" xmlns:m="http://schemas.openxmlformats.org/officeDocument/2006/math" xmlns:a14="http://schemas.microsoft.com/office/drawing/2010/main" xmlns:ma14="http://schemas.microsoft.com/office/mac/drawingml/2011/main" val="1"/>
             </a:ext>
           </a:extLst>
         </p:spPr>
@@ -19261,7 +20289,7 @@
           </a:ln>
           <a:extLst>
             <a:ext uri="{C572A759-6A51-4108-AA02-DFA0A04FC94B}">
-              <ma14:wrappingTextBoxFlag xmlns:ma14="http://schemas.microsoft.com/office/mac/drawingml/2011/main" xmlns:a14="http://schemas.microsoft.com/office/drawing/2010/main" xmlns:m="http://schemas.openxmlformats.org/officeDocument/2006/math" xmlns="" val="1"/>
+              <ma14:wrappingTextBoxFlag xmlns="" xmlns:m="http://schemas.openxmlformats.org/officeDocument/2006/math" xmlns:a14="http://schemas.microsoft.com/office/drawing/2010/main" xmlns:ma14="http://schemas.microsoft.com/office/mac/drawingml/2011/main" val="1"/>
             </a:ext>
           </a:extLst>
         </p:spPr>
@@ -19348,7 +20376,7 @@
           </a:ln>
           <a:extLst>
             <a:ext uri="{C572A759-6A51-4108-AA02-DFA0A04FC94B}">
-              <ma14:wrappingTextBoxFlag xmlns:ma14="http://schemas.microsoft.com/office/mac/drawingml/2011/main" xmlns:a14="http://schemas.microsoft.com/office/drawing/2010/main" xmlns:m="http://schemas.openxmlformats.org/officeDocument/2006/math" xmlns="" val="1"/>
+              <ma14:wrappingTextBoxFlag xmlns="" xmlns:m="http://schemas.openxmlformats.org/officeDocument/2006/math" xmlns:a14="http://schemas.microsoft.com/office/drawing/2010/main" xmlns:ma14="http://schemas.microsoft.com/office/mac/drawingml/2011/main" val="1"/>
             </a:ext>
           </a:extLst>
         </p:spPr>
@@ -19435,7 +20463,7 @@
           </a:ln>
           <a:extLst>
             <a:ext uri="{C572A759-6A51-4108-AA02-DFA0A04FC94B}">
-              <ma14:wrappingTextBoxFlag xmlns:ma14="http://schemas.microsoft.com/office/mac/drawingml/2011/main" xmlns:a14="http://schemas.microsoft.com/office/drawing/2010/main" xmlns:m="http://schemas.openxmlformats.org/officeDocument/2006/math" xmlns="" val="1"/>
+              <ma14:wrappingTextBoxFlag xmlns="" xmlns:m="http://schemas.openxmlformats.org/officeDocument/2006/math" xmlns:a14="http://schemas.microsoft.com/office/drawing/2010/main" xmlns:ma14="http://schemas.microsoft.com/office/mac/drawingml/2011/main" val="1"/>
             </a:ext>
           </a:extLst>
         </p:spPr>
@@ -21840,7 +22868,7 @@
 </p:sld>
 </file>
 
-<file path=ppt/slides/slide5.xml><?xml version="1.0" encoding="utf-8"?>
+<file path=ppt/slides/slide6.xml><?xml version="1.0" encoding="utf-8"?>
 <p:sld xmlns:a="http://schemas.openxmlformats.org/drawingml/2006/main" xmlns:r="http://schemas.openxmlformats.org/officeDocument/2006/relationships" xmlns:p="http://schemas.openxmlformats.org/presentationml/2006/main">
   <p:cSld>
     <p:spTree>
@@ -21876,7 +22904,7 @@
           </a:ln>
           <a:extLst>
             <a:ext uri="{C572A759-6A51-4108-AA02-DFA0A04FC94B}">
-              <ma14:wrappingTextBoxFlag xmlns:ma14="http://schemas.microsoft.com/office/mac/drawingml/2011/main" xmlns:a14="http://schemas.microsoft.com/office/drawing/2010/main" xmlns:m="http://schemas.openxmlformats.org/officeDocument/2006/math" xmlns="" val="1"/>
+              <ma14:wrappingTextBoxFlag xmlns="" xmlns:m="http://schemas.openxmlformats.org/officeDocument/2006/math" xmlns:a14="http://schemas.microsoft.com/office/drawing/2010/main" xmlns:ma14="http://schemas.microsoft.com/office/mac/drawingml/2011/main" val="1"/>
             </a:ext>
           </a:extLst>
         </p:spPr>
@@ -22018,7 +23046,7 @@
           </a:ln>
           <a:extLst>
             <a:ext uri="{C572A759-6A51-4108-AA02-DFA0A04FC94B}">
-              <ma14:wrappingTextBoxFlag xmlns:ma14="http://schemas.microsoft.com/office/mac/drawingml/2011/main" xmlns:a14="http://schemas.microsoft.com/office/drawing/2010/main" xmlns:m="http://schemas.openxmlformats.org/officeDocument/2006/math" xmlns="" val="1"/>
+              <ma14:wrappingTextBoxFlag xmlns="" xmlns:m="http://schemas.openxmlformats.org/officeDocument/2006/math" xmlns:a14="http://schemas.microsoft.com/office/drawing/2010/main" xmlns:ma14="http://schemas.microsoft.com/office/mac/drawingml/2011/main" val="1"/>
             </a:ext>
           </a:extLst>
         </p:spPr>
@@ -22109,7 +23137,7 @@
           </a:ln>
           <a:extLst>
             <a:ext uri="{C572A759-6A51-4108-AA02-DFA0A04FC94B}">
-              <ma14:wrappingTextBoxFlag xmlns:ma14="http://schemas.microsoft.com/office/mac/drawingml/2011/main" xmlns:a14="http://schemas.microsoft.com/office/drawing/2010/main" xmlns:m="http://schemas.openxmlformats.org/officeDocument/2006/math" xmlns="" val="1"/>
+              <ma14:wrappingTextBoxFlag xmlns="" xmlns:m="http://schemas.openxmlformats.org/officeDocument/2006/math" xmlns:a14="http://schemas.microsoft.com/office/drawing/2010/main" xmlns:ma14="http://schemas.microsoft.com/office/mac/drawingml/2011/main" val="1"/>
             </a:ext>
           </a:extLst>
         </p:spPr>
@@ -23877,7 +24905,7 @@
             <a:effectLst/>
             <a:extLst>
               <a:ext uri="{C572A759-6A51-4108-AA02-DFA0A04FC94B}">
-                <ma14:wrappingTextBoxFlag xmlns:ma14="http://schemas.microsoft.com/office/mac/drawingml/2011/main" xmlns:a14="http://schemas.microsoft.com/office/drawing/2010/main" xmlns:m="http://schemas.openxmlformats.org/officeDocument/2006/math" xmlns="" val="1"/>
+                <ma14:wrappingTextBoxFlag xmlns="" xmlns:m="http://schemas.openxmlformats.org/officeDocument/2006/math" xmlns:a14="http://schemas.microsoft.com/office/drawing/2010/main" xmlns:ma14="http://schemas.microsoft.com/office/mac/drawingml/2011/main" val="1"/>
               </a:ext>
             </a:extLst>
           </p:spPr>
@@ -23934,7 +24962,7 @@
             <a:effectLst/>
             <a:extLst>
               <a:ext uri="{C572A759-6A51-4108-AA02-DFA0A04FC94B}">
-                <ma14:wrappingTextBoxFlag xmlns:ma14="http://schemas.microsoft.com/office/mac/drawingml/2011/main" xmlns:a14="http://schemas.microsoft.com/office/drawing/2010/main" xmlns:m="http://schemas.openxmlformats.org/officeDocument/2006/math" xmlns="" val="1"/>
+                <ma14:wrappingTextBoxFlag xmlns="" xmlns:m="http://schemas.openxmlformats.org/officeDocument/2006/math" xmlns:a14="http://schemas.microsoft.com/office/drawing/2010/main" xmlns:ma14="http://schemas.microsoft.com/office/mac/drawingml/2011/main" val="1"/>
               </a:ext>
             </a:extLst>
           </p:spPr>
@@ -23991,7 +25019,7 @@
             <a:effectLst/>
             <a:extLst>
               <a:ext uri="{C572A759-6A51-4108-AA02-DFA0A04FC94B}">
-                <ma14:wrappingTextBoxFlag xmlns:ma14="http://schemas.microsoft.com/office/mac/drawingml/2011/main" xmlns:a14="http://schemas.microsoft.com/office/drawing/2010/main" xmlns:m="http://schemas.openxmlformats.org/officeDocument/2006/math" xmlns="" val="1"/>
+                <ma14:wrappingTextBoxFlag xmlns="" xmlns:m="http://schemas.openxmlformats.org/officeDocument/2006/math" xmlns:a14="http://schemas.microsoft.com/office/drawing/2010/main" xmlns:ma14="http://schemas.microsoft.com/office/mac/drawingml/2011/main" val="1"/>
               </a:ext>
             </a:extLst>
           </p:spPr>
@@ -24048,7 +25076,7 @@
             <a:effectLst/>
             <a:extLst>
               <a:ext uri="{C572A759-6A51-4108-AA02-DFA0A04FC94B}">
-                <ma14:wrappingTextBoxFlag xmlns:ma14="http://schemas.microsoft.com/office/mac/drawingml/2011/main" xmlns:a14="http://schemas.microsoft.com/office/drawing/2010/main" xmlns:m="http://schemas.openxmlformats.org/officeDocument/2006/math" xmlns="" val="1"/>
+                <ma14:wrappingTextBoxFlag xmlns="" xmlns:m="http://schemas.openxmlformats.org/officeDocument/2006/math" xmlns:a14="http://schemas.microsoft.com/office/drawing/2010/main" xmlns:ma14="http://schemas.microsoft.com/office/mac/drawingml/2011/main" val="1"/>
               </a:ext>
             </a:extLst>
           </p:spPr>
@@ -24105,7 +25133,7 @@
             <a:effectLst/>
             <a:extLst>
               <a:ext uri="{C572A759-6A51-4108-AA02-DFA0A04FC94B}">
-                <ma14:wrappingTextBoxFlag xmlns:ma14="http://schemas.microsoft.com/office/mac/drawingml/2011/main" xmlns:a14="http://schemas.microsoft.com/office/drawing/2010/main" xmlns:m="http://schemas.openxmlformats.org/officeDocument/2006/math" xmlns="" val="1"/>
+                <ma14:wrappingTextBoxFlag xmlns="" xmlns:m="http://schemas.openxmlformats.org/officeDocument/2006/math" xmlns:a14="http://schemas.microsoft.com/office/drawing/2010/main" xmlns:ma14="http://schemas.microsoft.com/office/mac/drawingml/2011/main" val="1"/>
               </a:ext>
             </a:extLst>
           </p:spPr>
@@ -24162,7 +25190,7 @@
             <a:effectLst/>
             <a:extLst>
               <a:ext uri="{C572A759-6A51-4108-AA02-DFA0A04FC94B}">
-                <ma14:wrappingTextBoxFlag xmlns:ma14="http://schemas.microsoft.com/office/mac/drawingml/2011/main" xmlns:a14="http://schemas.microsoft.com/office/drawing/2010/main" xmlns:m="http://schemas.openxmlformats.org/officeDocument/2006/math" xmlns="" val="1"/>
+                <ma14:wrappingTextBoxFlag xmlns="" xmlns:m="http://schemas.openxmlformats.org/officeDocument/2006/math" xmlns:a14="http://schemas.microsoft.com/office/drawing/2010/main" xmlns:ma14="http://schemas.microsoft.com/office/mac/drawingml/2011/main" val="1"/>
               </a:ext>
             </a:extLst>
           </p:spPr>
@@ -24217,7 +25245,7 @@
           </a:ln>
           <a:extLst>
             <a:ext uri="{C572A759-6A51-4108-AA02-DFA0A04FC94B}">
-              <ma14:wrappingTextBoxFlag xmlns:ma14="http://schemas.microsoft.com/office/mac/drawingml/2011/main" xmlns:a14="http://schemas.microsoft.com/office/drawing/2010/main" xmlns:m="http://schemas.openxmlformats.org/officeDocument/2006/math" xmlns="" val="1"/>
+              <ma14:wrappingTextBoxFlag xmlns="" xmlns:m="http://schemas.openxmlformats.org/officeDocument/2006/math" xmlns:a14="http://schemas.microsoft.com/office/drawing/2010/main" xmlns:ma14="http://schemas.microsoft.com/office/mac/drawingml/2011/main" val="1"/>
             </a:ext>
           </a:extLst>
         </p:spPr>
@@ -24244,7 +25272,7 @@
 </p:sld>
 </file>
 
-<file path=ppt/slides/slide6.xml><?xml version="1.0" encoding="utf-8"?>
+<file path=ppt/slides/slide7.xml><?xml version="1.0" encoding="utf-8"?>
 <p:sld xmlns:a="http://schemas.openxmlformats.org/drawingml/2006/main" xmlns:r="http://schemas.openxmlformats.org/officeDocument/2006/relationships" xmlns:p="http://schemas.openxmlformats.org/presentationml/2006/main">
   <p:cSld>
     <p:spTree>
@@ -24280,7 +25308,7 @@
           </a:ln>
           <a:extLst>
             <a:ext uri="{C572A759-6A51-4108-AA02-DFA0A04FC94B}">
-              <ma14:wrappingTextBoxFlag xmlns:ma14="http://schemas.microsoft.com/office/mac/drawingml/2011/main" xmlns:a14="http://schemas.microsoft.com/office/drawing/2010/main" xmlns:m="http://schemas.openxmlformats.org/officeDocument/2006/math" xmlns="" val="1"/>
+              <ma14:wrappingTextBoxFlag xmlns="" xmlns:m="http://schemas.openxmlformats.org/officeDocument/2006/math" xmlns:a14="http://schemas.microsoft.com/office/drawing/2010/main" xmlns:ma14="http://schemas.microsoft.com/office/mac/drawingml/2011/main" val="1"/>
             </a:ext>
           </a:extLst>
         </p:spPr>
@@ -24422,7 +25450,7 @@
           </a:ln>
           <a:extLst>
             <a:ext uri="{C572A759-6A51-4108-AA02-DFA0A04FC94B}">
-              <ma14:wrappingTextBoxFlag xmlns:ma14="http://schemas.microsoft.com/office/mac/drawingml/2011/main" xmlns:a14="http://schemas.microsoft.com/office/drawing/2010/main" xmlns:m="http://schemas.openxmlformats.org/officeDocument/2006/math" xmlns="" val="1"/>
+              <ma14:wrappingTextBoxFlag xmlns="" xmlns:m="http://schemas.openxmlformats.org/officeDocument/2006/math" xmlns:a14="http://schemas.microsoft.com/office/drawing/2010/main" xmlns:ma14="http://schemas.microsoft.com/office/mac/drawingml/2011/main" val="1"/>
             </a:ext>
           </a:extLst>
         </p:spPr>
@@ -24514,7 +25542,7 @@
           </a:ln>
           <a:extLst>
             <a:ext uri="{C572A759-6A51-4108-AA02-DFA0A04FC94B}">
-              <ma14:wrappingTextBoxFlag xmlns:ma14="http://schemas.microsoft.com/office/mac/drawingml/2011/main" xmlns:a14="http://schemas.microsoft.com/office/drawing/2010/main" xmlns:m="http://schemas.openxmlformats.org/officeDocument/2006/math" xmlns="" val="1"/>
+              <ma14:wrappingTextBoxFlag xmlns="" xmlns:m="http://schemas.openxmlformats.org/officeDocument/2006/math" xmlns:a14="http://schemas.microsoft.com/office/drawing/2010/main" xmlns:ma14="http://schemas.microsoft.com/office/mac/drawingml/2011/main" val="1"/>
             </a:ext>
           </a:extLst>
         </p:spPr>
@@ -26461,7 +27489,7 @@
             <a:effectLst/>
             <a:extLst>
               <a:ext uri="{C572A759-6A51-4108-AA02-DFA0A04FC94B}">
-                <ma14:wrappingTextBoxFlag xmlns:ma14="http://schemas.microsoft.com/office/mac/drawingml/2011/main" xmlns:a14="http://schemas.microsoft.com/office/drawing/2010/main" xmlns:m="http://schemas.openxmlformats.org/officeDocument/2006/math" xmlns="" val="1"/>
+                <ma14:wrappingTextBoxFlag xmlns="" xmlns:m="http://schemas.openxmlformats.org/officeDocument/2006/math" xmlns:a14="http://schemas.microsoft.com/office/drawing/2010/main" xmlns:ma14="http://schemas.microsoft.com/office/mac/drawingml/2011/main" val="1"/>
               </a:ext>
             </a:extLst>
           </p:spPr>
@@ -26515,7 +27543,7 @@
             <a:effectLst/>
             <a:extLst>
               <a:ext uri="{C572A759-6A51-4108-AA02-DFA0A04FC94B}">
-                <ma14:wrappingTextBoxFlag xmlns:ma14="http://schemas.microsoft.com/office/mac/drawingml/2011/main" xmlns:a14="http://schemas.microsoft.com/office/drawing/2010/main" xmlns:m="http://schemas.openxmlformats.org/officeDocument/2006/math" xmlns="" val="1"/>
+                <ma14:wrappingTextBoxFlag xmlns="" xmlns:m="http://schemas.openxmlformats.org/officeDocument/2006/math" xmlns:a14="http://schemas.microsoft.com/office/drawing/2010/main" xmlns:ma14="http://schemas.microsoft.com/office/mac/drawingml/2011/main" val="1"/>
               </a:ext>
             </a:extLst>
           </p:spPr>
@@ -26569,7 +27597,7 @@
             <a:effectLst/>
             <a:extLst>
               <a:ext uri="{C572A759-6A51-4108-AA02-DFA0A04FC94B}">
-                <ma14:wrappingTextBoxFlag xmlns:ma14="http://schemas.microsoft.com/office/mac/drawingml/2011/main" xmlns:a14="http://schemas.microsoft.com/office/drawing/2010/main" xmlns:m="http://schemas.openxmlformats.org/officeDocument/2006/math" xmlns="" val="1"/>
+                <ma14:wrappingTextBoxFlag xmlns="" xmlns:m="http://schemas.openxmlformats.org/officeDocument/2006/math" xmlns:a14="http://schemas.microsoft.com/office/drawing/2010/main" xmlns:ma14="http://schemas.microsoft.com/office/mac/drawingml/2011/main" val="1"/>
               </a:ext>
             </a:extLst>
           </p:spPr>
@@ -26623,7 +27651,7 @@
             <a:effectLst/>
             <a:extLst>
               <a:ext uri="{C572A759-6A51-4108-AA02-DFA0A04FC94B}">
-                <ma14:wrappingTextBoxFlag xmlns:ma14="http://schemas.microsoft.com/office/mac/drawingml/2011/main" xmlns:a14="http://schemas.microsoft.com/office/drawing/2010/main" xmlns:m="http://schemas.openxmlformats.org/officeDocument/2006/math" xmlns="" val="1"/>
+                <ma14:wrappingTextBoxFlag xmlns="" xmlns:m="http://schemas.openxmlformats.org/officeDocument/2006/math" xmlns:a14="http://schemas.microsoft.com/office/drawing/2010/main" xmlns:ma14="http://schemas.microsoft.com/office/mac/drawingml/2011/main" val="1"/>
               </a:ext>
             </a:extLst>
           </p:spPr>
@@ -26677,7 +27705,7 @@
             <a:effectLst/>
             <a:extLst>
               <a:ext uri="{C572A759-6A51-4108-AA02-DFA0A04FC94B}">
-                <ma14:wrappingTextBoxFlag xmlns:ma14="http://schemas.microsoft.com/office/mac/drawingml/2011/main" xmlns:a14="http://schemas.microsoft.com/office/drawing/2010/main" xmlns:m="http://schemas.openxmlformats.org/officeDocument/2006/math" xmlns="" val="1"/>
+                <ma14:wrappingTextBoxFlag xmlns="" xmlns:m="http://schemas.openxmlformats.org/officeDocument/2006/math" xmlns:a14="http://schemas.microsoft.com/office/drawing/2010/main" xmlns:ma14="http://schemas.microsoft.com/office/mac/drawingml/2011/main" val="1"/>
               </a:ext>
             </a:extLst>
           </p:spPr>
@@ -26731,7 +27759,7 @@
             <a:effectLst/>
             <a:extLst>
               <a:ext uri="{C572A759-6A51-4108-AA02-DFA0A04FC94B}">
-                <ma14:wrappingTextBoxFlag xmlns:ma14="http://schemas.microsoft.com/office/mac/drawingml/2011/main" xmlns:a14="http://schemas.microsoft.com/office/drawing/2010/main" xmlns:m="http://schemas.openxmlformats.org/officeDocument/2006/math" xmlns="" val="1"/>
+                <ma14:wrappingTextBoxFlag xmlns="" xmlns:m="http://schemas.openxmlformats.org/officeDocument/2006/math" xmlns:a14="http://schemas.microsoft.com/office/drawing/2010/main" xmlns:ma14="http://schemas.microsoft.com/office/mac/drawingml/2011/main" val="1"/>
               </a:ext>
             </a:extLst>
           </p:spPr>
@@ -26783,7 +27811,7 @@
           </a:ln>
           <a:extLst>
             <a:ext uri="{C572A759-6A51-4108-AA02-DFA0A04FC94B}">
-              <ma14:wrappingTextBoxFlag xmlns:ma14="http://schemas.microsoft.com/office/mac/drawingml/2011/main" xmlns:a14="http://schemas.microsoft.com/office/drawing/2010/main" xmlns:m="http://schemas.openxmlformats.org/officeDocument/2006/math" xmlns="" val="1"/>
+              <ma14:wrappingTextBoxFlag xmlns="" xmlns:m="http://schemas.openxmlformats.org/officeDocument/2006/math" xmlns:a14="http://schemas.microsoft.com/office/drawing/2010/main" xmlns:ma14="http://schemas.microsoft.com/office/mac/drawingml/2011/main" val="1"/>
             </a:ext>
           </a:extLst>
         </p:spPr>
@@ -26815,7 +27843,7 @@
 </p:sld>
 </file>
 
-<file path=ppt/slides/slide7.xml><?xml version="1.0" encoding="utf-8"?>
+<file path=ppt/slides/slide8.xml><?xml version="1.0" encoding="utf-8"?>
 <p:sld xmlns:a="http://schemas.openxmlformats.org/drawingml/2006/main" xmlns:r="http://schemas.openxmlformats.org/officeDocument/2006/relationships" xmlns:p="http://schemas.openxmlformats.org/presentationml/2006/main">
   <p:cSld>
     <p:spTree>
@@ -26851,7 +27879,7 @@
           </a:ln>
           <a:extLst>
             <a:ext uri="{C572A759-6A51-4108-AA02-DFA0A04FC94B}">
-              <ma14:wrappingTextBoxFlag xmlns:ma14="http://schemas.microsoft.com/office/mac/drawingml/2011/main" xmlns:a14="http://schemas.microsoft.com/office/drawing/2010/main" xmlns:m="http://schemas.openxmlformats.org/officeDocument/2006/math" xmlns="" val="1"/>
+              <ma14:wrappingTextBoxFlag xmlns="" xmlns:m="http://schemas.openxmlformats.org/officeDocument/2006/math" xmlns:a14="http://schemas.microsoft.com/office/drawing/2010/main" xmlns:ma14="http://schemas.microsoft.com/office/mac/drawingml/2011/main" val="1"/>
             </a:ext>
           </a:extLst>
         </p:spPr>
@@ -27600,7 +28628,7 @@
 </p:sld>
 </file>
 
-<file path=ppt/slides/slide8.xml><?xml version="1.0" encoding="utf-8"?>
+<file path=ppt/slides/slide9.xml><?xml version="1.0" encoding="utf-8"?>
 <p:sld xmlns:a="http://schemas.openxmlformats.org/drawingml/2006/main" xmlns:r="http://schemas.openxmlformats.org/officeDocument/2006/relationships" xmlns:p="http://schemas.openxmlformats.org/presentationml/2006/main">
   <p:cSld>
     <p:spTree>
@@ -27636,7 +28664,7 @@
           </a:ln>
           <a:extLst>
             <a:ext uri="{C572A759-6A51-4108-AA02-DFA0A04FC94B}">
-              <ma14:wrappingTextBoxFlag xmlns:ma14="http://schemas.microsoft.com/office/mac/drawingml/2011/main" xmlns:a14="http://schemas.microsoft.com/office/drawing/2010/main" xmlns:m="http://schemas.openxmlformats.org/officeDocument/2006/math" xmlns="" val="1"/>
+              <ma14:wrappingTextBoxFlag xmlns="" xmlns:m="http://schemas.openxmlformats.org/officeDocument/2006/math" xmlns:a14="http://schemas.microsoft.com/office/drawing/2010/main" xmlns:ma14="http://schemas.microsoft.com/office/mac/drawingml/2011/main" val="1"/>
             </a:ext>
           </a:extLst>
         </p:spPr>
@@ -28396,790 +29424,6 @@
     <p:extLst>
       <p:ext uri="{BB962C8B-B14F-4D97-AF65-F5344CB8AC3E}">
         <p14:creationId xmlns:p14="http://schemas.microsoft.com/office/powerpoint/2010/main" val="2316755419"/>
-      </p:ext>
-    </p:extLst>
-  </p:cSld>
-  <p:clrMapOvr>
-    <a:masterClrMapping/>
-  </p:clrMapOvr>
-  <p:transition spd="med"/>
-</p:sld>
-</file>
-
-<file path=ppt/slides/slide9.xml><?xml version="1.0" encoding="utf-8"?>
-<p:sld xmlns:a="http://schemas.openxmlformats.org/drawingml/2006/main" xmlns:r="http://schemas.openxmlformats.org/officeDocument/2006/relationships" xmlns:p="http://schemas.openxmlformats.org/presentationml/2006/main">
-  <p:cSld>
-    <p:spTree>
-      <p:nvGrpSpPr>
-        <p:cNvPr id="1" name=""/>
-        <p:cNvGrpSpPr/>
-        <p:nvPr/>
-      </p:nvGrpSpPr>
-      <p:grpSpPr>
-        <a:xfrm>
-          <a:off x="0" y="0"/>
-          <a:ext cx="0" cy="0"/>
-          <a:chOff x="0" y="0"/>
-          <a:chExt cx="0" cy="0"/>
-        </a:xfrm>
-      </p:grpSpPr>
-      <p:sp>
-        <p:nvSpPr>
-          <p:cNvPr id="213" name="Structure of genetic variation: LD"/>
-          <p:cNvSpPr txBox="1"/>
-          <p:nvPr/>
-        </p:nvSpPr>
-        <p:spPr>
-          <a:xfrm>
-            <a:off x="736937" y="216958"/>
-            <a:ext cx="12216725" cy="1015663"/>
-          </a:xfrm>
-          <a:prstGeom prst="rect">
-            <a:avLst/>
-          </a:prstGeom>
-          <a:ln w="12700">
-            <a:miter lim="400000"/>
-          </a:ln>
-          <a:extLst>
-            <a:ext uri="{C572A759-6A51-4108-AA02-DFA0A04FC94B}">
-              <ma14:wrappingTextBoxFlag xmlns:ma14="http://schemas.microsoft.com/office/mac/drawingml/2011/main" xmlns:a14="http://schemas.microsoft.com/office/drawing/2010/main" xmlns:m="http://schemas.openxmlformats.org/officeDocument/2006/math" xmlns="" val="1"/>
-            </a:ext>
-          </a:extLst>
-        </p:spPr>
-        <p:txBody>
-          <a:bodyPr lIns="45719" rIns="45719">
-            <a:spAutoFit/>
-          </a:bodyPr>
-          <a:lstStyle>
-            <a:lvl1pPr algn="l" defTabSz="914400">
-              <a:defRPr sz="6000">
-                <a:latin typeface="Helvetica"/>
-                <a:ea typeface="Helvetica"/>
-                <a:cs typeface="Helvetica"/>
-                <a:sym typeface="Helvetica"/>
-              </a:defRPr>
-            </a:lvl1pPr>
-          </a:lstStyle>
-          <a:p>
-            <a:r>
-              <a:rPr lang="en-GB" dirty="0"/>
-              <a:t>Association is not causation</a:t>
-            </a:r>
-            <a:endParaRPr dirty="0"/>
-          </a:p>
-        </p:txBody>
-      </p:sp>
-      <p:grpSp>
-        <p:nvGrpSpPr>
-          <p:cNvPr id="216" name="Group"/>
-          <p:cNvGrpSpPr/>
-          <p:nvPr/>
-        </p:nvGrpSpPr>
-        <p:grpSpPr>
-          <a:xfrm>
-            <a:off x="-39524" y="1409700"/>
-            <a:ext cx="5636643" cy="186103"/>
-            <a:chOff x="0" y="0"/>
-            <a:chExt cx="5636641" cy="186102"/>
-          </a:xfrm>
-        </p:grpSpPr>
-        <p:sp>
-          <p:nvSpPr>
-            <p:cNvPr id="214" name="Rectangle"/>
-            <p:cNvSpPr/>
-            <p:nvPr/>
-          </p:nvSpPr>
-          <p:spPr>
-            <a:xfrm>
-              <a:off x="1877940" y="0"/>
-              <a:ext cx="3758702" cy="186103"/>
-            </a:xfrm>
-            <a:prstGeom prst="rect">
-              <a:avLst/>
-            </a:prstGeom>
-            <a:solidFill>
-              <a:srgbClr val="05774D"/>
-            </a:solidFill>
-            <a:ln w="12700" cap="flat">
-              <a:noFill/>
-              <a:miter lim="400000"/>
-            </a:ln>
-            <a:effectLst/>
-          </p:spPr>
-          <p:txBody>
-            <a:bodyPr wrap="square" lIns="45719" tIns="45719" rIns="45719" bIns="45719" numCol="1" anchor="ctr">
-              <a:noAutofit/>
-            </a:bodyPr>
-            <a:lstStyle/>
-            <a:p>
-              <a:pPr defTabSz="914400">
-                <a:defRPr sz="1800">
-                  <a:latin typeface="Calibri"/>
-                  <a:ea typeface="Calibri"/>
-                  <a:cs typeface="Calibri"/>
-                  <a:sym typeface="Calibri"/>
-                </a:defRPr>
-              </a:pPr>
-              <a:endParaRPr/>
-            </a:p>
-          </p:txBody>
-        </p:sp>
-        <p:sp>
-          <p:nvSpPr>
-            <p:cNvPr id="215" name="Rectangle"/>
-            <p:cNvSpPr/>
-            <p:nvPr/>
-          </p:nvSpPr>
-          <p:spPr>
-            <a:xfrm>
-              <a:off x="0" y="0"/>
-              <a:ext cx="1877941" cy="186103"/>
-            </a:xfrm>
-            <a:prstGeom prst="rect">
-              <a:avLst/>
-            </a:prstGeom>
-            <a:solidFill>
-              <a:srgbClr val="0097A9"/>
-            </a:solidFill>
-            <a:ln w="12700" cap="flat">
-              <a:noFill/>
-              <a:miter lim="400000"/>
-            </a:ln>
-            <a:effectLst/>
-          </p:spPr>
-          <p:txBody>
-            <a:bodyPr wrap="square" lIns="45719" tIns="45719" rIns="45719" bIns="45719" numCol="1" anchor="ctr">
-              <a:noAutofit/>
-            </a:bodyPr>
-            <a:lstStyle/>
-            <a:p>
-              <a:pPr defTabSz="914400">
-                <a:defRPr sz="1800">
-                  <a:latin typeface="Calibri"/>
-                  <a:ea typeface="Calibri"/>
-                  <a:cs typeface="Calibri"/>
-                  <a:sym typeface="Calibri"/>
-                </a:defRPr>
-              </a:pPr>
-              <a:endParaRPr/>
-            </a:p>
-          </p:txBody>
-        </p:sp>
-      </p:grpSp>
-      <p:sp>
-        <p:nvSpPr>
-          <p:cNvPr id="4" name="TextBox 3">
-            <a:extLst>
-              <a:ext uri="{FF2B5EF4-FFF2-40B4-BE49-F238E27FC236}">
-                <a16:creationId xmlns:a16="http://schemas.microsoft.com/office/drawing/2014/main" id="{4AF5D42E-1A3E-BC68-C935-3AFFAD84D6FF}"/>
-              </a:ext>
-            </a:extLst>
-          </p:cNvPr>
-          <p:cNvSpPr txBox="1"/>
-          <p:nvPr/>
-        </p:nvSpPr>
-        <p:spPr>
-          <a:xfrm>
-            <a:off x="6104859" y="2962514"/>
-            <a:ext cx="795089" cy="656590"/>
-          </a:xfrm>
-          <a:prstGeom prst="rect">
-            <a:avLst/>
-          </a:prstGeom>
-          <a:noFill/>
-          <a:ln w="12700" cap="flat">
-            <a:noFill/>
-            <a:miter lim="400000"/>
-          </a:ln>
-          <a:effectLst/>
-          <a:sp3d/>
-        </p:spPr>
-        <p:style>
-          <a:lnRef idx="0">
-            <a:scrgbClr r="0" g="0" b="0"/>
-          </a:lnRef>
-          <a:fillRef idx="0">
-            <a:scrgbClr r="0" g="0" b="0"/>
-          </a:fillRef>
-          <a:effectRef idx="0">
-            <a:scrgbClr r="0" g="0" b="0"/>
-          </a:effectRef>
-          <a:fontRef idx="none"/>
-        </p:style>
-        <p:txBody>
-          <a:bodyPr rot="0" spcFirstLastPara="1" vertOverflow="overflow" horzOverflow="overflow" vert="horz" wrap="none" lIns="50800" tIns="50800" rIns="50800" bIns="50800" numCol="1" spcCol="38100" rtlCol="0" anchor="ctr">
-            <a:spAutoFit/>
-          </a:bodyPr>
-          <a:lstStyle/>
-          <a:p>
-            <a:pPr marL="0" marR="0" indent="0" algn="ctr" defTabSz="584200" rtl="0" fontAlgn="auto" latinLnBrk="0" hangingPunct="0">
-              <a:lnSpc>
-                <a:spcPct val="100000"/>
-              </a:lnSpc>
-              <a:spcBef>
-                <a:spcPts val="0"/>
-              </a:spcBef>
-              <a:spcAft>
-                <a:spcPts val="0"/>
-              </a:spcAft>
-              <a:buClrTx/>
-              <a:buSzTx/>
-              <a:buFontTx/>
-              <a:buNone/>
-              <a:tabLst/>
-            </a:pPr>
-            <a:r>
-              <a:rPr lang="en-AT" dirty="0">
-                <a:solidFill>
-                  <a:schemeClr val="tx1"/>
-                </a:solidFill>
-              </a:rPr>
-              <a:t>???</a:t>
-            </a:r>
-            <a:endParaRPr kumimoji="0" lang="en-AT" sz="3600" b="0" i="0" u="none" strike="noStrike" cap="none" spc="0" normalizeH="0" baseline="0" dirty="0">
-              <a:ln>
-                <a:noFill/>
-              </a:ln>
-              <a:solidFill>
-                <a:schemeClr val="tx1"/>
-              </a:solidFill>
-              <a:effectLst/>
-              <a:uFillTx/>
-              <a:latin typeface="+mn-lt"/>
-              <a:ea typeface="+mn-ea"/>
-              <a:cs typeface="+mn-cs"/>
-              <a:sym typeface="Helvetica Light"/>
-            </a:endParaRPr>
-          </a:p>
-        </p:txBody>
-      </p:sp>
-      <p:sp>
-        <p:nvSpPr>
-          <p:cNvPr id="5" name="TextBox 4">
-            <a:extLst>
-              <a:ext uri="{FF2B5EF4-FFF2-40B4-BE49-F238E27FC236}">
-                <a16:creationId xmlns:a16="http://schemas.microsoft.com/office/drawing/2014/main" id="{0431CE45-2A32-5207-5EDB-2C1DCC33862B}"/>
-              </a:ext>
-            </a:extLst>
-          </p:cNvPr>
-          <p:cNvSpPr txBox="1"/>
-          <p:nvPr/>
-        </p:nvSpPr>
-        <p:spPr>
-          <a:xfrm>
-            <a:off x="2667308" y="4876800"/>
-            <a:ext cx="2308324" cy="656590"/>
-          </a:xfrm>
-          <a:prstGeom prst="rect">
-            <a:avLst/>
-          </a:prstGeom>
-          <a:noFill/>
-          <a:ln w="12700" cap="flat">
-            <a:noFill/>
-            <a:miter lim="400000"/>
-          </a:ln>
-          <a:effectLst/>
-          <a:sp3d/>
-        </p:spPr>
-        <p:style>
-          <a:lnRef idx="0">
-            <a:scrgbClr r="0" g="0" b="0"/>
-          </a:lnRef>
-          <a:fillRef idx="0">
-            <a:scrgbClr r="0" g="0" b="0"/>
-          </a:fillRef>
-          <a:effectRef idx="0">
-            <a:scrgbClr r="0" g="0" b="0"/>
-          </a:effectRef>
-          <a:fontRef idx="none"/>
-        </p:style>
-        <p:txBody>
-          <a:bodyPr rot="0" spcFirstLastPara="1" vertOverflow="overflow" horzOverflow="overflow" vert="horz" wrap="none" lIns="50800" tIns="50800" rIns="50800" bIns="50800" numCol="1" spcCol="38100" rtlCol="0" anchor="ctr">
-            <a:spAutoFit/>
-          </a:bodyPr>
-          <a:lstStyle/>
-          <a:p>
-            <a:pPr marL="0" marR="0" indent="0" algn="ctr" defTabSz="584200" rtl="0" fontAlgn="auto" latinLnBrk="0" hangingPunct="0">
-              <a:lnSpc>
-                <a:spcPct val="100000"/>
-              </a:lnSpc>
-              <a:spcBef>
-                <a:spcPts val="0"/>
-              </a:spcBef>
-              <a:spcAft>
-                <a:spcPts val="0"/>
-              </a:spcAft>
-              <a:buClrTx/>
-              <a:buSzTx/>
-              <a:buFontTx/>
-              <a:buNone/>
-              <a:tabLst/>
-            </a:pPr>
-            <a:r>
-              <a:rPr lang="en-AT" dirty="0"/>
-              <a:t>Phenotype</a:t>
-            </a:r>
-            <a:endParaRPr kumimoji="0" lang="en-AT" sz="3600" b="0" i="0" u="none" strike="noStrike" cap="none" spc="0" normalizeH="0" baseline="0" dirty="0">
-              <a:ln>
-                <a:noFill/>
-              </a:ln>
-              <a:solidFill>
-                <a:srgbClr val="000000"/>
-              </a:solidFill>
-              <a:effectLst/>
-              <a:uFillTx/>
-              <a:latin typeface="+mn-lt"/>
-              <a:ea typeface="+mn-ea"/>
-              <a:cs typeface="+mn-cs"/>
-              <a:sym typeface="Helvetica Light"/>
-            </a:endParaRPr>
-          </a:p>
-        </p:txBody>
-      </p:sp>
-      <p:sp>
-        <p:nvSpPr>
-          <p:cNvPr id="6" name="TextBox 5">
-            <a:extLst>
-              <a:ext uri="{FF2B5EF4-FFF2-40B4-BE49-F238E27FC236}">
-                <a16:creationId xmlns:a16="http://schemas.microsoft.com/office/drawing/2014/main" id="{4775B62B-46D2-5AFB-4386-2C88082DEED8}"/>
-              </a:ext>
-            </a:extLst>
-          </p:cNvPr>
-          <p:cNvSpPr txBox="1"/>
-          <p:nvPr/>
-        </p:nvSpPr>
-        <p:spPr>
-          <a:xfrm>
-            <a:off x="7725807" y="4876800"/>
-            <a:ext cx="3282950" cy="656590"/>
-          </a:xfrm>
-          <a:prstGeom prst="rect">
-            <a:avLst/>
-          </a:prstGeom>
-          <a:noFill/>
-          <a:ln w="12700" cap="flat">
-            <a:noFill/>
-            <a:miter lim="400000"/>
-          </a:ln>
-          <a:effectLst/>
-          <a:sp3d/>
-        </p:spPr>
-        <p:style>
-          <a:lnRef idx="0">
-            <a:scrgbClr r="0" g="0" b="0"/>
-          </a:lnRef>
-          <a:fillRef idx="0">
-            <a:scrgbClr r="0" g="0" b="0"/>
-          </a:fillRef>
-          <a:effectRef idx="0">
-            <a:scrgbClr r="0" g="0" b="0"/>
-          </a:effectRef>
-          <a:fontRef idx="none"/>
-        </p:style>
-        <p:txBody>
-          <a:bodyPr rot="0" spcFirstLastPara="1" vertOverflow="overflow" horzOverflow="overflow" vert="horz" wrap="none" lIns="50800" tIns="50800" rIns="50800" bIns="50800" numCol="1" spcCol="38100" rtlCol="0" anchor="ctr">
-            <a:spAutoFit/>
-          </a:bodyPr>
-          <a:lstStyle/>
-          <a:p>
-            <a:pPr marL="0" marR="0" indent="0" algn="ctr" defTabSz="584200" rtl="0" fontAlgn="auto" latinLnBrk="0" hangingPunct="0">
-              <a:lnSpc>
-                <a:spcPct val="100000"/>
-              </a:lnSpc>
-              <a:spcBef>
-                <a:spcPts val="0"/>
-              </a:spcBef>
-              <a:spcAft>
-                <a:spcPts val="0"/>
-              </a:spcAft>
-              <a:buClrTx/>
-              <a:buSzTx/>
-              <a:buFontTx/>
-              <a:buNone/>
-              <a:tabLst/>
-            </a:pPr>
-            <a:r>
-              <a:rPr kumimoji="0" lang="en-AT" sz="3600" b="0" i="0" u="none" strike="noStrike" cap="none" spc="0" normalizeH="0" baseline="0" dirty="0">
-                <a:ln>
-                  <a:noFill/>
-                </a:ln>
-                <a:solidFill>
-                  <a:srgbClr val="000000"/>
-                </a:solidFill>
-                <a:effectLst/>
-                <a:uFillTx/>
-                <a:latin typeface="+mn-lt"/>
-                <a:ea typeface="+mn-ea"/>
-                <a:cs typeface="+mn-cs"/>
-                <a:sym typeface="Helvetica Light"/>
-              </a:rPr>
-              <a:t>Genetic marker</a:t>
-            </a:r>
-          </a:p>
-        </p:txBody>
-      </p:sp>
-      <p:cxnSp>
-        <p:nvCxnSpPr>
-          <p:cNvPr id="8" name="Straight Arrow Connector 7">
-            <a:extLst>
-              <a:ext uri="{FF2B5EF4-FFF2-40B4-BE49-F238E27FC236}">
-                <a16:creationId xmlns:a16="http://schemas.microsoft.com/office/drawing/2014/main" id="{97087040-C257-E3DB-0D42-8157D523C923}"/>
-              </a:ext>
-            </a:extLst>
-          </p:cNvPr>
-          <p:cNvCxnSpPr/>
-          <p:nvPr/>
-        </p:nvCxnSpPr>
-        <p:spPr>
-          <a:xfrm flipH="1">
-            <a:off x="4107051" y="3619104"/>
-            <a:ext cx="1208868" cy="999391"/>
-          </a:xfrm>
-          <a:prstGeom prst="straightConnector1">
-            <a:avLst/>
-          </a:prstGeom>
-          <a:noFill/>
-          <a:ln w="25400" cap="flat">
-            <a:solidFill>
-              <a:srgbClr val="0097A9"/>
-            </a:solidFill>
-            <a:prstDash val="solid"/>
-            <a:miter lim="400000"/>
-            <a:tailEnd type="triangle" w="lg" len="lg"/>
-          </a:ln>
-          <a:effectLst/>
-          <a:sp3d/>
-        </p:spPr>
-        <p:style>
-          <a:lnRef idx="0">
-            <a:scrgbClr r="0" g="0" b="0"/>
-          </a:lnRef>
-          <a:fillRef idx="0">
-            <a:scrgbClr r="0" g="0" b="0"/>
-          </a:fillRef>
-          <a:effectRef idx="0">
-            <a:scrgbClr r="0" g="0" b="0"/>
-          </a:effectRef>
-          <a:fontRef idx="none"/>
-        </p:style>
-      </p:cxnSp>
-      <p:cxnSp>
-        <p:nvCxnSpPr>
-          <p:cNvPr id="9" name="Straight Arrow Connector 8">
-            <a:extLst>
-              <a:ext uri="{FF2B5EF4-FFF2-40B4-BE49-F238E27FC236}">
-                <a16:creationId xmlns:a16="http://schemas.microsoft.com/office/drawing/2014/main" id="{134E6EDD-BCE3-F804-F8D7-871714E3703F}"/>
-              </a:ext>
-            </a:extLst>
-          </p:cNvPr>
-          <p:cNvCxnSpPr>
-            <a:cxnSpLocks/>
-          </p:cNvCxnSpPr>
-          <p:nvPr/>
-        </p:nvCxnSpPr>
-        <p:spPr>
-          <a:xfrm>
-            <a:off x="7570208" y="3619104"/>
-            <a:ext cx="1208868" cy="999391"/>
-          </a:xfrm>
-          <a:prstGeom prst="straightConnector1">
-            <a:avLst/>
-          </a:prstGeom>
-          <a:noFill/>
-          <a:ln w="25400" cap="flat">
-            <a:solidFill>
-              <a:srgbClr val="0097A9"/>
-            </a:solidFill>
-            <a:prstDash val="solid"/>
-            <a:miter lim="400000"/>
-            <a:tailEnd type="triangle" w="lg" len="lg"/>
-          </a:ln>
-          <a:effectLst/>
-          <a:sp3d/>
-        </p:spPr>
-        <p:style>
-          <a:lnRef idx="0">
-            <a:scrgbClr r="0" g="0" b="0"/>
-          </a:lnRef>
-          <a:fillRef idx="0">
-            <a:scrgbClr r="0" g="0" b="0"/>
-          </a:fillRef>
-          <a:effectRef idx="0">
-            <a:scrgbClr r="0" g="0" b="0"/>
-          </a:effectRef>
-          <a:fontRef idx="none"/>
-        </p:style>
-      </p:cxnSp>
-      <p:sp>
-        <p:nvSpPr>
-          <p:cNvPr id="11" name="Right Bracket 10">
-            <a:extLst>
-              <a:ext uri="{FF2B5EF4-FFF2-40B4-BE49-F238E27FC236}">
-                <a16:creationId xmlns:a16="http://schemas.microsoft.com/office/drawing/2014/main" id="{F4CBF5EC-DD2F-F06B-9581-C2D31B3937A7}"/>
-              </a:ext>
-            </a:extLst>
-          </p:cNvPr>
-          <p:cNvSpPr/>
-          <p:nvPr/>
-        </p:nvSpPr>
-        <p:spPr>
-          <a:xfrm rot="5400000">
-            <a:off x="6006454" y="3569527"/>
-            <a:ext cx="991891" cy="5129939"/>
-          </a:xfrm>
-          <a:prstGeom prst="rightBracket">
-            <a:avLst>
-              <a:gd name="adj" fmla="val 258594"/>
-            </a:avLst>
-          </a:prstGeom>
-          <a:noFill/>
-          <a:ln w="25400" cap="flat">
-            <a:solidFill>
-              <a:srgbClr val="FF9B50"/>
-            </a:solidFill>
-            <a:prstDash val="solid"/>
-            <a:miter lim="400000"/>
-            <a:headEnd type="triangle" w="lg" len="lg"/>
-            <a:tailEnd type="triangle" w="lg" len="lg"/>
-          </a:ln>
-          <a:effectLst/>
-          <a:sp3d/>
-        </p:spPr>
-        <p:style>
-          <a:lnRef idx="0">
-            <a:scrgbClr r="0" g="0" b="0"/>
-          </a:lnRef>
-          <a:fillRef idx="0">
-            <a:scrgbClr r="0" g="0" b="0"/>
-          </a:fillRef>
-          <a:effectRef idx="0">
-            <a:scrgbClr r="0" g="0" b="0"/>
-          </a:effectRef>
-          <a:fontRef idx="none"/>
-        </p:style>
-        <p:txBody>
-          <a:bodyPr rot="0" spcFirstLastPara="1" vertOverflow="overflow" horzOverflow="overflow" vert="horz" wrap="square" lIns="91439" tIns="45719" rIns="91439" bIns="45719" numCol="1" spcCol="38100" rtlCol="0" anchor="t">
-            <a:noAutofit/>
-          </a:bodyPr>
-          <a:lstStyle/>
-          <a:p>
-            <a:pPr marL="0" marR="0" indent="0" algn="l" defTabSz="914400" rtl="0" fontAlgn="auto" latinLnBrk="1" hangingPunct="0">
-              <a:lnSpc>
-                <a:spcPct val="100000"/>
-              </a:lnSpc>
-              <a:spcBef>
-                <a:spcPts val="0"/>
-              </a:spcBef>
-              <a:spcAft>
-                <a:spcPts val="0"/>
-              </a:spcAft>
-              <a:buClrTx/>
-              <a:buSzTx/>
-              <a:buFontTx/>
-              <a:buNone/>
-              <a:tabLst/>
-            </a:pPr>
-            <a:endParaRPr kumimoji="0" lang="en-AT" sz="1800" b="0" i="0" u="none" strike="noStrike" cap="none" spc="0" normalizeH="0" baseline="0">
-              <a:ln>
-                <a:noFill/>
-              </a:ln>
-              <a:solidFill>
-                <a:schemeClr val="accent6">
-                  <a:lumMod val="75000"/>
-                </a:schemeClr>
-              </a:solidFill>
-              <a:effectLst/>
-              <a:uFillTx/>
-            </a:endParaRPr>
-          </a:p>
-        </p:txBody>
-      </p:sp>
-      <p:sp>
-        <p:nvSpPr>
-          <p:cNvPr id="13" name="TextBox 12">
-            <a:extLst>
-              <a:ext uri="{FF2B5EF4-FFF2-40B4-BE49-F238E27FC236}">
-                <a16:creationId xmlns:a16="http://schemas.microsoft.com/office/drawing/2014/main" id="{C6479C6B-7FED-CBC9-5C00-46BE52F10440}"/>
-              </a:ext>
-            </a:extLst>
-          </p:cNvPr>
-          <p:cNvSpPr txBox="1"/>
-          <p:nvPr/>
-        </p:nvSpPr>
-        <p:spPr>
-          <a:xfrm>
-            <a:off x="899447" y="3584483"/>
-            <a:ext cx="6524786" cy="461665"/>
-          </a:xfrm>
-          <a:prstGeom prst="rect">
-            <a:avLst/>
-          </a:prstGeom>
-          <a:noFill/>
-          <a:ln w="12700" cap="flat">
-            <a:noFill/>
-            <a:miter lim="400000"/>
-          </a:ln>
-          <a:effectLst/>
-          <a:sp3d/>
-        </p:spPr>
-        <p:style>
-          <a:lnRef idx="0">
-            <a:scrgbClr r="0" g="0" b="0"/>
-          </a:lnRef>
-          <a:fillRef idx="0">
-            <a:scrgbClr r="0" g="0" b="0"/>
-          </a:fillRef>
-          <a:effectRef idx="0">
-            <a:scrgbClr r="0" g="0" b="0"/>
-          </a:effectRef>
-          <a:fontRef idx="none"/>
-        </p:style>
-        <p:txBody>
-          <a:bodyPr wrap="square">
-            <a:spAutoFit/>
-          </a:bodyPr>
-          <a:lstStyle/>
-          <a:p>
-            <a:r>
-              <a:rPr lang="en-GB" sz="2400" dirty="0">
-                <a:solidFill>
-                  <a:srgbClr val="0097A9"/>
-                </a:solidFill>
-              </a:rPr>
-              <a:t>causation</a:t>
-            </a:r>
-            <a:endParaRPr lang="en-AT" sz="2400" dirty="0">
-              <a:solidFill>
-                <a:srgbClr val="0097A9"/>
-              </a:solidFill>
-            </a:endParaRPr>
-          </a:p>
-        </p:txBody>
-      </p:sp>
-      <p:sp>
-        <p:nvSpPr>
-          <p:cNvPr id="14" name="TextBox 13">
-            <a:extLst>
-              <a:ext uri="{FF2B5EF4-FFF2-40B4-BE49-F238E27FC236}">
-                <a16:creationId xmlns:a16="http://schemas.microsoft.com/office/drawing/2014/main" id="{193EE306-CCFE-9E28-8870-211C2C9555DC}"/>
-              </a:ext>
-            </a:extLst>
-          </p:cNvPr>
-          <p:cNvSpPr txBox="1"/>
-          <p:nvPr/>
-        </p:nvSpPr>
-        <p:spPr>
-          <a:xfrm>
-            <a:off x="5516683" y="3584482"/>
-            <a:ext cx="6524786" cy="461665"/>
-          </a:xfrm>
-          <a:prstGeom prst="rect">
-            <a:avLst/>
-          </a:prstGeom>
-          <a:noFill/>
-          <a:ln w="12700" cap="flat">
-            <a:noFill/>
-            <a:miter lim="400000"/>
-          </a:ln>
-          <a:effectLst/>
-          <a:sp3d/>
-        </p:spPr>
-        <p:style>
-          <a:lnRef idx="0">
-            <a:scrgbClr r="0" g="0" b="0"/>
-          </a:lnRef>
-          <a:fillRef idx="0">
-            <a:scrgbClr r="0" g="0" b="0"/>
-          </a:fillRef>
-          <a:effectRef idx="0">
-            <a:scrgbClr r="0" g="0" b="0"/>
-          </a:effectRef>
-          <a:fontRef idx="none"/>
-        </p:style>
-        <p:txBody>
-          <a:bodyPr wrap="square">
-            <a:spAutoFit/>
-          </a:bodyPr>
-          <a:lstStyle/>
-          <a:p>
-            <a:r>
-              <a:rPr lang="en-GB" sz="2400" dirty="0">
-                <a:solidFill>
-                  <a:srgbClr val="0097A9"/>
-                </a:solidFill>
-              </a:rPr>
-              <a:t>causation</a:t>
-            </a:r>
-            <a:endParaRPr lang="en-AT" sz="2400" dirty="0">
-              <a:solidFill>
-                <a:srgbClr val="0097A9"/>
-              </a:solidFill>
-            </a:endParaRPr>
-          </a:p>
-        </p:txBody>
-      </p:sp>
-      <p:sp>
-        <p:nvSpPr>
-          <p:cNvPr id="15" name="TextBox 14">
-            <a:extLst>
-              <a:ext uri="{FF2B5EF4-FFF2-40B4-BE49-F238E27FC236}">
-                <a16:creationId xmlns:a16="http://schemas.microsoft.com/office/drawing/2014/main" id="{FA03D0CF-6ABD-D908-EA27-F56EF48965BF}"/>
-              </a:ext>
-            </a:extLst>
-          </p:cNvPr>
-          <p:cNvSpPr txBox="1"/>
-          <p:nvPr/>
-        </p:nvSpPr>
-        <p:spPr>
-          <a:xfrm>
-            <a:off x="3240006" y="6894960"/>
-            <a:ext cx="6524786" cy="461665"/>
-          </a:xfrm>
-          <a:prstGeom prst="rect">
-            <a:avLst/>
-          </a:prstGeom>
-          <a:noFill/>
-          <a:ln w="12700" cap="flat">
-            <a:noFill/>
-            <a:miter lim="400000"/>
-          </a:ln>
-          <a:effectLst/>
-          <a:sp3d/>
-        </p:spPr>
-        <p:style>
-          <a:lnRef idx="0">
-            <a:scrgbClr r="0" g="0" b="0"/>
-          </a:lnRef>
-          <a:fillRef idx="0">
-            <a:scrgbClr r="0" g="0" b="0"/>
-          </a:fillRef>
-          <a:effectRef idx="0">
-            <a:scrgbClr r="0" g="0" b="0"/>
-          </a:effectRef>
-          <a:fontRef idx="none"/>
-        </p:style>
-        <p:txBody>
-          <a:bodyPr wrap="square">
-            <a:spAutoFit/>
-          </a:bodyPr>
-          <a:lstStyle/>
-          <a:p>
-            <a:r>
-              <a:rPr lang="en-GB" sz="2400" dirty="0">
-                <a:solidFill>
-                  <a:srgbClr val="FF9B50"/>
-                </a:solidFill>
-                <a:latin typeface="Helvetica" pitchFamily="2" charset="0"/>
-              </a:rPr>
-              <a:t>Association only?</a:t>
-            </a:r>
-          </a:p>
-        </p:txBody>
-      </p:sp>
-    </p:spTree>
-    <p:extLst>
-      <p:ext uri="{BB962C8B-B14F-4D97-AF65-F5344CB8AC3E}">
-        <p14:creationId xmlns:p14="http://schemas.microsoft.com/office/powerpoint/2010/main" val="1029858200"/>
       </p:ext>
     </p:extLst>
   </p:cSld>
